--- a/fivecentplots/doc/diagram.pptx
+++ b/fivecentplots/doc/diagram.pptx
@@ -244,7 +244,7 @@
           <a:p>
             <a:fld id="{8E22F708-BB7A-4367-940A-243452B90990}" type="datetimeFigureOut">
               <a:rPr lang="en-US" smtClean="0"/>
-              <a:t>1/9/2016</a:t>
+              <a:t>1/30/2016</a:t>
             </a:fld>
             <a:endParaRPr lang="en-US"/>
           </a:p>
@@ -414,7 +414,7 @@
           <a:p>
             <a:fld id="{8E22F708-BB7A-4367-940A-243452B90990}" type="datetimeFigureOut">
               <a:rPr lang="en-US" smtClean="0"/>
-              <a:t>1/9/2016</a:t>
+              <a:t>1/30/2016</a:t>
             </a:fld>
             <a:endParaRPr lang="en-US"/>
           </a:p>
@@ -594,7 +594,7 @@
           <a:p>
             <a:fld id="{8E22F708-BB7A-4367-940A-243452B90990}" type="datetimeFigureOut">
               <a:rPr lang="en-US" smtClean="0"/>
-              <a:t>1/9/2016</a:t>
+              <a:t>1/30/2016</a:t>
             </a:fld>
             <a:endParaRPr lang="en-US"/>
           </a:p>
@@ -764,7 +764,7 @@
           <a:p>
             <a:fld id="{8E22F708-BB7A-4367-940A-243452B90990}" type="datetimeFigureOut">
               <a:rPr lang="en-US" smtClean="0"/>
-              <a:t>1/9/2016</a:t>
+              <a:t>1/30/2016</a:t>
             </a:fld>
             <a:endParaRPr lang="en-US"/>
           </a:p>
@@ -1010,7 +1010,7 @@
           <a:p>
             <a:fld id="{8E22F708-BB7A-4367-940A-243452B90990}" type="datetimeFigureOut">
               <a:rPr lang="en-US" smtClean="0"/>
-              <a:t>1/9/2016</a:t>
+              <a:t>1/30/2016</a:t>
             </a:fld>
             <a:endParaRPr lang="en-US"/>
           </a:p>
@@ -1242,7 +1242,7 @@
           <a:p>
             <a:fld id="{8E22F708-BB7A-4367-940A-243452B90990}" type="datetimeFigureOut">
               <a:rPr lang="en-US" smtClean="0"/>
-              <a:t>1/9/2016</a:t>
+              <a:t>1/30/2016</a:t>
             </a:fld>
             <a:endParaRPr lang="en-US"/>
           </a:p>
@@ -1609,7 +1609,7 @@
           <a:p>
             <a:fld id="{8E22F708-BB7A-4367-940A-243452B90990}" type="datetimeFigureOut">
               <a:rPr lang="en-US" smtClean="0"/>
-              <a:t>1/9/2016</a:t>
+              <a:t>1/30/2016</a:t>
             </a:fld>
             <a:endParaRPr lang="en-US"/>
           </a:p>
@@ -1727,7 +1727,7 @@
           <a:p>
             <a:fld id="{8E22F708-BB7A-4367-940A-243452B90990}" type="datetimeFigureOut">
               <a:rPr lang="en-US" smtClean="0"/>
-              <a:t>1/9/2016</a:t>
+              <a:t>1/30/2016</a:t>
             </a:fld>
             <a:endParaRPr lang="en-US"/>
           </a:p>
@@ -1822,7 +1822,7 @@
           <a:p>
             <a:fld id="{8E22F708-BB7A-4367-940A-243452B90990}" type="datetimeFigureOut">
               <a:rPr lang="en-US" smtClean="0"/>
-              <a:t>1/9/2016</a:t>
+              <a:t>1/30/2016</a:t>
             </a:fld>
             <a:endParaRPr lang="en-US"/>
           </a:p>
@@ -2099,7 +2099,7 @@
           <a:p>
             <a:fld id="{8E22F708-BB7A-4367-940A-243452B90990}" type="datetimeFigureOut">
               <a:rPr lang="en-US" smtClean="0"/>
-              <a:t>1/9/2016</a:t>
+              <a:t>1/30/2016</a:t>
             </a:fld>
             <a:endParaRPr lang="en-US"/>
           </a:p>
@@ -2352,7 +2352,7 @@
           <a:p>
             <a:fld id="{8E22F708-BB7A-4367-940A-243452B90990}" type="datetimeFigureOut">
               <a:rPr lang="en-US" smtClean="0"/>
-              <a:t>1/9/2016</a:t>
+              <a:t>1/30/2016</a:t>
             </a:fld>
             <a:endParaRPr lang="en-US"/>
           </a:p>
@@ -2565,7 +2565,7 @@
           <a:p>
             <a:fld id="{8E22F708-BB7A-4367-940A-243452B90990}" type="datetimeFigureOut">
               <a:rPr lang="en-US" smtClean="0"/>
-              <a:t>1/9/2016</a:t>
+              <a:t>1/30/2016</a:t>
             </a:fld>
             <a:endParaRPr lang="en-US"/>
           </a:p>
@@ -5335,6 +5335,171 @@
           </a:p>
         </p:txBody>
       </p:sp>
+      <p:cxnSp>
+        <p:nvCxnSpPr>
+          <p:cNvPr id="56" name="Straight Arrow Connector 55"/>
+          <p:cNvCxnSpPr/>
+          <p:nvPr/>
+        </p:nvCxnSpPr>
+        <p:spPr>
+          <a:xfrm>
+            <a:off x="6607892" y="3952562"/>
+            <a:ext cx="1696004" cy="0"/>
+          </a:xfrm>
+          <a:prstGeom prst="straightConnector1">
+            <a:avLst/>
+          </a:prstGeom>
+          <a:ln w="19050">
+            <a:solidFill>
+              <a:schemeClr val="tx1">
+                <a:lumMod val="65000"/>
+                <a:lumOff val="35000"/>
+              </a:schemeClr>
+            </a:solidFill>
+            <a:headEnd type="triangle" w="med" len="med"/>
+            <a:tailEnd type="triangle" w="med" len="med"/>
+          </a:ln>
+        </p:spPr>
+        <p:style>
+          <a:lnRef idx="1">
+            <a:schemeClr val="accent1"/>
+          </a:lnRef>
+          <a:fillRef idx="0">
+            <a:schemeClr val="accent1"/>
+          </a:fillRef>
+          <a:effectRef idx="0">
+            <a:schemeClr val="accent1"/>
+          </a:effectRef>
+          <a:fontRef idx="minor">
+            <a:schemeClr val="tx1"/>
+          </a:fontRef>
+        </p:style>
+      </p:cxnSp>
+      <p:sp>
+        <p:nvSpPr>
+          <p:cNvPr id="60" name="TextBox 59"/>
+          <p:cNvSpPr txBox="1"/>
+          <p:nvPr/>
+        </p:nvSpPr>
+        <p:spPr>
+          <a:xfrm>
+            <a:off x="8448121" y="3341644"/>
+            <a:ext cx="1789272" cy="338554"/>
+          </a:xfrm>
+          <a:prstGeom prst="rect">
+            <a:avLst/>
+          </a:prstGeom>
+          <a:solidFill>
+            <a:schemeClr val="bg1"/>
+          </a:solidFill>
+        </p:spPr>
+        <p:txBody>
+          <a:bodyPr wrap="none" rtlCol="0">
+            <a:spAutoFit/>
+          </a:bodyPr>
+          <a:lstStyle/>
+          <a:p>
+            <a:r>
+              <a:rPr lang="en-US" sz="1600" dirty="0" err="1" smtClean="0">
+                <a:latin typeface="Courier New" panose="02070309020205020404" pitchFamily="49" charset="0"/>
+                <a:cs typeface="Courier New" panose="02070309020205020404" pitchFamily="49" charset="0"/>
+              </a:rPr>
+              <a:t>ax_leg_fig_ws</a:t>
+            </a:r>
+            <a:endParaRPr lang="en-US" sz="1600" dirty="0">
+              <a:latin typeface="Courier New" panose="02070309020205020404" pitchFamily="49" charset="0"/>
+              <a:cs typeface="Courier New" panose="02070309020205020404" pitchFamily="49" charset="0"/>
+            </a:endParaRPr>
+          </a:p>
+        </p:txBody>
+      </p:sp>
+      <p:sp>
+        <p:nvSpPr>
+          <p:cNvPr id="5" name="Freeform 4"/>
+          <p:cNvSpPr/>
+          <p:nvPr/>
+        </p:nvSpPr>
+        <p:spPr>
+          <a:xfrm>
+            <a:off x="7422776" y="3354424"/>
+            <a:ext cx="1043492" cy="593632"/>
+          </a:xfrm>
+          <a:custGeom>
+            <a:avLst/>
+            <a:gdLst>
+              <a:gd name="connsiteX0" fmla="*/ 0 w 1043492"/>
+              <a:gd name="connsiteY0" fmla="*/ 593632 h 593632"/>
+              <a:gd name="connsiteX1" fmla="*/ 204396 w 1043492"/>
+              <a:gd name="connsiteY1" fmla="*/ 23477 h 593632"/>
+              <a:gd name="connsiteX2" fmla="*/ 1043492 w 1043492"/>
+              <a:gd name="connsiteY2" fmla="*/ 163327 h 593632"/>
+            </a:gdLst>
+            <a:ahLst/>
+            <a:cxnLst>
+              <a:cxn ang="0">
+                <a:pos x="connsiteX0" y="connsiteY0"/>
+              </a:cxn>
+              <a:cxn ang="0">
+                <a:pos x="connsiteX1" y="connsiteY1"/>
+              </a:cxn>
+              <a:cxn ang="0">
+                <a:pos x="connsiteX2" y="connsiteY2"/>
+              </a:cxn>
+            </a:cxnLst>
+            <a:rect l="l" t="t" r="r" b="b"/>
+            <a:pathLst>
+              <a:path w="1043492" h="593632">
+                <a:moveTo>
+                  <a:pt x="0" y="593632"/>
+                </a:moveTo>
+                <a:cubicBezTo>
+                  <a:pt x="15240" y="344413"/>
+                  <a:pt x="30481" y="95194"/>
+                  <a:pt x="204396" y="23477"/>
+                </a:cubicBezTo>
+                <a:cubicBezTo>
+                  <a:pt x="378311" y="-48241"/>
+                  <a:pt x="710901" y="57543"/>
+                  <a:pt x="1043492" y="163327"/>
+                </a:cubicBezTo>
+              </a:path>
+            </a:pathLst>
+          </a:custGeom>
+          <a:noFill/>
+          <a:ln>
+            <a:solidFill>
+              <a:schemeClr val="tx1">
+                <a:lumMod val="65000"/>
+                <a:lumOff val="35000"/>
+              </a:schemeClr>
+            </a:solidFill>
+          </a:ln>
+        </p:spPr>
+        <p:style>
+          <a:lnRef idx="2">
+            <a:schemeClr val="accent1">
+              <a:shade val="50000"/>
+            </a:schemeClr>
+          </a:lnRef>
+          <a:fillRef idx="1">
+            <a:schemeClr val="accent1"/>
+          </a:fillRef>
+          <a:effectRef idx="0">
+            <a:schemeClr val="accent1"/>
+          </a:effectRef>
+          <a:fontRef idx="minor">
+            <a:schemeClr val="lt1"/>
+          </a:fontRef>
+        </p:style>
+        <p:txBody>
+          <a:bodyPr rtlCol="0" anchor="ctr"/>
+          <a:lstStyle/>
+          <a:p>
+            <a:pPr algn="ctr"/>
+            <a:endParaRPr lang="en-US"/>
+          </a:p>
+        </p:txBody>
+      </p:sp>
     </p:spTree>
     <p:extLst>
       <p:ext uri="{BB962C8B-B14F-4D97-AF65-F5344CB8AC3E}">

--- a/fivecentplots/doc/diagram.pptx
+++ b/fivecentplots/doc/diagram.pptx
@@ -155,10 +155,9 @@
           </a:lstStyle>
           <a:p>
             <a:r>
-              <a:rPr lang="en-US" smtClean="0"/>
+              <a:rPr lang="en-US"/>
               <a:t>Click to edit Master title style</a:t>
             </a:r>
-            <a:endParaRPr lang="en-US"/>
           </a:p>
         </p:txBody>
       </p:sp>
@@ -220,10 +219,9 @@
           </a:lstStyle>
           <a:p>
             <a:r>
-              <a:rPr lang="en-US" smtClean="0"/>
+              <a:rPr lang="en-US"/>
               <a:t>Click to edit Master subtitle style</a:t>
             </a:r>
-            <a:endParaRPr lang="en-US"/>
           </a:p>
         </p:txBody>
       </p:sp>
@@ -244,7 +242,7 @@
           <a:p>
             <a:fld id="{8E22F708-BB7A-4367-940A-243452B90990}" type="datetimeFigureOut">
               <a:rPr lang="en-US" smtClean="0"/>
-              <a:t>1/30/2016</a:t>
+              <a:t>4/17/2016</a:t>
             </a:fld>
             <a:endParaRPr lang="en-US"/>
           </a:p>
@@ -338,10 +336,9 @@
           <a:lstStyle/>
           <a:p>
             <a:r>
-              <a:rPr lang="en-US" smtClean="0"/>
+              <a:rPr lang="en-US"/>
               <a:t>Click to edit Master title style</a:t>
             </a:r>
-            <a:endParaRPr lang="en-US"/>
           </a:p>
         </p:txBody>
       </p:sp>
@@ -362,38 +359,37 @@
           <a:p>
             <a:pPr lvl="0"/>
             <a:r>
-              <a:rPr lang="en-US" smtClean="0"/>
+              <a:rPr lang="en-US"/>
               <a:t>Edit Master text styles</a:t>
             </a:r>
           </a:p>
           <a:p>
             <a:pPr lvl="1"/>
             <a:r>
-              <a:rPr lang="en-US" smtClean="0"/>
+              <a:rPr lang="en-US"/>
               <a:t>Second level</a:t>
             </a:r>
           </a:p>
           <a:p>
             <a:pPr lvl="2"/>
             <a:r>
-              <a:rPr lang="en-US" smtClean="0"/>
+              <a:rPr lang="en-US"/>
               <a:t>Third level</a:t>
             </a:r>
           </a:p>
           <a:p>
             <a:pPr lvl="3"/>
             <a:r>
-              <a:rPr lang="en-US" smtClean="0"/>
+              <a:rPr lang="en-US"/>
               <a:t>Fourth level</a:t>
             </a:r>
           </a:p>
           <a:p>
             <a:pPr lvl="4"/>
             <a:r>
-              <a:rPr lang="en-US" smtClean="0"/>
+              <a:rPr lang="en-US"/>
               <a:t>Fifth level</a:t>
             </a:r>
-            <a:endParaRPr lang="en-US"/>
           </a:p>
         </p:txBody>
       </p:sp>
@@ -414,7 +410,7 @@
           <a:p>
             <a:fld id="{8E22F708-BB7A-4367-940A-243452B90990}" type="datetimeFigureOut">
               <a:rPr lang="en-US" smtClean="0"/>
-              <a:t>1/30/2016</a:t>
+              <a:t>4/17/2016</a:t>
             </a:fld>
             <a:endParaRPr lang="en-US"/>
           </a:p>
@@ -513,10 +509,9 @@
           <a:lstStyle/>
           <a:p>
             <a:r>
-              <a:rPr lang="en-US" smtClean="0"/>
+              <a:rPr lang="en-US"/>
               <a:t>Click to edit Master title style</a:t>
             </a:r>
-            <a:endParaRPr lang="en-US"/>
           </a:p>
         </p:txBody>
       </p:sp>
@@ -542,38 +537,37 @@
           <a:p>
             <a:pPr lvl="0"/>
             <a:r>
-              <a:rPr lang="en-US" smtClean="0"/>
+              <a:rPr lang="en-US"/>
               <a:t>Edit Master text styles</a:t>
             </a:r>
           </a:p>
           <a:p>
             <a:pPr lvl="1"/>
             <a:r>
-              <a:rPr lang="en-US" smtClean="0"/>
+              <a:rPr lang="en-US"/>
               <a:t>Second level</a:t>
             </a:r>
           </a:p>
           <a:p>
             <a:pPr lvl="2"/>
             <a:r>
-              <a:rPr lang="en-US" smtClean="0"/>
+              <a:rPr lang="en-US"/>
               <a:t>Third level</a:t>
             </a:r>
           </a:p>
           <a:p>
             <a:pPr lvl="3"/>
             <a:r>
-              <a:rPr lang="en-US" smtClean="0"/>
+              <a:rPr lang="en-US"/>
               <a:t>Fourth level</a:t>
             </a:r>
           </a:p>
           <a:p>
             <a:pPr lvl="4"/>
             <a:r>
-              <a:rPr lang="en-US" smtClean="0"/>
+              <a:rPr lang="en-US"/>
               <a:t>Fifth level</a:t>
             </a:r>
-            <a:endParaRPr lang="en-US"/>
           </a:p>
         </p:txBody>
       </p:sp>
@@ -594,7 +588,7 @@
           <a:p>
             <a:fld id="{8E22F708-BB7A-4367-940A-243452B90990}" type="datetimeFigureOut">
               <a:rPr lang="en-US" smtClean="0"/>
-              <a:t>1/30/2016</a:t>
+              <a:t>4/17/2016</a:t>
             </a:fld>
             <a:endParaRPr lang="en-US"/>
           </a:p>
@@ -688,10 +682,9 @@
           <a:lstStyle/>
           <a:p>
             <a:r>
-              <a:rPr lang="en-US" smtClean="0"/>
+              <a:rPr lang="en-US"/>
               <a:t>Click to edit Master title style</a:t>
             </a:r>
-            <a:endParaRPr lang="en-US"/>
           </a:p>
         </p:txBody>
       </p:sp>
@@ -712,38 +705,37 @@
           <a:p>
             <a:pPr lvl="0"/>
             <a:r>
-              <a:rPr lang="en-US" smtClean="0"/>
+              <a:rPr lang="en-US"/>
               <a:t>Edit Master text styles</a:t>
             </a:r>
           </a:p>
           <a:p>
             <a:pPr lvl="1"/>
             <a:r>
-              <a:rPr lang="en-US" smtClean="0"/>
+              <a:rPr lang="en-US"/>
               <a:t>Second level</a:t>
             </a:r>
           </a:p>
           <a:p>
             <a:pPr lvl="2"/>
             <a:r>
-              <a:rPr lang="en-US" smtClean="0"/>
+              <a:rPr lang="en-US"/>
               <a:t>Third level</a:t>
             </a:r>
           </a:p>
           <a:p>
             <a:pPr lvl="3"/>
             <a:r>
-              <a:rPr lang="en-US" smtClean="0"/>
+              <a:rPr lang="en-US"/>
               <a:t>Fourth level</a:t>
             </a:r>
           </a:p>
           <a:p>
             <a:pPr lvl="4"/>
             <a:r>
-              <a:rPr lang="en-US" smtClean="0"/>
+              <a:rPr lang="en-US"/>
               <a:t>Fifth level</a:t>
             </a:r>
-            <a:endParaRPr lang="en-US"/>
           </a:p>
         </p:txBody>
       </p:sp>
@@ -764,7 +756,7 @@
           <a:p>
             <a:fld id="{8E22F708-BB7A-4367-940A-243452B90990}" type="datetimeFigureOut">
               <a:rPr lang="en-US" smtClean="0"/>
-              <a:t>1/30/2016</a:t>
+              <a:t>4/17/2016</a:t>
             </a:fld>
             <a:endParaRPr lang="en-US"/>
           </a:p>
@@ -867,10 +859,9 @@
           </a:lstStyle>
           <a:p>
             <a:r>
-              <a:rPr lang="en-US" smtClean="0"/>
+              <a:rPr lang="en-US"/>
               <a:t>Click to edit Master title style</a:t>
             </a:r>
-            <a:endParaRPr lang="en-US"/>
           </a:p>
         </p:txBody>
       </p:sp>
@@ -987,7 +978,7 @@
           <a:p>
             <a:pPr lvl="0"/>
             <a:r>
-              <a:rPr lang="en-US" smtClean="0"/>
+              <a:rPr lang="en-US"/>
               <a:t>Edit Master text styles</a:t>
             </a:r>
           </a:p>
@@ -1010,7 +1001,7 @@
           <a:p>
             <a:fld id="{8E22F708-BB7A-4367-940A-243452B90990}" type="datetimeFigureOut">
               <a:rPr lang="en-US" smtClean="0"/>
-              <a:t>1/30/2016</a:t>
+              <a:t>4/17/2016</a:t>
             </a:fld>
             <a:endParaRPr lang="en-US"/>
           </a:p>
@@ -1104,10 +1095,9 @@
           <a:lstStyle/>
           <a:p>
             <a:r>
-              <a:rPr lang="en-US" smtClean="0"/>
+              <a:rPr lang="en-US"/>
               <a:t>Click to edit Master title style</a:t>
             </a:r>
-            <a:endParaRPr lang="en-US"/>
           </a:p>
         </p:txBody>
       </p:sp>
@@ -1133,38 +1123,37 @@
           <a:p>
             <a:pPr lvl="0"/>
             <a:r>
-              <a:rPr lang="en-US" smtClean="0"/>
+              <a:rPr lang="en-US"/>
               <a:t>Edit Master text styles</a:t>
             </a:r>
           </a:p>
           <a:p>
             <a:pPr lvl="1"/>
             <a:r>
-              <a:rPr lang="en-US" smtClean="0"/>
+              <a:rPr lang="en-US"/>
               <a:t>Second level</a:t>
             </a:r>
           </a:p>
           <a:p>
             <a:pPr lvl="2"/>
             <a:r>
-              <a:rPr lang="en-US" smtClean="0"/>
+              <a:rPr lang="en-US"/>
               <a:t>Third level</a:t>
             </a:r>
           </a:p>
           <a:p>
             <a:pPr lvl="3"/>
             <a:r>
-              <a:rPr lang="en-US" smtClean="0"/>
+              <a:rPr lang="en-US"/>
               <a:t>Fourth level</a:t>
             </a:r>
           </a:p>
           <a:p>
             <a:pPr lvl="4"/>
             <a:r>
-              <a:rPr lang="en-US" smtClean="0"/>
+              <a:rPr lang="en-US"/>
               <a:t>Fifth level</a:t>
             </a:r>
-            <a:endParaRPr lang="en-US"/>
           </a:p>
         </p:txBody>
       </p:sp>
@@ -1190,38 +1179,37 @@
           <a:p>
             <a:pPr lvl="0"/>
             <a:r>
-              <a:rPr lang="en-US" smtClean="0"/>
+              <a:rPr lang="en-US"/>
               <a:t>Edit Master text styles</a:t>
             </a:r>
           </a:p>
           <a:p>
             <a:pPr lvl="1"/>
             <a:r>
-              <a:rPr lang="en-US" smtClean="0"/>
+              <a:rPr lang="en-US"/>
               <a:t>Second level</a:t>
             </a:r>
           </a:p>
           <a:p>
             <a:pPr lvl="2"/>
             <a:r>
-              <a:rPr lang="en-US" smtClean="0"/>
+              <a:rPr lang="en-US"/>
               <a:t>Third level</a:t>
             </a:r>
           </a:p>
           <a:p>
             <a:pPr lvl="3"/>
             <a:r>
-              <a:rPr lang="en-US" smtClean="0"/>
+              <a:rPr lang="en-US"/>
               <a:t>Fourth level</a:t>
             </a:r>
           </a:p>
           <a:p>
             <a:pPr lvl="4"/>
             <a:r>
-              <a:rPr lang="en-US" smtClean="0"/>
+              <a:rPr lang="en-US"/>
               <a:t>Fifth level</a:t>
             </a:r>
-            <a:endParaRPr lang="en-US"/>
           </a:p>
         </p:txBody>
       </p:sp>
@@ -1242,7 +1230,7 @@
           <a:p>
             <a:fld id="{8E22F708-BB7A-4367-940A-243452B90990}" type="datetimeFigureOut">
               <a:rPr lang="en-US" smtClean="0"/>
-              <a:t>1/30/2016</a:t>
+              <a:t>4/17/2016</a:t>
             </a:fld>
             <a:endParaRPr lang="en-US"/>
           </a:p>
@@ -1341,10 +1329,9 @@
           <a:lstStyle/>
           <a:p>
             <a:r>
-              <a:rPr lang="en-US" smtClean="0"/>
+              <a:rPr lang="en-US"/>
               <a:t>Click to edit Master title style</a:t>
             </a:r>
-            <a:endParaRPr lang="en-US"/>
           </a:p>
         </p:txBody>
       </p:sp>
@@ -1407,7 +1394,7 @@
           <a:p>
             <a:pPr lvl="0"/>
             <a:r>
-              <a:rPr lang="en-US" smtClean="0"/>
+              <a:rPr lang="en-US"/>
               <a:t>Edit Master text styles</a:t>
             </a:r>
           </a:p>
@@ -1435,38 +1422,37 @@
           <a:p>
             <a:pPr lvl="0"/>
             <a:r>
-              <a:rPr lang="en-US" smtClean="0"/>
+              <a:rPr lang="en-US"/>
               <a:t>Edit Master text styles</a:t>
             </a:r>
           </a:p>
           <a:p>
             <a:pPr lvl="1"/>
             <a:r>
-              <a:rPr lang="en-US" smtClean="0"/>
+              <a:rPr lang="en-US"/>
               <a:t>Second level</a:t>
             </a:r>
           </a:p>
           <a:p>
             <a:pPr lvl="2"/>
             <a:r>
-              <a:rPr lang="en-US" smtClean="0"/>
+              <a:rPr lang="en-US"/>
               <a:t>Third level</a:t>
             </a:r>
           </a:p>
           <a:p>
             <a:pPr lvl="3"/>
             <a:r>
-              <a:rPr lang="en-US" smtClean="0"/>
+              <a:rPr lang="en-US"/>
               <a:t>Fourth level</a:t>
             </a:r>
           </a:p>
           <a:p>
             <a:pPr lvl="4"/>
             <a:r>
-              <a:rPr lang="en-US" smtClean="0"/>
+              <a:rPr lang="en-US"/>
               <a:t>Fifth level</a:t>
             </a:r>
-            <a:endParaRPr lang="en-US"/>
           </a:p>
         </p:txBody>
       </p:sp>
@@ -1529,7 +1515,7 @@
           <a:p>
             <a:pPr lvl="0"/>
             <a:r>
-              <a:rPr lang="en-US" smtClean="0"/>
+              <a:rPr lang="en-US"/>
               <a:t>Edit Master text styles</a:t>
             </a:r>
           </a:p>
@@ -1557,38 +1543,37 @@
           <a:p>
             <a:pPr lvl="0"/>
             <a:r>
-              <a:rPr lang="en-US" smtClean="0"/>
+              <a:rPr lang="en-US"/>
               <a:t>Edit Master text styles</a:t>
             </a:r>
           </a:p>
           <a:p>
             <a:pPr lvl="1"/>
             <a:r>
-              <a:rPr lang="en-US" smtClean="0"/>
+              <a:rPr lang="en-US"/>
               <a:t>Second level</a:t>
             </a:r>
           </a:p>
           <a:p>
             <a:pPr lvl="2"/>
             <a:r>
-              <a:rPr lang="en-US" smtClean="0"/>
+              <a:rPr lang="en-US"/>
               <a:t>Third level</a:t>
             </a:r>
           </a:p>
           <a:p>
             <a:pPr lvl="3"/>
             <a:r>
-              <a:rPr lang="en-US" smtClean="0"/>
+              <a:rPr lang="en-US"/>
               <a:t>Fourth level</a:t>
             </a:r>
           </a:p>
           <a:p>
             <a:pPr lvl="4"/>
             <a:r>
-              <a:rPr lang="en-US" smtClean="0"/>
+              <a:rPr lang="en-US"/>
               <a:t>Fifth level</a:t>
             </a:r>
-            <a:endParaRPr lang="en-US"/>
           </a:p>
         </p:txBody>
       </p:sp>
@@ -1609,7 +1594,7 @@
           <a:p>
             <a:fld id="{8E22F708-BB7A-4367-940A-243452B90990}" type="datetimeFigureOut">
               <a:rPr lang="en-US" smtClean="0"/>
-              <a:t>1/30/2016</a:t>
+              <a:t>4/17/2016</a:t>
             </a:fld>
             <a:endParaRPr lang="en-US"/>
           </a:p>
@@ -1703,10 +1688,9 @@
           <a:lstStyle/>
           <a:p>
             <a:r>
-              <a:rPr lang="en-US" smtClean="0"/>
+              <a:rPr lang="en-US"/>
               <a:t>Click to edit Master title style</a:t>
             </a:r>
-            <a:endParaRPr lang="en-US"/>
           </a:p>
         </p:txBody>
       </p:sp>
@@ -1727,7 +1711,7 @@
           <a:p>
             <a:fld id="{8E22F708-BB7A-4367-940A-243452B90990}" type="datetimeFigureOut">
               <a:rPr lang="en-US" smtClean="0"/>
-              <a:t>1/30/2016</a:t>
+              <a:t>4/17/2016</a:t>
             </a:fld>
             <a:endParaRPr lang="en-US"/>
           </a:p>
@@ -1822,7 +1806,7 @@
           <a:p>
             <a:fld id="{8E22F708-BB7A-4367-940A-243452B90990}" type="datetimeFigureOut">
               <a:rPr lang="en-US" smtClean="0"/>
-              <a:t>1/30/2016</a:t>
+              <a:t>4/17/2016</a:t>
             </a:fld>
             <a:endParaRPr lang="en-US"/>
           </a:p>
@@ -1925,10 +1909,9 @@
           </a:lstStyle>
           <a:p>
             <a:r>
-              <a:rPr lang="en-US" smtClean="0"/>
+              <a:rPr lang="en-US"/>
               <a:t>Click to edit Master title style</a:t>
             </a:r>
-            <a:endParaRPr lang="en-US"/>
           </a:p>
         </p:txBody>
       </p:sp>
@@ -1982,38 +1965,37 @@
           <a:p>
             <a:pPr lvl="0"/>
             <a:r>
-              <a:rPr lang="en-US" smtClean="0"/>
+              <a:rPr lang="en-US"/>
               <a:t>Edit Master text styles</a:t>
             </a:r>
           </a:p>
           <a:p>
             <a:pPr lvl="1"/>
             <a:r>
-              <a:rPr lang="en-US" smtClean="0"/>
+              <a:rPr lang="en-US"/>
               <a:t>Second level</a:t>
             </a:r>
           </a:p>
           <a:p>
             <a:pPr lvl="2"/>
             <a:r>
-              <a:rPr lang="en-US" smtClean="0"/>
+              <a:rPr lang="en-US"/>
               <a:t>Third level</a:t>
             </a:r>
           </a:p>
           <a:p>
             <a:pPr lvl="3"/>
             <a:r>
-              <a:rPr lang="en-US" smtClean="0"/>
+              <a:rPr lang="en-US"/>
               <a:t>Fourth level</a:t>
             </a:r>
           </a:p>
           <a:p>
             <a:pPr lvl="4"/>
             <a:r>
-              <a:rPr lang="en-US" smtClean="0"/>
+              <a:rPr lang="en-US"/>
               <a:t>Fifth level</a:t>
             </a:r>
-            <a:endParaRPr lang="en-US"/>
           </a:p>
         </p:txBody>
       </p:sp>
@@ -2076,7 +2058,7 @@
           <a:p>
             <a:pPr lvl="0"/>
             <a:r>
-              <a:rPr lang="en-US" smtClean="0"/>
+              <a:rPr lang="en-US"/>
               <a:t>Edit Master text styles</a:t>
             </a:r>
           </a:p>
@@ -2099,7 +2081,7 @@
           <a:p>
             <a:fld id="{8E22F708-BB7A-4367-940A-243452B90990}" type="datetimeFigureOut">
               <a:rPr lang="en-US" smtClean="0"/>
-              <a:t>1/30/2016</a:t>
+              <a:t>4/17/2016</a:t>
             </a:fld>
             <a:endParaRPr lang="en-US"/>
           </a:p>
@@ -2202,10 +2184,9 @@
           </a:lstStyle>
           <a:p>
             <a:r>
-              <a:rPr lang="en-US" smtClean="0"/>
+              <a:rPr lang="en-US"/>
               <a:t>Click to edit Master title style</a:t>
             </a:r>
-            <a:endParaRPr lang="en-US"/>
           </a:p>
         </p:txBody>
       </p:sp>
@@ -2329,7 +2310,7 @@
           <a:p>
             <a:pPr lvl="0"/>
             <a:r>
-              <a:rPr lang="en-US" smtClean="0"/>
+              <a:rPr lang="en-US"/>
               <a:t>Edit Master text styles</a:t>
             </a:r>
           </a:p>
@@ -2352,7 +2333,7 @@
           <a:p>
             <a:fld id="{8E22F708-BB7A-4367-940A-243452B90990}" type="datetimeFigureOut">
               <a:rPr lang="en-US" smtClean="0"/>
-              <a:t>1/30/2016</a:t>
+              <a:t>4/17/2016</a:t>
             </a:fld>
             <a:endParaRPr lang="en-US"/>
           </a:p>
@@ -2461,10 +2442,9 @@
           <a:lstStyle/>
           <a:p>
             <a:r>
-              <a:rPr lang="en-US" smtClean="0"/>
+              <a:rPr lang="en-US"/>
               <a:t>Click to edit Master title style</a:t>
             </a:r>
-            <a:endParaRPr lang="en-US"/>
           </a:p>
         </p:txBody>
       </p:sp>
@@ -2495,38 +2475,37 @@
           <a:p>
             <a:pPr lvl="0"/>
             <a:r>
-              <a:rPr lang="en-US" smtClean="0"/>
+              <a:rPr lang="en-US"/>
               <a:t>Edit Master text styles</a:t>
             </a:r>
           </a:p>
           <a:p>
             <a:pPr lvl="1"/>
             <a:r>
-              <a:rPr lang="en-US" smtClean="0"/>
+              <a:rPr lang="en-US"/>
               <a:t>Second level</a:t>
             </a:r>
           </a:p>
           <a:p>
             <a:pPr lvl="2"/>
             <a:r>
-              <a:rPr lang="en-US" smtClean="0"/>
+              <a:rPr lang="en-US"/>
               <a:t>Third level</a:t>
             </a:r>
           </a:p>
           <a:p>
             <a:pPr lvl="3"/>
             <a:r>
-              <a:rPr lang="en-US" smtClean="0"/>
+              <a:rPr lang="en-US"/>
               <a:t>Fourth level</a:t>
             </a:r>
           </a:p>
           <a:p>
             <a:pPr lvl="4"/>
             <a:r>
-              <a:rPr lang="en-US" smtClean="0"/>
+              <a:rPr lang="en-US"/>
               <a:t>Fifth level</a:t>
             </a:r>
-            <a:endParaRPr lang="en-US"/>
           </a:p>
         </p:txBody>
       </p:sp>
@@ -2565,7 +2544,7 @@
           <a:p>
             <a:fld id="{8E22F708-BB7A-4367-940A-243452B90990}" type="datetimeFigureOut">
               <a:rPr lang="en-US" smtClean="0"/>
-              <a:t>1/30/2016</a:t>
+              <a:t>4/17/2016</a:t>
             </a:fld>
             <a:endParaRPr lang="en-US"/>
           </a:p>
@@ -3079,21 +3058,20 @@
           <a:lstStyle/>
           <a:p>
             <a:r>
-              <a:rPr lang="en-US" sz="1600" dirty="0" smtClean="0"/>
+              <a:rPr lang="en-US" sz="1600" dirty="0"/>
               <a:t>Figure (</a:t>
             </a:r>
             <a:r>
-              <a:rPr lang="en-US" sz="1600" dirty="0" smtClean="0">
+              <a:rPr lang="en-US" sz="1600" dirty="0">
                 <a:latin typeface="Courier New" panose="02070309020205020404" pitchFamily="49" charset="0"/>
                 <a:cs typeface="Courier New" panose="02070309020205020404" pitchFamily="49" charset="0"/>
               </a:rPr>
               <a:t>fig</a:t>
             </a:r>
             <a:r>
-              <a:rPr lang="en-US" sz="1600" dirty="0" smtClean="0"/>
+              <a:rPr lang="en-US" sz="1600" dirty="0"/>
               <a:t>)</a:t>
             </a:r>
-            <a:endParaRPr lang="en-US" sz="1600" dirty="0"/>
           </a:p>
         </p:txBody>
       </p:sp>
@@ -3161,16 +3139,12 @@
           <a:lstStyle/>
           <a:p>
             <a:r>
-              <a:rPr lang="en-US" sz="1600" dirty="0" err="1" smtClean="0">
+              <a:rPr lang="en-US" sz="1600" dirty="0">
                 <a:latin typeface="Courier New" panose="02070309020205020404" pitchFamily="49" charset="0"/>
                 <a:cs typeface="Courier New" panose="02070309020205020404" pitchFamily="49" charset="0"/>
               </a:rPr>
               <a:t>fig_w</a:t>
             </a:r>
-            <a:endParaRPr lang="en-US" sz="1600" dirty="0">
-              <a:latin typeface="Courier New" panose="02070309020205020404" pitchFamily="49" charset="0"/>
-              <a:cs typeface="Courier New" panose="02070309020205020404" pitchFamily="49" charset="0"/>
-            </a:endParaRPr>
           </a:p>
         </p:txBody>
       </p:sp>
@@ -3279,21 +3253,20 @@
           <a:lstStyle/>
           <a:p>
             <a:r>
-              <a:rPr lang="en-US" sz="1600" dirty="0" smtClean="0"/>
+              <a:rPr lang="en-US" sz="1600" dirty="0"/>
               <a:t>Axes (</a:t>
             </a:r>
             <a:r>
-              <a:rPr lang="en-US" sz="1600" dirty="0" smtClean="0">
+              <a:rPr lang="en-US" sz="1600" dirty="0">
                 <a:latin typeface="Courier New" panose="02070309020205020404" pitchFamily="49" charset="0"/>
                 <a:cs typeface="Courier New" panose="02070309020205020404" pitchFamily="49" charset="0"/>
               </a:rPr>
               <a:t>ax</a:t>
             </a:r>
             <a:r>
-              <a:rPr lang="en-US" sz="1600" dirty="0" smtClean="0"/>
+              <a:rPr lang="en-US" sz="1600" dirty="0"/>
               <a:t>)</a:t>
             </a:r>
-            <a:endParaRPr lang="en-US" sz="1600" dirty="0"/>
           </a:p>
         </p:txBody>
       </p:sp>
@@ -3346,18 +3319,13 @@
           <a:p>
             <a:pPr algn="ctr"/>
             <a:r>
-              <a:rPr lang="en-US" dirty="0" smtClean="0">
+              <a:rPr lang="en-US" dirty="0">
                 <a:solidFill>
                   <a:schemeClr val="tx1"/>
                 </a:solidFill>
               </a:rPr>
               <a:t>Title</a:t>
             </a:r>
-            <a:endParaRPr lang="en-US" dirty="0">
-              <a:solidFill>
-                <a:schemeClr val="tx1"/>
-              </a:solidFill>
-            </a:endParaRPr>
           </a:p>
         </p:txBody>
       </p:sp>
@@ -3422,21 +3390,20 @@
           <a:lstStyle/>
           <a:p>
             <a:r>
-              <a:rPr lang="en-US" sz="1600" dirty="0" smtClean="0"/>
+              <a:rPr lang="en-US" sz="1600" dirty="0"/>
               <a:t>Title (</a:t>
             </a:r>
             <a:r>
-              <a:rPr lang="en-US" sz="1600" dirty="0" smtClean="0">
+              <a:rPr lang="en-US" sz="1600" dirty="0">
                 <a:latin typeface="Courier New" panose="02070309020205020404" pitchFamily="49" charset="0"/>
                 <a:cs typeface="Courier New" panose="02070309020205020404" pitchFamily="49" charset="0"/>
               </a:rPr>
               <a:t>title</a:t>
             </a:r>
             <a:r>
-              <a:rPr lang="en-US" sz="1600" dirty="0" smtClean="0"/>
+              <a:rPr lang="en-US" sz="1600" dirty="0"/>
               <a:t>)</a:t>
             </a:r>
-            <a:endParaRPr lang="en-US" sz="1600" dirty="0"/>
           </a:p>
         </p:txBody>
       </p:sp>
@@ -3545,18 +3512,18 @@
           <a:lstStyle/>
           <a:p>
             <a:r>
-              <a:rPr lang="en-US" sz="1600" dirty="0" smtClean="0"/>
+              <a:rPr lang="en-US" sz="1600" dirty="0"/>
               <a:t>Legend (</a:t>
             </a:r>
             <a:r>
-              <a:rPr lang="en-US" sz="1600" dirty="0" smtClean="0">
+              <a:rPr lang="en-US" sz="1600" dirty="0">
                 <a:latin typeface="Courier New" panose="02070309020205020404" pitchFamily="49" charset="0"/>
                 <a:cs typeface="Courier New" panose="02070309020205020404" pitchFamily="49" charset="0"/>
               </a:rPr>
               <a:t>leg</a:t>
             </a:r>
             <a:r>
-              <a:rPr lang="en-US" sz="1600" dirty="0" smtClean="0"/>
+              <a:rPr lang="en-US" sz="1600" dirty="0"/>
               <a:t>)</a:t>
             </a:r>
           </a:p>
@@ -3566,20 +3533,16 @@
               <a:buChar char="•"/>
             </a:pPr>
             <a:r>
-              <a:rPr lang="en-US" sz="1600" dirty="0" smtClean="0"/>
+              <a:rPr lang="en-US" sz="1600" dirty="0"/>
               <a:t>Font: </a:t>
             </a:r>
             <a:r>
-              <a:rPr lang="en-US" sz="1600" dirty="0" err="1" smtClean="0">
+              <a:rPr lang="en-US" sz="1600" dirty="0">
                 <a:latin typeface="Courier New" panose="02070309020205020404" pitchFamily="49" charset="0"/>
                 <a:cs typeface="Courier New" panose="02070309020205020404" pitchFamily="49" charset="0"/>
               </a:rPr>
               <a:t>leg_font_size</a:t>
             </a:r>
-            <a:endParaRPr lang="en-US" sz="1600" dirty="0" smtClean="0">
-              <a:latin typeface="Courier New" panose="02070309020205020404" pitchFamily="49" charset="0"/>
-              <a:cs typeface="Courier New" panose="02070309020205020404" pitchFamily="49" charset="0"/>
-            </a:endParaRPr>
           </a:p>
           <a:p>
             <a:pPr marL="285750" indent="-111125">
@@ -3587,20 +3550,16 @@
               <a:buChar char="•"/>
             </a:pPr>
             <a:r>
-              <a:rPr lang="en-US" sz="1600" dirty="0" smtClean="0"/>
+              <a:rPr lang="en-US" sz="1600" dirty="0"/>
               <a:t>Number of points shown for each legend item:   </a:t>
             </a:r>
             <a:r>
-              <a:rPr lang="en-US" sz="1600" dirty="0" err="1" smtClean="0">
+              <a:rPr lang="en-US" sz="1600" dirty="0">
                 <a:latin typeface="Courier New" panose="02070309020205020404" pitchFamily="49" charset="0"/>
                 <a:cs typeface="Courier New" panose="02070309020205020404" pitchFamily="49" charset="0"/>
               </a:rPr>
               <a:t>leg_points</a:t>
             </a:r>
-            <a:endParaRPr lang="en-US" sz="1600" dirty="0" smtClean="0">
-              <a:latin typeface="Courier New" panose="02070309020205020404" pitchFamily="49" charset="0"/>
-              <a:cs typeface="Courier New" panose="02070309020205020404" pitchFamily="49" charset="0"/>
-            </a:endParaRPr>
           </a:p>
           <a:p>
             <a:pPr marL="285750" indent="-111125">
@@ -3637,7 +3596,7 @@
           <a:lstStyle/>
           <a:p>
             <a:r>
-              <a:rPr lang="en-US" sz="1200" dirty="0" err="1" smtClean="0">
+              <a:rPr lang="en-US" sz="1200" dirty="0">
                 <a:latin typeface="Courier New" panose="02070309020205020404" pitchFamily="49" charset="0"/>
                 <a:cs typeface="Courier New" panose="02070309020205020404" pitchFamily="49" charset="0"/>
               </a:rPr>
@@ -3774,16 +3733,12 @@
           <a:lstStyle/>
           <a:p>
             <a:r>
-              <a:rPr lang="en-US" sz="1200" dirty="0" err="1" smtClean="0">
+              <a:rPr lang="en-US" sz="1200" dirty="0">
                 <a:latin typeface="Courier New" panose="02070309020205020404" pitchFamily="49" charset="0"/>
                 <a:cs typeface="Courier New" panose="02070309020205020404" pitchFamily="49" charset="0"/>
               </a:rPr>
               <a:t>leg_items</a:t>
             </a:r>
-            <a:endParaRPr lang="en-US" sz="1200" dirty="0">
-              <a:latin typeface="Courier New" panose="02070309020205020404" pitchFamily="49" charset="0"/>
-              <a:cs typeface="Courier New" panose="02070309020205020404" pitchFamily="49" charset="0"/>
-            </a:endParaRPr>
           </a:p>
         </p:txBody>
       </p:sp>
@@ -3810,16 +3765,12 @@
           <a:lstStyle/>
           <a:p>
             <a:r>
-              <a:rPr lang="en-US" sz="1200" dirty="0" err="1" smtClean="0">
+              <a:rPr lang="en-US" sz="1200" dirty="0">
                 <a:latin typeface="Courier New" panose="02070309020205020404" pitchFamily="49" charset="0"/>
                 <a:cs typeface="Courier New" panose="02070309020205020404" pitchFamily="49" charset="0"/>
               </a:rPr>
               <a:t>leg_items</a:t>
             </a:r>
-            <a:endParaRPr lang="en-US" sz="1200" dirty="0">
-              <a:latin typeface="Courier New" panose="02070309020205020404" pitchFamily="49" charset="0"/>
-              <a:cs typeface="Courier New" panose="02070309020205020404" pitchFamily="49" charset="0"/>
-            </a:endParaRPr>
           </a:p>
         </p:txBody>
       </p:sp>
@@ -3846,16 +3797,12 @@
           <a:lstStyle/>
           <a:p>
             <a:r>
-              <a:rPr lang="en-US" sz="1200" dirty="0" err="1" smtClean="0">
+              <a:rPr lang="en-US" sz="1200" dirty="0">
                 <a:latin typeface="Courier New" panose="02070309020205020404" pitchFamily="49" charset="0"/>
                 <a:cs typeface="Courier New" panose="02070309020205020404" pitchFamily="49" charset="0"/>
               </a:rPr>
               <a:t>leg_items</a:t>
             </a:r>
-            <a:endParaRPr lang="en-US" sz="1200" dirty="0">
-              <a:latin typeface="Courier New" panose="02070309020205020404" pitchFamily="49" charset="0"/>
-              <a:cs typeface="Courier New" panose="02070309020205020404" pitchFamily="49" charset="0"/>
-            </a:endParaRPr>
           </a:p>
         </p:txBody>
       </p:sp>
@@ -4093,68 +4040,46 @@
           <a:lstStyle/>
           <a:p>
             <a:r>
-              <a:rPr lang="en-US" sz="1600" dirty="0" err="1" smtClean="0">
+              <a:rPr lang="en-US" sz="1600" dirty="0">
                 <a:latin typeface="Courier New" panose="02070309020205020404" pitchFamily="49" charset="0"/>
                 <a:cs typeface="Courier New" panose="02070309020205020404" pitchFamily="49" charset="0"/>
               </a:rPr>
-              <a:t>ax_size</a:t>
-            </a:r>
-            <a:r>
-              <a:rPr lang="en-US" sz="1600" dirty="0" smtClean="0">
+              <a:t>ax_size[0]</a:t>
+            </a:r>
+          </a:p>
+        </p:txBody>
+      </p:sp>
+      <p:sp>
+        <p:nvSpPr>
+          <p:cNvPr id="46" name="TextBox 45"/>
+          <p:cNvSpPr txBox="1"/>
+          <p:nvPr/>
+        </p:nvSpPr>
+        <p:spPr>
+          <a:xfrm rot="16200000">
+            <a:off x="1169582" y="3073795"/>
+            <a:ext cx="1418978" cy="338554"/>
+          </a:xfrm>
+          <a:prstGeom prst="rect">
+            <a:avLst/>
+          </a:prstGeom>
+          <a:solidFill>
+            <a:schemeClr val="bg1"/>
+          </a:solidFill>
+        </p:spPr>
+        <p:txBody>
+          <a:bodyPr wrap="none" rtlCol="0">
+            <a:spAutoFit/>
+          </a:bodyPr>
+          <a:lstStyle/>
+          <a:p>
+            <a:r>
+              <a:rPr lang="en-US" sz="1600" dirty="0">
                 <a:latin typeface="Courier New" panose="02070309020205020404" pitchFamily="49" charset="0"/>
                 <a:cs typeface="Courier New" panose="02070309020205020404" pitchFamily="49" charset="0"/>
               </a:rPr>
-              <a:t>[0]</a:t>
-            </a:r>
-            <a:endParaRPr lang="en-US" sz="1600" dirty="0">
-              <a:latin typeface="Courier New" panose="02070309020205020404" pitchFamily="49" charset="0"/>
-              <a:cs typeface="Courier New" panose="02070309020205020404" pitchFamily="49" charset="0"/>
-            </a:endParaRPr>
-          </a:p>
-        </p:txBody>
-      </p:sp>
-      <p:sp>
-        <p:nvSpPr>
-          <p:cNvPr id="46" name="TextBox 45"/>
-          <p:cNvSpPr txBox="1"/>
-          <p:nvPr/>
-        </p:nvSpPr>
-        <p:spPr>
-          <a:xfrm rot="16200000">
-            <a:off x="1169582" y="3073795"/>
-            <a:ext cx="1418978" cy="338554"/>
-          </a:xfrm>
-          <a:prstGeom prst="rect">
-            <a:avLst/>
-          </a:prstGeom>
-          <a:solidFill>
-            <a:schemeClr val="bg1"/>
-          </a:solidFill>
-        </p:spPr>
-        <p:txBody>
-          <a:bodyPr wrap="none" rtlCol="0">
-            <a:spAutoFit/>
-          </a:bodyPr>
-          <a:lstStyle/>
-          <a:p>
-            <a:r>
-              <a:rPr lang="en-US" sz="1600" dirty="0" err="1" smtClean="0">
-                <a:latin typeface="Courier New" panose="02070309020205020404" pitchFamily="49" charset="0"/>
-                <a:cs typeface="Courier New" panose="02070309020205020404" pitchFamily="49" charset="0"/>
-              </a:rPr>
-              <a:t>ax_size</a:t>
-            </a:r>
-            <a:r>
-              <a:rPr lang="en-US" sz="1600" dirty="0" smtClean="0">
-                <a:latin typeface="Courier New" panose="02070309020205020404" pitchFamily="49" charset="0"/>
-                <a:cs typeface="Courier New" panose="02070309020205020404" pitchFamily="49" charset="0"/>
-              </a:rPr>
-              <a:t>[1]</a:t>
-            </a:r>
-            <a:endParaRPr lang="en-US" sz="1600" dirty="0">
-              <a:latin typeface="Courier New" panose="02070309020205020404" pitchFamily="49" charset="0"/>
-              <a:cs typeface="Courier New" panose="02070309020205020404" pitchFamily="49" charset="0"/>
-            </a:endParaRPr>
+              <a:t>ax_size[1]</a:t>
+            </a:r>
           </a:p>
         </p:txBody>
       </p:sp>
@@ -4222,16 +4147,12 @@
           <a:lstStyle/>
           <a:p>
             <a:r>
-              <a:rPr lang="en-US" sz="1600" dirty="0" err="1" smtClean="0">
+              <a:rPr lang="en-US" sz="1600" dirty="0">
                 <a:latin typeface="Courier New" panose="02070309020205020404" pitchFamily="49" charset="0"/>
                 <a:cs typeface="Courier New" panose="02070309020205020404" pitchFamily="49" charset="0"/>
               </a:rPr>
               <a:t>fig_h</a:t>
             </a:r>
-            <a:endParaRPr lang="en-US" sz="1600" dirty="0">
-              <a:latin typeface="Courier New" panose="02070309020205020404" pitchFamily="49" charset="0"/>
-              <a:cs typeface="Courier New" panose="02070309020205020404" pitchFamily="49" charset="0"/>
-            </a:endParaRPr>
           </a:p>
         </p:txBody>
       </p:sp>
@@ -4437,16 +4358,12 @@
           <a:lstStyle/>
           <a:p>
             <a:r>
-              <a:rPr lang="en-US" sz="1600" dirty="0" err="1" smtClean="0">
+              <a:rPr lang="en-US" sz="1600" dirty="0">
                 <a:latin typeface="Courier New" panose="02070309020205020404" pitchFamily="49" charset="0"/>
                 <a:cs typeface="Courier New" panose="02070309020205020404" pitchFamily="49" charset="0"/>
               </a:rPr>
               <a:t>fig_ax_ws</a:t>
             </a:r>
-            <a:endParaRPr lang="en-US" sz="1600" dirty="0">
-              <a:latin typeface="Courier New" panose="02070309020205020404" pitchFamily="49" charset="0"/>
-              <a:cs typeface="Courier New" panose="02070309020205020404" pitchFamily="49" charset="0"/>
-            </a:endParaRPr>
           </a:p>
         </p:txBody>
       </p:sp>
@@ -4572,16 +4489,12 @@
           <a:lstStyle/>
           <a:p>
             <a:r>
-              <a:rPr lang="en-US" sz="1600" dirty="0" err="1" smtClean="0">
+              <a:rPr lang="en-US" sz="1600" dirty="0">
                 <a:latin typeface="Courier New" panose="02070309020205020404" pitchFamily="49" charset="0"/>
                 <a:cs typeface="Courier New" panose="02070309020205020404" pitchFamily="49" charset="0"/>
               </a:rPr>
               <a:t>ax_leg_ws</a:t>
             </a:r>
-            <a:endParaRPr lang="en-US" sz="1600" dirty="0">
-              <a:latin typeface="Courier New" panose="02070309020205020404" pitchFamily="49" charset="0"/>
-              <a:cs typeface="Courier New" panose="02070309020205020404" pitchFamily="49" charset="0"/>
-            </a:endParaRPr>
           </a:p>
         </p:txBody>
       </p:sp>
@@ -4867,16 +4780,12 @@
           <a:lstStyle/>
           <a:p>
             <a:r>
-              <a:rPr lang="en-US" sz="1600" dirty="0" err="1" smtClean="0">
+              <a:rPr lang="en-US" sz="1600" dirty="0">
                 <a:latin typeface="Courier New" panose="02070309020205020404" pitchFamily="49" charset="0"/>
                 <a:cs typeface="Courier New" panose="02070309020205020404" pitchFamily="49" charset="0"/>
               </a:rPr>
               <a:t>fig_title_ws</a:t>
             </a:r>
-            <a:endParaRPr lang="en-US" sz="1600" dirty="0">
-              <a:latin typeface="Courier New" panose="02070309020205020404" pitchFamily="49" charset="0"/>
-              <a:cs typeface="Courier New" panose="02070309020205020404" pitchFamily="49" charset="0"/>
-            </a:endParaRPr>
           </a:p>
         </p:txBody>
       </p:sp>
@@ -4903,16 +4812,12 @@
           <a:lstStyle/>
           <a:p>
             <a:r>
-              <a:rPr lang="en-US" sz="1600" dirty="0" err="1" smtClean="0">
+              <a:rPr lang="en-US" sz="1600" dirty="0">
                 <a:latin typeface="Courier New" panose="02070309020205020404" pitchFamily="49" charset="0"/>
                 <a:cs typeface="Courier New" panose="02070309020205020404" pitchFamily="49" charset="0"/>
               </a:rPr>
               <a:t>title_h</a:t>
             </a:r>
-            <a:endParaRPr lang="en-US" sz="1600" dirty="0">
-              <a:latin typeface="Courier New" panose="02070309020205020404" pitchFamily="49" charset="0"/>
-              <a:cs typeface="Courier New" panose="02070309020205020404" pitchFamily="49" charset="0"/>
-            </a:endParaRPr>
           </a:p>
         </p:txBody>
       </p:sp>
@@ -5074,16 +4979,12 @@
           <a:lstStyle/>
           <a:p>
             <a:r>
-              <a:rPr lang="en-US" sz="1600" dirty="0" err="1" smtClean="0">
+              <a:rPr lang="en-US" sz="1600" dirty="0">
                 <a:latin typeface="Courier New" panose="02070309020205020404" pitchFamily="49" charset="0"/>
                 <a:cs typeface="Courier New" panose="02070309020205020404" pitchFamily="49" charset="0"/>
               </a:rPr>
               <a:t>title_ax_ws</a:t>
             </a:r>
-            <a:endParaRPr lang="en-US" sz="1600" dirty="0">
-              <a:latin typeface="Courier New" panose="02070309020205020404" pitchFamily="49" charset="0"/>
-              <a:cs typeface="Courier New" panose="02070309020205020404" pitchFamily="49" charset="0"/>
-            </a:endParaRPr>
           </a:p>
         </p:txBody>
       </p:sp>
@@ -5110,16 +5011,12 @@
           <a:lstStyle/>
           <a:p>
             <a:r>
-              <a:rPr lang="en-US" sz="1600" dirty="0" err="1" smtClean="0">
+              <a:rPr lang="en-US" sz="1600" dirty="0">
                 <a:latin typeface="Courier New" panose="02070309020205020404" pitchFamily="49" charset="0"/>
                 <a:cs typeface="Courier New" panose="02070309020205020404" pitchFamily="49" charset="0"/>
               </a:rPr>
               <a:t>ax_fig_ws</a:t>
             </a:r>
-            <a:endParaRPr lang="en-US" sz="1600" dirty="0">
-              <a:latin typeface="Courier New" panose="02070309020205020404" pitchFamily="49" charset="0"/>
-              <a:cs typeface="Courier New" panose="02070309020205020404" pitchFamily="49" charset="0"/>
-            </a:endParaRPr>
           </a:p>
         </p:txBody>
       </p:sp>
@@ -5315,23 +5212,12 @@
           <a:lstStyle/>
           <a:p>
             <a:r>
-              <a:rPr lang="en-US" sz="1600" dirty="0" err="1" smtClean="0">
+              <a:rPr lang="en-US" sz="1600" dirty="0">
                 <a:latin typeface="Courier New" panose="02070309020205020404" pitchFamily="49" charset="0"/>
                 <a:cs typeface="Courier New" panose="02070309020205020404" pitchFamily="49" charset="0"/>
               </a:rPr>
-              <a:t>leg_fig_ws</a:t>
-            </a:r>
-            <a:r>
-              <a:rPr lang="en-US" sz="1600" dirty="0" smtClean="0">
-                <a:latin typeface="Courier New" panose="02070309020205020404" pitchFamily="49" charset="0"/>
-                <a:cs typeface="Courier New" panose="02070309020205020404" pitchFamily="49" charset="0"/>
-              </a:rPr>
-              <a:t> + 6px</a:t>
-            </a:r>
-            <a:endParaRPr lang="en-US" sz="1600" dirty="0">
-              <a:latin typeface="Courier New" panose="02070309020205020404" pitchFamily="49" charset="0"/>
-              <a:cs typeface="Courier New" panose="02070309020205020404" pitchFamily="49" charset="0"/>
-            </a:endParaRPr>
+              <a:t>leg_fig_ws + 6px</a:t>
+            </a:r>
           </a:p>
         </p:txBody>
       </p:sp>
@@ -5400,16 +5286,12 @@
           <a:lstStyle/>
           <a:p>
             <a:r>
-              <a:rPr lang="en-US" sz="1600" dirty="0" err="1" smtClean="0">
+              <a:rPr lang="en-US" sz="1600" dirty="0">
                 <a:latin typeface="Courier New" panose="02070309020205020404" pitchFamily="49" charset="0"/>
                 <a:cs typeface="Courier New" panose="02070309020205020404" pitchFamily="49" charset="0"/>
               </a:rPr>
               <a:t>ax_leg_fig_ws</a:t>
             </a:r>
-            <a:endParaRPr lang="en-US" sz="1600" dirty="0">
-              <a:latin typeface="Courier New" panose="02070309020205020404" pitchFamily="49" charset="0"/>
-              <a:cs typeface="Courier New" panose="02070309020205020404" pitchFamily="49" charset="0"/>
-            </a:endParaRPr>
           </a:p>
         </p:txBody>
       </p:sp>
@@ -5647,7 +5529,7 @@
           <a:lstStyle/>
           <a:p>
             <a:r>
-              <a:rPr lang="en-US" sz="1200" dirty="0" err="1" smtClean="0">
+              <a:rPr lang="en-US" sz="1200" dirty="0">
                 <a:latin typeface="Courier New" panose="02070309020205020404" pitchFamily="49" charset="0"/>
                 <a:cs typeface="Courier New" panose="02070309020205020404" pitchFamily="49" charset="0"/>
               </a:rPr>
@@ -5784,16 +5666,12 @@
           <a:lstStyle/>
           <a:p>
             <a:r>
-              <a:rPr lang="en-US" sz="1200" dirty="0" err="1" smtClean="0">
+              <a:rPr lang="en-US" sz="1200" dirty="0">
                 <a:latin typeface="Courier New" panose="02070309020205020404" pitchFamily="49" charset="0"/>
                 <a:cs typeface="Courier New" panose="02070309020205020404" pitchFamily="49" charset="0"/>
               </a:rPr>
               <a:t>leg_items</a:t>
             </a:r>
-            <a:endParaRPr lang="en-US" sz="1200" dirty="0">
-              <a:latin typeface="Courier New" panose="02070309020205020404" pitchFamily="49" charset="0"/>
-              <a:cs typeface="Courier New" panose="02070309020205020404" pitchFamily="49" charset="0"/>
-            </a:endParaRPr>
           </a:p>
         </p:txBody>
       </p:sp>
@@ -5820,16 +5698,12 @@
           <a:lstStyle/>
           <a:p>
             <a:r>
-              <a:rPr lang="en-US" sz="1200" dirty="0" err="1" smtClean="0">
+              <a:rPr lang="en-US" sz="1200" dirty="0">
                 <a:latin typeface="Courier New" panose="02070309020205020404" pitchFamily="49" charset="0"/>
                 <a:cs typeface="Courier New" panose="02070309020205020404" pitchFamily="49" charset="0"/>
               </a:rPr>
               <a:t>leg_items</a:t>
             </a:r>
-            <a:endParaRPr lang="en-US" sz="1200" dirty="0">
-              <a:latin typeface="Courier New" panose="02070309020205020404" pitchFamily="49" charset="0"/>
-              <a:cs typeface="Courier New" panose="02070309020205020404" pitchFamily="49" charset="0"/>
-            </a:endParaRPr>
           </a:p>
         </p:txBody>
       </p:sp>
@@ -5856,16 +5730,12 @@
           <a:lstStyle/>
           <a:p>
             <a:r>
-              <a:rPr lang="en-US" sz="1200" dirty="0" err="1" smtClean="0">
+              <a:rPr lang="en-US" sz="1200" dirty="0">
                 <a:latin typeface="Courier New" panose="02070309020205020404" pitchFamily="49" charset="0"/>
                 <a:cs typeface="Courier New" panose="02070309020205020404" pitchFamily="49" charset="0"/>
               </a:rPr>
               <a:t>leg_items</a:t>
             </a:r>
-            <a:endParaRPr lang="en-US" sz="1200" dirty="0">
-              <a:latin typeface="Courier New" panose="02070309020205020404" pitchFamily="49" charset="0"/>
-              <a:cs typeface="Courier New" panose="02070309020205020404" pitchFamily="49" charset="0"/>
-            </a:endParaRPr>
           </a:p>
         </p:txBody>
       </p:sp>
@@ -6329,18 +6199,13 @@
           <a:p>
             <a:pPr algn="ctr"/>
             <a:r>
-              <a:rPr lang="en-US" dirty="0" smtClean="0">
+              <a:rPr lang="en-US" dirty="0">
                 <a:solidFill>
                   <a:schemeClr val="tx1"/>
                 </a:solidFill>
               </a:rPr>
               <a:t>Col Label 1</a:t>
             </a:r>
-            <a:endParaRPr lang="en-US" dirty="0">
-              <a:solidFill>
-                <a:schemeClr val="tx1"/>
-              </a:solidFill>
-            </a:endParaRPr>
           </a:p>
         </p:txBody>
       </p:sp>
@@ -6393,18 +6258,13 @@
           <a:p>
             <a:pPr algn="ctr"/>
             <a:r>
-              <a:rPr lang="en-US" dirty="0" smtClean="0">
+              <a:rPr lang="en-US" dirty="0">
                 <a:solidFill>
                   <a:schemeClr val="tx1"/>
                 </a:solidFill>
               </a:rPr>
               <a:t>Col Label 2</a:t>
             </a:r>
-            <a:endParaRPr lang="en-US" dirty="0">
-              <a:solidFill>
-                <a:schemeClr val="tx1"/>
-              </a:solidFill>
-            </a:endParaRPr>
           </a:p>
         </p:txBody>
       </p:sp>
@@ -6457,18 +6317,13 @@
           <a:p>
             <a:pPr algn="ctr"/>
             <a:r>
-              <a:rPr lang="en-US" dirty="0" smtClean="0">
+              <a:rPr lang="en-US" dirty="0">
                 <a:solidFill>
                   <a:schemeClr val="tx1"/>
                 </a:solidFill>
               </a:rPr>
               <a:t>Col Label 3</a:t>
             </a:r>
-            <a:endParaRPr lang="en-US" dirty="0">
-              <a:solidFill>
-                <a:schemeClr val="tx1"/>
-              </a:solidFill>
-            </a:endParaRPr>
           </a:p>
         </p:txBody>
       </p:sp>
@@ -6521,18 +6376,13 @@
           <a:p>
             <a:pPr algn="ctr"/>
             <a:r>
-              <a:rPr lang="en-US" dirty="0" smtClean="0">
+              <a:rPr lang="en-US" dirty="0">
                 <a:solidFill>
                   <a:schemeClr val="tx1"/>
                 </a:solidFill>
               </a:rPr>
               <a:t>Row Label 1</a:t>
             </a:r>
-            <a:endParaRPr lang="en-US" dirty="0">
-              <a:solidFill>
-                <a:schemeClr val="tx1"/>
-              </a:solidFill>
-            </a:endParaRPr>
           </a:p>
         </p:txBody>
       </p:sp>
@@ -6585,18 +6435,13 @@
           <a:p>
             <a:pPr algn="ctr"/>
             <a:r>
-              <a:rPr lang="en-US" dirty="0" smtClean="0">
+              <a:rPr lang="en-US" dirty="0">
                 <a:solidFill>
                   <a:schemeClr val="tx1"/>
                 </a:solidFill>
               </a:rPr>
               <a:t>Row Label 2</a:t>
             </a:r>
-            <a:endParaRPr lang="en-US" dirty="0">
-              <a:solidFill>
-                <a:schemeClr val="tx1"/>
-              </a:solidFill>
-            </a:endParaRPr>
           </a:p>
         </p:txBody>
       </p:sp>
@@ -6672,16 +6517,12 @@
           <a:p>
             <a:pPr algn="ctr"/>
             <a:r>
-              <a:rPr lang="en-US" sz="1600" dirty="0" smtClean="0">
+              <a:rPr lang="en-US" sz="1600" dirty="0">
                 <a:latin typeface="Courier New" panose="02070309020205020404" pitchFamily="49" charset="0"/>
                 <a:cs typeface="Courier New" panose="02070309020205020404" pitchFamily="49" charset="0"/>
               </a:rPr>
               <a:t>rows</a:t>
             </a:r>
-            <a:endParaRPr lang="en-US" sz="1600" dirty="0">
-              <a:latin typeface="Courier New" panose="02070309020205020404" pitchFamily="49" charset="0"/>
-              <a:cs typeface="Courier New" panose="02070309020205020404" pitchFamily="49" charset="0"/>
-            </a:endParaRPr>
           </a:p>
         </p:txBody>
       </p:sp>
@@ -6757,16 +6598,12 @@
           <a:p>
             <a:pPr algn="ctr"/>
             <a:r>
-              <a:rPr lang="en-US" sz="1600" dirty="0" smtClean="0">
+              <a:rPr lang="en-US" sz="1600" dirty="0">
                 <a:latin typeface="Courier New" panose="02070309020205020404" pitchFamily="49" charset="0"/>
                 <a:cs typeface="Courier New" panose="02070309020205020404" pitchFamily="49" charset="0"/>
               </a:rPr>
               <a:t>cols</a:t>
             </a:r>
-            <a:endParaRPr lang="en-US" sz="1600" dirty="0">
-              <a:latin typeface="Courier New" panose="02070309020205020404" pitchFamily="49" charset="0"/>
-              <a:cs typeface="Courier New" panose="02070309020205020404" pitchFamily="49" charset="0"/>
-            </a:endParaRPr>
           </a:p>
         </p:txBody>
       </p:sp>
@@ -6963,16 +6800,12 @@
           <a:lstStyle/>
           <a:p>
             <a:r>
-              <a:rPr lang="en-US" dirty="0" err="1" smtClean="0">
+              <a:rPr lang="en-US" dirty="0">
                 <a:latin typeface="Courier New" panose="02070309020205020404" pitchFamily="49" charset="0"/>
                 <a:cs typeface="Courier New" panose="02070309020205020404" pitchFamily="49" charset="0"/>
               </a:rPr>
               <a:t>wspace</a:t>
             </a:r>
-            <a:endParaRPr lang="en-US" dirty="0">
-              <a:latin typeface="Courier New" panose="02070309020205020404" pitchFamily="49" charset="0"/>
-              <a:cs typeface="Courier New" panose="02070309020205020404" pitchFamily="49" charset="0"/>
-            </a:endParaRPr>
           </a:p>
         </p:txBody>
       </p:sp>
@@ -7037,23 +6870,12 @@
           <a:lstStyle/>
           <a:p>
             <a:r>
-              <a:rPr lang="en-US" dirty="0" err="1">
+              <a:rPr lang="en-US" dirty="0">
                 <a:latin typeface="Courier New" panose="02070309020205020404" pitchFamily="49" charset="0"/>
                 <a:cs typeface="Courier New" panose="02070309020205020404" pitchFamily="49" charset="0"/>
               </a:rPr>
-              <a:t>h</a:t>
-            </a:r>
-            <a:r>
-              <a:rPr lang="en-US" dirty="0" err="1" smtClean="0">
-                <a:latin typeface="Courier New" panose="02070309020205020404" pitchFamily="49" charset="0"/>
-                <a:cs typeface="Courier New" panose="02070309020205020404" pitchFamily="49" charset="0"/>
-              </a:rPr>
-              <a:t>space</a:t>
-            </a:r>
-            <a:endParaRPr lang="en-US" dirty="0">
-              <a:latin typeface="Courier New" panose="02070309020205020404" pitchFamily="49" charset="0"/>
-              <a:cs typeface="Courier New" panose="02070309020205020404" pitchFamily="49" charset="0"/>
-            </a:endParaRPr>
+              <a:t>hspace</a:t>
+            </a:r>
           </a:p>
         </p:txBody>
       </p:sp>

--- a/fivecentplots/doc/diagram.pptx
+++ b/fivecentplots/doc/diagram.pptx
@@ -7,6 +7,7 @@
   <p:sldIdLst>
     <p:sldId id="256" r:id="rId2"/>
     <p:sldId id="257" r:id="rId3"/>
+    <p:sldId id="258" r:id="rId4"/>
   </p:sldIdLst>
   <p:sldSz cx="12192000" cy="6858000"/>
   <p:notesSz cx="6858000" cy="9144000"/>
@@ -113,6 +114,10 @@
 </p:presentation>
 </file>
 
+<file path=ppt/revisionInfo.xml><?xml version="1.0" encoding="utf-8"?>
+<p1510:revInfo xmlns:a="http://schemas.openxmlformats.org/drawingml/2006/main" xmlns:r="http://schemas.openxmlformats.org/officeDocument/2006/relationships" xmlns:p1510="http://schemas.microsoft.com/office/powerpoint/2015/10/main"/>
+</file>
+
 <file path=ppt/slideLayouts/slideLayout1.xml><?xml version="1.0" encoding="utf-8"?>
 <p:sldLayout xmlns:a="http://schemas.openxmlformats.org/drawingml/2006/main" xmlns:r="http://schemas.openxmlformats.org/officeDocument/2006/relationships" xmlns:p="http://schemas.openxmlformats.org/presentationml/2006/main" type="title" preserve="1">
   <p:cSld name="Title Slide">
@@ -242,7 +247,7 @@
           <a:p>
             <a:fld id="{8E22F708-BB7A-4367-940A-243452B90990}" type="datetimeFigureOut">
               <a:rPr lang="en-US" smtClean="0"/>
-              <a:t>4/17/2016</a:t>
+              <a:t>12/2/2017</a:t>
             </a:fld>
             <a:endParaRPr lang="en-US"/>
           </a:p>
@@ -410,7 +415,7 @@
           <a:p>
             <a:fld id="{8E22F708-BB7A-4367-940A-243452B90990}" type="datetimeFigureOut">
               <a:rPr lang="en-US" smtClean="0"/>
-              <a:t>4/17/2016</a:t>
+              <a:t>12/2/2017</a:t>
             </a:fld>
             <a:endParaRPr lang="en-US"/>
           </a:p>
@@ -588,7 +593,7 @@
           <a:p>
             <a:fld id="{8E22F708-BB7A-4367-940A-243452B90990}" type="datetimeFigureOut">
               <a:rPr lang="en-US" smtClean="0"/>
-              <a:t>4/17/2016</a:t>
+              <a:t>12/2/2017</a:t>
             </a:fld>
             <a:endParaRPr lang="en-US"/>
           </a:p>
@@ -756,7 +761,7 @@
           <a:p>
             <a:fld id="{8E22F708-BB7A-4367-940A-243452B90990}" type="datetimeFigureOut">
               <a:rPr lang="en-US" smtClean="0"/>
-              <a:t>4/17/2016</a:t>
+              <a:t>12/2/2017</a:t>
             </a:fld>
             <a:endParaRPr lang="en-US"/>
           </a:p>
@@ -1001,7 +1006,7 @@
           <a:p>
             <a:fld id="{8E22F708-BB7A-4367-940A-243452B90990}" type="datetimeFigureOut">
               <a:rPr lang="en-US" smtClean="0"/>
-              <a:t>4/17/2016</a:t>
+              <a:t>12/2/2017</a:t>
             </a:fld>
             <a:endParaRPr lang="en-US"/>
           </a:p>
@@ -1230,7 +1235,7 @@
           <a:p>
             <a:fld id="{8E22F708-BB7A-4367-940A-243452B90990}" type="datetimeFigureOut">
               <a:rPr lang="en-US" smtClean="0"/>
-              <a:t>4/17/2016</a:t>
+              <a:t>12/2/2017</a:t>
             </a:fld>
             <a:endParaRPr lang="en-US"/>
           </a:p>
@@ -1594,7 +1599,7 @@
           <a:p>
             <a:fld id="{8E22F708-BB7A-4367-940A-243452B90990}" type="datetimeFigureOut">
               <a:rPr lang="en-US" smtClean="0"/>
-              <a:t>4/17/2016</a:t>
+              <a:t>12/2/2017</a:t>
             </a:fld>
             <a:endParaRPr lang="en-US"/>
           </a:p>
@@ -1711,7 +1716,7 @@
           <a:p>
             <a:fld id="{8E22F708-BB7A-4367-940A-243452B90990}" type="datetimeFigureOut">
               <a:rPr lang="en-US" smtClean="0"/>
-              <a:t>4/17/2016</a:t>
+              <a:t>12/2/2017</a:t>
             </a:fld>
             <a:endParaRPr lang="en-US"/>
           </a:p>
@@ -1806,7 +1811,7 @@
           <a:p>
             <a:fld id="{8E22F708-BB7A-4367-940A-243452B90990}" type="datetimeFigureOut">
               <a:rPr lang="en-US" smtClean="0"/>
-              <a:t>4/17/2016</a:t>
+              <a:t>12/2/2017</a:t>
             </a:fld>
             <a:endParaRPr lang="en-US"/>
           </a:p>
@@ -2081,7 +2086,7 @@
           <a:p>
             <a:fld id="{8E22F708-BB7A-4367-940A-243452B90990}" type="datetimeFigureOut">
               <a:rPr lang="en-US" smtClean="0"/>
-              <a:t>4/17/2016</a:t>
+              <a:t>12/2/2017</a:t>
             </a:fld>
             <a:endParaRPr lang="en-US"/>
           </a:p>
@@ -2333,7 +2338,7 @@
           <a:p>
             <a:fld id="{8E22F708-BB7A-4367-940A-243452B90990}" type="datetimeFigureOut">
               <a:rPr lang="en-US" smtClean="0"/>
-              <a:t>4/17/2016</a:t>
+              <a:t>12/2/2017</a:t>
             </a:fld>
             <a:endParaRPr lang="en-US"/>
           </a:p>
@@ -2544,7 +2549,7 @@
           <a:p>
             <a:fld id="{8E22F708-BB7A-4367-940A-243452B90990}" type="datetimeFigureOut">
               <a:rPr lang="en-US" smtClean="0"/>
-              <a:t>4/17/2016</a:t>
+              <a:t>12/2/2017</a:t>
             </a:fld>
             <a:endParaRPr lang="en-US"/>
           </a:p>
@@ -2957,8 +2962,8 @@
         </p:nvSpPr>
         <p:spPr>
           <a:xfrm>
-            <a:off x="857251" y="714682"/>
-            <a:ext cx="7446645" cy="4928880"/>
+            <a:off x="448300" y="714681"/>
+            <a:ext cx="8092665" cy="5478582"/>
           </a:xfrm>
           <a:prstGeom prst="rect">
             <a:avLst/>
@@ -3005,7 +3010,7 @@
         </p:nvCxnSpPr>
         <p:spPr>
           <a:xfrm flipH="1">
-            <a:off x="8303896" y="323133"/>
+            <a:off x="8540965" y="323133"/>
             <a:ext cx="600074" cy="400049"/>
           </a:xfrm>
           <a:prstGeom prst="straightConnector1">
@@ -3043,7 +3048,7 @@
         </p:nvSpPr>
         <p:spPr>
           <a:xfrm>
-            <a:off x="8903970" y="137252"/>
+            <a:off x="9141039" y="137252"/>
             <a:ext cx="1243161" cy="338554"/>
           </a:xfrm>
           <a:prstGeom prst="rect">
@@ -3083,7 +3088,7 @@
         </p:nvCxnSpPr>
         <p:spPr>
           <a:xfrm>
-            <a:off x="857251" y="5913120"/>
+            <a:off x="1094320" y="6624325"/>
             <a:ext cx="7446645" cy="0"/>
           </a:xfrm>
           <a:prstGeom prst="straightConnector1">
@@ -3122,7 +3127,7 @@
         </p:nvSpPr>
         <p:spPr>
           <a:xfrm>
-            <a:off x="4156047" y="5743843"/>
+            <a:off x="4393116" y="6455048"/>
             <a:ext cx="801823" cy="338554"/>
           </a:xfrm>
           <a:prstGeom prst="rect">
@@ -3156,7 +3161,7 @@
         </p:nvSpPr>
         <p:spPr>
           <a:xfrm>
-            <a:off x="1316736" y="1402080"/>
+            <a:off x="1553805" y="1402080"/>
             <a:ext cx="5279136" cy="3681984"/>
           </a:xfrm>
           <a:prstGeom prst="rect">
@@ -3202,7 +3207,7 @@
         </p:nvCxnSpPr>
         <p:spPr>
           <a:xfrm flipH="1" flipV="1">
-            <a:off x="6595873" y="5058120"/>
+            <a:off x="6832942" y="5058120"/>
             <a:ext cx="2308097" cy="477048"/>
           </a:xfrm>
           <a:prstGeom prst="straightConnector1">
@@ -3238,7 +3243,7 @@
         </p:nvSpPr>
         <p:spPr>
           <a:xfrm>
-            <a:off x="8903970" y="5420088"/>
+            <a:off x="9141039" y="5420088"/>
             <a:ext cx="987193" cy="338554"/>
           </a:xfrm>
           <a:prstGeom prst="rect">
@@ -3278,7 +3283,7 @@
         </p:nvSpPr>
         <p:spPr>
           <a:xfrm>
-            <a:off x="1316736" y="938784"/>
+            <a:off x="1553805" y="938784"/>
             <a:ext cx="5279136" cy="297217"/>
           </a:xfrm>
           <a:prstGeom prst="rect">
@@ -3337,7 +3342,7 @@
         </p:nvCxnSpPr>
         <p:spPr>
           <a:xfrm flipH="1">
-            <a:off x="6595872" y="502226"/>
+            <a:off x="6832941" y="502226"/>
             <a:ext cx="621128" cy="443834"/>
           </a:xfrm>
           <a:prstGeom prst="straightConnector1">
@@ -3375,7 +3380,7 @@
         </p:nvSpPr>
         <p:spPr>
           <a:xfrm>
-            <a:off x="6841659" y="126919"/>
+            <a:off x="7078728" y="126919"/>
             <a:ext cx="1337226" cy="338554"/>
           </a:xfrm>
           <a:prstGeom prst="rect">
@@ -3415,7 +3420,7 @@
         </p:nvSpPr>
         <p:spPr>
           <a:xfrm>
-            <a:off x="6888480" y="1402080"/>
+            <a:off x="7125549" y="1402080"/>
             <a:ext cx="1243584" cy="1335024"/>
           </a:xfrm>
           <a:prstGeom prst="rect">
@@ -3461,7 +3466,7 @@
         </p:nvCxnSpPr>
         <p:spPr>
           <a:xfrm flipH="1">
-            <a:off x="8132065" y="900404"/>
+            <a:off x="8369134" y="900404"/>
             <a:ext cx="771905" cy="501676"/>
           </a:xfrm>
           <a:prstGeom prst="straightConnector1">
@@ -3497,7 +3502,7 @@
         </p:nvSpPr>
         <p:spPr>
           <a:xfrm>
-            <a:off x="8887446" y="718601"/>
+            <a:off x="9124515" y="718601"/>
             <a:ext cx="3242592" cy="1323439"/>
           </a:xfrm>
           <a:prstGeom prst="rect">
@@ -3581,7 +3586,7 @@
         </p:nvSpPr>
         <p:spPr>
           <a:xfrm>
-            <a:off x="6877018" y="1394752"/>
+            <a:off x="7114087" y="1394752"/>
             <a:ext cx="1021433" cy="276999"/>
           </a:xfrm>
           <a:prstGeom prst="rect">
@@ -3617,7 +3622,7 @@
         </p:nvCxnSpPr>
         <p:spPr>
           <a:xfrm>
-            <a:off x="7014155" y="1853184"/>
+            <a:off x="7251224" y="1853184"/>
             <a:ext cx="154741" cy="0"/>
           </a:xfrm>
           <a:prstGeom prst="line">
@@ -3648,7 +3653,7 @@
         </p:nvCxnSpPr>
         <p:spPr>
           <a:xfrm>
-            <a:off x="7014155" y="2097024"/>
+            <a:off x="7251224" y="2097024"/>
             <a:ext cx="154741" cy="0"/>
           </a:xfrm>
           <a:prstGeom prst="line">
@@ -3683,7 +3688,7 @@
         </p:nvCxnSpPr>
         <p:spPr>
           <a:xfrm>
-            <a:off x="7014155" y="2340864"/>
+            <a:off x="7251224" y="2340864"/>
             <a:ext cx="154741" cy="0"/>
           </a:xfrm>
           <a:prstGeom prst="line">
@@ -3718,7 +3723,7 @@
         </p:nvSpPr>
         <p:spPr>
           <a:xfrm>
-            <a:off x="7168896" y="1707687"/>
+            <a:off x="7405965" y="1707687"/>
             <a:ext cx="1021433" cy="276999"/>
           </a:xfrm>
           <a:prstGeom prst="rect">
@@ -3750,7 +3755,7 @@
         </p:nvSpPr>
         <p:spPr>
           <a:xfrm>
-            <a:off x="7167414" y="1968106"/>
+            <a:off x="7404483" y="1968106"/>
             <a:ext cx="1021433" cy="276999"/>
           </a:xfrm>
           <a:prstGeom prst="rect">
@@ -3782,7 +3787,7 @@
         </p:nvSpPr>
         <p:spPr>
           <a:xfrm>
-            <a:off x="7168558" y="2189645"/>
+            <a:off x="7405627" y="2189645"/>
             <a:ext cx="1021433" cy="276999"/>
           </a:xfrm>
           <a:prstGeom prst="rect">
@@ -3814,7 +3819,7 @@
         </p:nvSpPr>
         <p:spPr>
           <a:xfrm>
-            <a:off x="7054640" y="1818208"/>
+            <a:off x="7291709" y="1818208"/>
             <a:ext cx="75876" cy="72033"/>
           </a:xfrm>
           <a:prstGeom prst="ellipse">
@@ -3857,7 +3862,7 @@
         </p:nvSpPr>
         <p:spPr>
           <a:xfrm>
-            <a:off x="7060407" y="2064830"/>
+            <a:off x="7297476" y="2064830"/>
             <a:ext cx="64488" cy="64488"/>
           </a:xfrm>
           <a:prstGeom prst="rect">
@@ -3903,7 +3908,7 @@
         </p:nvSpPr>
         <p:spPr>
           <a:xfrm>
-            <a:off x="7055483" y="2299741"/>
+            <a:off x="7292552" y="2299741"/>
             <a:ext cx="69412" cy="66842"/>
           </a:xfrm>
           <a:prstGeom prst="triangle">
@@ -3949,7 +3954,7 @@
         </p:nvCxnSpPr>
         <p:spPr>
           <a:xfrm>
-            <a:off x="1316736" y="2097024"/>
+            <a:off x="1553805" y="2097024"/>
             <a:ext cx="5279136" cy="0"/>
           </a:xfrm>
           <a:prstGeom prst="straightConnector1">
@@ -3986,7 +3991,7 @@
         </p:nvCxnSpPr>
         <p:spPr>
           <a:xfrm>
-            <a:off x="1879071" y="1402080"/>
+            <a:off x="2116140" y="1402080"/>
             <a:ext cx="0" cy="3681984"/>
           </a:xfrm>
           <a:prstGeom prst="straightConnector1">
@@ -4023,7 +4028,7 @@
         </p:nvSpPr>
         <p:spPr>
           <a:xfrm>
-            <a:off x="3446558" y="1906551"/>
+            <a:off x="3683627" y="1906551"/>
             <a:ext cx="1418978" cy="338554"/>
           </a:xfrm>
           <a:prstGeom prst="rect">
@@ -4057,7 +4062,7 @@
         </p:nvSpPr>
         <p:spPr>
           <a:xfrm rot="16200000">
-            <a:off x="1169582" y="3073795"/>
+            <a:off x="1406651" y="3073795"/>
             <a:ext cx="1418978" cy="338554"/>
           </a:xfrm>
           <a:prstGeom prst="rect">
@@ -4091,7 +4096,7 @@
         </p:nvCxnSpPr>
         <p:spPr>
           <a:xfrm>
-            <a:off x="564643" y="714682"/>
+            <a:off x="214685" y="714682"/>
             <a:ext cx="0" cy="4928882"/>
           </a:xfrm>
           <a:prstGeom prst="straightConnector1">
@@ -4130,7 +4135,7 @@
         </p:nvSpPr>
         <p:spPr>
           <a:xfrm rot="16200000" flipH="1">
-            <a:off x="142837" y="2978171"/>
+            <a:off x="-207121" y="2978171"/>
             <a:ext cx="801823" cy="338554"/>
           </a:xfrm>
           <a:prstGeom prst="rect">
@@ -4159,13 +4164,15 @@
       <p:cxnSp>
         <p:nvCxnSpPr>
           <p:cNvPr id="52" name="Straight Arrow Connector 51"/>
-          <p:cNvCxnSpPr/>
+          <p:cNvCxnSpPr>
+            <a:cxnSpLocks/>
+          </p:cNvCxnSpPr>
           <p:nvPr/>
         </p:nvCxnSpPr>
         <p:spPr>
           <a:xfrm>
-            <a:off x="857251" y="1671751"/>
-            <a:ext cx="459485" cy="0"/>
+            <a:off x="465191" y="3814293"/>
+            <a:ext cx="301287" cy="0"/>
           </a:xfrm>
           <a:prstGeom prst="straightConnector1">
             <a:avLst/>
@@ -4204,7 +4211,7 @@
         </p:nvCxnSpPr>
         <p:spPr>
           <a:xfrm>
-            <a:off x="6595872" y="1707687"/>
+            <a:off x="6832941" y="1707687"/>
             <a:ext cx="281146" cy="0"/>
           </a:xfrm>
           <a:prstGeom prst="straightConnector1">
@@ -4244,8 +4251,8 @@
         </p:nvSpPr>
         <p:spPr>
           <a:xfrm>
-            <a:off x="876566" y="350729"/>
-            <a:ext cx="257709" cy="1302707"/>
+            <a:off x="599746" y="3814292"/>
+            <a:ext cx="127155" cy="2033235"/>
           </a:xfrm>
           <a:custGeom>
             <a:avLst/>
@@ -4258,6 +4265,52 @@
               <a:gd name="connsiteY2" fmla="*/ 187890 h 1302707"/>
               <a:gd name="connsiteX3" fmla="*/ 213198 w 257709"/>
               <a:gd name="connsiteY3" fmla="*/ 0 h 1302707"/>
+              <a:gd name="connsiteX0" fmla="*/ 162838 w 257453"/>
+              <a:gd name="connsiteY0" fmla="*/ 1114817 h 1114817"/>
+              <a:gd name="connsiteX1" fmla="*/ 250520 w 257453"/>
+              <a:gd name="connsiteY1" fmla="*/ 839244 h 1114817"/>
+              <a:gd name="connsiteX2" fmla="*/ 0 w 257453"/>
+              <a:gd name="connsiteY2" fmla="*/ 0 h 1114817"/>
+              <a:gd name="connsiteX0" fmla="*/ 162838 w 254308"/>
+              <a:gd name="connsiteY0" fmla="*/ 1114817 h 1114817"/>
+              <a:gd name="connsiteX1" fmla="*/ 250520 w 254308"/>
+              <a:gd name="connsiteY1" fmla="*/ 839244 h 1114817"/>
+              <a:gd name="connsiteX2" fmla="*/ 55512 w 254308"/>
+              <a:gd name="connsiteY2" fmla="*/ 347271 h 1114817"/>
+              <a:gd name="connsiteX3" fmla="*/ 0 w 254308"/>
+              <a:gd name="connsiteY3" fmla="*/ 0 h 1114817"/>
+              <a:gd name="connsiteX0" fmla="*/ 162838 w 192175"/>
+              <a:gd name="connsiteY0" fmla="*/ 1114817 h 1114817"/>
+              <a:gd name="connsiteX1" fmla="*/ 160904 w 192175"/>
+              <a:gd name="connsiteY1" fmla="*/ 817304 h 1114817"/>
+              <a:gd name="connsiteX2" fmla="*/ 55512 w 192175"/>
+              <a:gd name="connsiteY2" fmla="*/ 347271 h 1114817"/>
+              <a:gd name="connsiteX3" fmla="*/ 0 w 192175"/>
+              <a:gd name="connsiteY3" fmla="*/ 0 h 1114817"/>
+              <a:gd name="connsiteX0" fmla="*/ 160904 w 160904"/>
+              <a:gd name="connsiteY0" fmla="*/ 817304 h 817304"/>
+              <a:gd name="connsiteX1" fmla="*/ 55512 w 160904"/>
+              <a:gd name="connsiteY1" fmla="*/ 347271 h 817304"/>
+              <a:gd name="connsiteX2" fmla="*/ 0 w 160904"/>
+              <a:gd name="connsiteY2" fmla="*/ 0 h 817304"/>
+              <a:gd name="connsiteX0" fmla="*/ 116097 w 116097"/>
+              <a:gd name="connsiteY0" fmla="*/ 1146397 h 1146397"/>
+              <a:gd name="connsiteX1" fmla="*/ 55512 w 116097"/>
+              <a:gd name="connsiteY1" fmla="*/ 347271 h 1146397"/>
+              <a:gd name="connsiteX2" fmla="*/ 0 w 116097"/>
+              <a:gd name="connsiteY2" fmla="*/ 0 h 1146397"/>
+              <a:gd name="connsiteX0" fmla="*/ 116097 w 116097"/>
+              <a:gd name="connsiteY0" fmla="*/ 1146397 h 1146397"/>
+              <a:gd name="connsiteX1" fmla="*/ 55512 w 116097"/>
+              <a:gd name="connsiteY1" fmla="*/ 347271 h 1146397"/>
+              <a:gd name="connsiteX2" fmla="*/ 0 w 116097"/>
+              <a:gd name="connsiteY2" fmla="*/ 0 h 1146397"/>
+              <a:gd name="connsiteX0" fmla="*/ 116097 w 116097"/>
+              <a:gd name="connsiteY0" fmla="*/ 1146397 h 1146397"/>
+              <a:gd name="connsiteX1" fmla="*/ 55512 w 116097"/>
+              <a:gd name="connsiteY1" fmla="*/ 347271 h 1146397"/>
+              <a:gd name="connsiteX2" fmla="*/ 0 w 116097"/>
+              <a:gd name="connsiteY2" fmla="*/ 0 h 1146397"/>
             </a:gdLst>
             <a:ahLst/>
             <a:cxnLst>
@@ -4270,30 +4323,22 @@
               <a:cxn ang="0">
                 <a:pos x="connsiteX2" y="connsiteY2"/>
               </a:cxn>
-              <a:cxn ang="0">
-                <a:pos x="connsiteX3" y="connsiteY3"/>
-              </a:cxn>
             </a:cxnLst>
             <a:rect l="l" t="t" r="r" b="b"/>
             <a:pathLst>
-              <a:path w="257709" h="1302707">
+              <a:path w="116097" h="1146397">
                 <a:moveTo>
-                  <a:pt x="163094" y="1302707"/>
+                  <a:pt x="116097" y="1146397"/>
                 </a:moveTo>
                 <a:cubicBezTo>
-                  <a:pt x="220505" y="1257822"/>
-                  <a:pt x="277916" y="1212937"/>
-                  <a:pt x="250776" y="1027134"/>
+                  <a:pt x="116132" y="601621"/>
+                  <a:pt x="97265" y="487145"/>
+                  <a:pt x="55512" y="347271"/>
                 </a:cubicBezTo>
                 <a:cubicBezTo>
-                  <a:pt x="223636" y="841331"/>
-                  <a:pt x="6519" y="359079"/>
-                  <a:pt x="256" y="187890"/>
-                </a:cubicBezTo>
-                <a:cubicBezTo>
-                  <a:pt x="-6007" y="16701"/>
-                  <a:pt x="103595" y="8350"/>
-                  <a:pt x="213198" y="0"/>
+                  <a:pt x="13759" y="178144"/>
+                  <a:pt x="11134" y="59760"/>
+                  <a:pt x="0" y="0"/>
                 </a:cubicBezTo>
               </a:path>
             </a:pathLst>
@@ -4341,8 +4386,8 @@
         </p:nvSpPr>
         <p:spPr>
           <a:xfrm>
-            <a:off x="1034452" y="138273"/>
-            <a:ext cx="1295547" cy="338554"/>
+            <a:off x="493633" y="5840539"/>
+            <a:ext cx="1665841" cy="338554"/>
           </a:xfrm>
           <a:prstGeom prst="rect">
             <a:avLst/>
@@ -4358,12 +4403,16 @@
           <a:lstStyle/>
           <a:p>
             <a:r>
-              <a:rPr lang="en-US" sz="1600" dirty="0">
+              <a:rPr lang="en-US" sz="1600" dirty="0" err="1">
                 <a:latin typeface="Courier New" panose="02070309020205020404" pitchFamily="49" charset="0"/>
                 <a:cs typeface="Courier New" panose="02070309020205020404" pitchFamily="49" charset="0"/>
               </a:rPr>
-              <a:t>fig_ax_ws</a:t>
-            </a:r>
+              <a:t>ws_fig_label</a:t>
+            </a:r>
+            <a:endParaRPr lang="en-US" sz="1600" dirty="0">
+              <a:latin typeface="Courier New" panose="02070309020205020404" pitchFamily="49" charset="0"/>
+              <a:cs typeface="Courier New" panose="02070309020205020404" pitchFamily="49" charset="0"/>
+            </a:endParaRPr>
           </a:p>
         </p:txBody>
       </p:sp>
@@ -4375,7 +4424,7 @@
         </p:nvSpPr>
         <p:spPr>
           <a:xfrm>
-            <a:off x="5645319" y="516255"/>
+            <a:off x="5882388" y="516255"/>
             <a:ext cx="1192316" cy="1149708"/>
           </a:xfrm>
           <a:custGeom>
@@ -4472,7 +4521,7 @@
         </p:nvSpPr>
         <p:spPr>
           <a:xfrm>
-            <a:off x="5180456" y="163672"/>
+            <a:off x="5417525" y="163672"/>
             <a:ext cx="1295547" cy="338554"/>
           </a:xfrm>
           <a:prstGeom prst="rect">
@@ -4489,25 +4538,29 @@
           <a:lstStyle/>
           <a:p>
             <a:r>
-              <a:rPr lang="en-US" sz="1600" dirty="0">
+              <a:rPr lang="en-US" sz="1600" dirty="0" err="1">
                 <a:latin typeface="Courier New" panose="02070309020205020404" pitchFamily="49" charset="0"/>
                 <a:cs typeface="Courier New" panose="02070309020205020404" pitchFamily="49" charset="0"/>
               </a:rPr>
-              <a:t>ax_leg_ws</a:t>
-            </a:r>
+              <a:t>ws_leg_ax</a:t>
+            </a:r>
+            <a:endParaRPr lang="en-US" sz="1600" dirty="0">
+              <a:latin typeface="Courier New" panose="02070309020205020404" pitchFamily="49" charset="0"/>
+              <a:cs typeface="Courier New" panose="02070309020205020404" pitchFamily="49" charset="0"/>
+            </a:endParaRPr>
           </a:p>
         </p:txBody>
       </p:sp>
       <p:cxnSp>
         <p:nvCxnSpPr>
-          <p:cNvPr id="64" name="Straight Arrow Connector 63"/>
+          <p:cNvPr id="66" name="Straight Arrow Connector 65"/>
           <p:cNvCxnSpPr/>
           <p:nvPr/>
         </p:nvCxnSpPr>
         <p:spPr>
           <a:xfrm>
-            <a:off x="1879070" y="5079873"/>
-            <a:ext cx="0" cy="559500"/>
+            <a:off x="2116139" y="938784"/>
+            <a:ext cx="0" cy="297217"/>
           </a:xfrm>
           <a:prstGeom prst="straightConnector1">
             <a:avLst/>
@@ -4540,14 +4593,14 @@
       </p:cxnSp>
       <p:cxnSp>
         <p:nvCxnSpPr>
-          <p:cNvPr id="66" name="Straight Arrow Connector 65"/>
+          <p:cNvPr id="70" name="Straight Arrow Connector 69"/>
           <p:cNvCxnSpPr/>
           <p:nvPr/>
         </p:nvCxnSpPr>
         <p:spPr>
           <a:xfrm>
-            <a:off x="1879070" y="938784"/>
-            <a:ext cx="0" cy="297217"/>
+            <a:off x="2116139" y="1236001"/>
+            <a:ext cx="0" cy="166079"/>
           </a:xfrm>
           <a:prstGeom prst="straightConnector1">
             <a:avLst/>
@@ -4580,14 +4633,14 @@
       </p:cxnSp>
       <p:cxnSp>
         <p:nvCxnSpPr>
-          <p:cNvPr id="70" name="Straight Arrow Connector 69"/>
+          <p:cNvPr id="72" name="Straight Arrow Connector 71"/>
           <p:cNvCxnSpPr/>
           <p:nvPr/>
         </p:nvCxnSpPr>
         <p:spPr>
           <a:xfrm>
-            <a:off x="1879070" y="1236001"/>
-            <a:ext cx="0" cy="166079"/>
+            <a:off x="2118227" y="714682"/>
+            <a:ext cx="0" cy="238550"/>
           </a:xfrm>
           <a:prstGeom prst="straightConnector1">
             <a:avLst/>
@@ -4618,46 +4671,6 @@
           </a:fontRef>
         </p:style>
       </p:cxnSp>
-      <p:cxnSp>
-        <p:nvCxnSpPr>
-          <p:cNvPr id="72" name="Straight Arrow Connector 71"/>
-          <p:cNvCxnSpPr/>
-          <p:nvPr/>
-        </p:nvCxnSpPr>
-        <p:spPr>
-          <a:xfrm>
-            <a:off x="1881158" y="714682"/>
-            <a:ext cx="0" cy="238550"/>
-          </a:xfrm>
-          <a:prstGeom prst="straightConnector1">
-            <a:avLst/>
-          </a:prstGeom>
-          <a:ln w="19050">
-            <a:solidFill>
-              <a:schemeClr val="tx1">
-                <a:lumMod val="65000"/>
-                <a:lumOff val="35000"/>
-              </a:schemeClr>
-            </a:solidFill>
-            <a:headEnd type="triangle" w="med" len="med"/>
-            <a:tailEnd type="triangle" w="med" len="med"/>
-          </a:ln>
-        </p:spPr>
-        <p:style>
-          <a:lnRef idx="1">
-            <a:schemeClr val="accent1"/>
-          </a:lnRef>
-          <a:fillRef idx="0">
-            <a:schemeClr val="accent1"/>
-          </a:fillRef>
-          <a:effectRef idx="0">
-            <a:schemeClr val="accent1"/>
-          </a:effectRef>
-          <a:fontRef idx="minor">
-            <a:schemeClr val="tx1"/>
-          </a:fontRef>
-        </p:style>
-      </p:cxnSp>
       <p:sp>
         <p:nvSpPr>
           <p:cNvPr id="75" name="Freeform 74"/>
@@ -4666,7 +4679,7 @@
         </p:nvSpPr>
         <p:spPr>
           <a:xfrm>
-            <a:off x="1866378" y="462528"/>
+            <a:off x="2103447" y="462528"/>
             <a:ext cx="726510" cy="377650"/>
           </a:xfrm>
           <a:custGeom>
@@ -4763,7 +4776,7 @@
         </p:nvSpPr>
         <p:spPr>
           <a:xfrm>
-            <a:off x="2443264" y="264077"/>
+            <a:off x="2680333" y="264077"/>
             <a:ext cx="1665841" cy="338554"/>
           </a:xfrm>
           <a:prstGeom prst="rect">
@@ -4780,12 +4793,16 @@
           <a:lstStyle/>
           <a:p>
             <a:r>
-              <a:rPr lang="en-US" sz="1600" dirty="0">
+              <a:rPr lang="en-US" sz="1600" dirty="0" err="1">
                 <a:latin typeface="Courier New" panose="02070309020205020404" pitchFamily="49" charset="0"/>
                 <a:cs typeface="Courier New" panose="02070309020205020404" pitchFamily="49" charset="0"/>
               </a:rPr>
-              <a:t>fig_title_ws</a:t>
-            </a:r>
+              <a:t>ws_fig_title</a:t>
+            </a:r>
+            <a:endParaRPr lang="en-US" sz="1600" dirty="0">
+              <a:latin typeface="Courier New" panose="02070309020205020404" pitchFamily="49" charset="0"/>
+              <a:cs typeface="Courier New" panose="02070309020205020404" pitchFamily="49" charset="0"/>
+            </a:endParaRPr>
           </a:p>
         </p:txBody>
       </p:sp>
@@ -4797,7 +4814,7 @@
         </p:nvSpPr>
         <p:spPr>
           <a:xfrm>
-            <a:off x="2032695" y="916221"/>
+            <a:off x="2269764" y="916221"/>
             <a:ext cx="1048685" cy="338554"/>
           </a:xfrm>
           <a:prstGeom prst="rect">
@@ -4829,7 +4846,7 @@
         </p:nvCxnSpPr>
         <p:spPr>
           <a:xfrm>
-            <a:off x="1876983" y="1078033"/>
+            <a:off x="2114052" y="1078033"/>
             <a:ext cx="124960" cy="0"/>
           </a:xfrm>
           <a:prstGeom prst="line">
@@ -4867,7 +4884,7 @@
         </p:nvSpPr>
         <p:spPr>
           <a:xfrm>
-            <a:off x="1866378" y="1283083"/>
+            <a:off x="2103447" y="1283083"/>
             <a:ext cx="739036" cy="395405"/>
           </a:xfrm>
           <a:custGeom>
@@ -4964,7 +4981,7 @@
         </p:nvSpPr>
         <p:spPr>
           <a:xfrm>
-            <a:off x="2626450" y="1508499"/>
+            <a:off x="2863519" y="1508499"/>
             <a:ext cx="1542410" cy="338554"/>
           </a:xfrm>
           <a:prstGeom prst="rect">
@@ -4979,87 +4996,19 @@
           <a:lstStyle/>
           <a:p>
             <a:r>
-              <a:rPr lang="en-US" sz="1600" dirty="0">
+              <a:rPr lang="en-US" sz="1600" dirty="0" err="1">
                 <a:latin typeface="Courier New" panose="02070309020205020404" pitchFamily="49" charset="0"/>
                 <a:cs typeface="Courier New" panose="02070309020205020404" pitchFamily="49" charset="0"/>
               </a:rPr>
-              <a:t>title_ax_ws</a:t>
-            </a:r>
-          </a:p>
-        </p:txBody>
-      </p:sp>
-      <p:sp>
-        <p:nvSpPr>
-          <p:cNvPr id="83" name="TextBox 82"/>
-          <p:cNvSpPr txBox="1"/>
-          <p:nvPr/>
-        </p:nvSpPr>
-        <p:spPr>
-          <a:xfrm>
-            <a:off x="2032695" y="5182068"/>
-            <a:ext cx="1295547" cy="338554"/>
-          </a:xfrm>
-          <a:prstGeom prst="rect">
-            <a:avLst/>
-          </a:prstGeom>
-          <a:noFill/>
-        </p:spPr>
-        <p:txBody>
-          <a:bodyPr wrap="none" rtlCol="0">
-            <a:spAutoFit/>
-          </a:bodyPr>
-          <a:lstStyle/>
-          <a:p>
-            <a:r>
-              <a:rPr lang="en-US" sz="1600" dirty="0">
-                <a:latin typeface="Courier New" panose="02070309020205020404" pitchFamily="49" charset="0"/>
-                <a:cs typeface="Courier New" panose="02070309020205020404" pitchFamily="49" charset="0"/>
-              </a:rPr>
-              <a:t>ax_fig_ws</a:t>
-            </a:r>
-          </a:p>
-        </p:txBody>
-      </p:sp>
-      <p:cxnSp>
-        <p:nvCxnSpPr>
-          <p:cNvPr id="85" name="Straight Connector 84"/>
-          <p:cNvCxnSpPr>
-            <a:endCxn id="83" idx="1"/>
-          </p:cNvCxnSpPr>
-          <p:nvPr/>
-        </p:nvCxnSpPr>
-        <p:spPr>
-          <a:xfrm flipV="1">
-            <a:off x="1876983" y="5351345"/>
-            <a:ext cx="155712" cy="2278"/>
-          </a:xfrm>
-          <a:prstGeom prst="line">
-            <a:avLst/>
-          </a:prstGeom>
-          <a:ln>
-            <a:solidFill>
-              <a:schemeClr val="tx1">
-                <a:lumMod val="50000"/>
-                <a:lumOff val="50000"/>
-              </a:schemeClr>
-            </a:solidFill>
-          </a:ln>
-        </p:spPr>
-        <p:style>
-          <a:lnRef idx="1">
-            <a:schemeClr val="accent1"/>
-          </a:lnRef>
-          <a:fillRef idx="0">
-            <a:schemeClr val="accent1"/>
-          </a:fillRef>
-          <a:effectRef idx="0">
-            <a:schemeClr val="accent1"/>
-          </a:effectRef>
-          <a:fontRef idx="minor">
-            <a:schemeClr val="tx1"/>
-          </a:fontRef>
-        </p:style>
-      </p:cxnSp>
+              <a:t>ws_title_ax</a:t>
+            </a:r>
+            <a:endParaRPr lang="en-US" sz="1600" dirty="0">
+              <a:latin typeface="Courier New" panose="02070309020205020404" pitchFamily="49" charset="0"/>
+              <a:cs typeface="Courier New" panose="02070309020205020404" pitchFamily="49" charset="0"/>
+            </a:endParaRPr>
+          </a:p>
+        </p:txBody>
+      </p:sp>
       <p:cxnSp>
         <p:nvCxnSpPr>
           <p:cNvPr id="54" name="Straight Arrow Connector 53"/>
@@ -5068,7 +5017,7 @@
         </p:nvCxnSpPr>
         <p:spPr>
           <a:xfrm>
-            <a:off x="8132064" y="1666744"/>
+            <a:off x="8369133" y="1666744"/>
             <a:ext cx="171832" cy="0"/>
           </a:xfrm>
           <a:prstGeom prst="straightConnector1">
@@ -5108,7 +5057,7 @@
         </p:nvSpPr>
         <p:spPr>
           <a:xfrm>
-            <a:off x="8218842" y="1678193"/>
+            <a:off x="8455911" y="1678193"/>
             <a:ext cx="978946" cy="763793"/>
           </a:xfrm>
           <a:custGeom>
@@ -5195,7 +5144,7 @@
         </p:nvSpPr>
         <p:spPr>
           <a:xfrm>
-            <a:off x="9007198" y="2234731"/>
+            <a:off x="9244267" y="2234731"/>
             <a:ext cx="2159566" cy="338554"/>
           </a:xfrm>
           <a:prstGeom prst="rect">
@@ -5211,26 +5160,288 @@
           </a:bodyPr>
           <a:lstStyle/>
           <a:p>
+            <a:r>
+              <a:rPr lang="en-US" sz="1600" dirty="0" err="1">
+                <a:latin typeface="Courier New" panose="02070309020205020404" pitchFamily="49" charset="0"/>
+                <a:cs typeface="Courier New" panose="02070309020205020404" pitchFamily="49" charset="0"/>
+              </a:rPr>
+              <a:t>ws_fig_leg</a:t>
+            </a:r>
             <a:r>
               <a:rPr lang="en-US" sz="1600" dirty="0">
                 <a:latin typeface="Courier New" panose="02070309020205020404" pitchFamily="49" charset="0"/>
                 <a:cs typeface="Courier New" panose="02070309020205020404" pitchFamily="49" charset="0"/>
               </a:rPr>
-              <a:t>leg_fig_ws + 6px</a:t>
+              <a:t> + 6px</a:t>
+            </a:r>
+          </a:p>
+        </p:txBody>
+      </p:sp>
+      <p:sp>
+        <p:nvSpPr>
+          <p:cNvPr id="59" name="Rectangle 58">
+            <a:extLst>
+              <a:ext uri="{FF2B5EF4-FFF2-40B4-BE49-F238E27FC236}">
+                <a16:creationId xmlns:a16="http://schemas.microsoft.com/office/drawing/2014/main" id="{E0896058-5B84-4117-A4A6-038326461C69}"/>
+              </a:ext>
+            </a:extLst>
+          </p:cNvPr>
+          <p:cNvSpPr/>
+          <p:nvPr/>
+        </p:nvSpPr>
+        <p:spPr>
+          <a:xfrm>
+            <a:off x="766478" y="2589770"/>
+            <a:ext cx="253555" cy="1335024"/>
+          </a:xfrm>
+          <a:prstGeom prst="rect">
+            <a:avLst/>
+          </a:prstGeom>
+          <a:noFill/>
+          <a:ln w="28575">
+            <a:solidFill>
+              <a:srgbClr val="7030A0"/>
+            </a:solidFill>
+          </a:ln>
+        </p:spPr>
+        <p:style>
+          <a:lnRef idx="2">
+            <a:schemeClr val="accent1">
+              <a:shade val="50000"/>
+            </a:schemeClr>
+          </a:lnRef>
+          <a:fillRef idx="1">
+            <a:schemeClr val="accent1"/>
+          </a:fillRef>
+          <a:effectRef idx="0">
+            <a:schemeClr val="accent1"/>
+          </a:effectRef>
+          <a:fontRef idx="minor">
+            <a:schemeClr val="lt1"/>
+          </a:fontRef>
+        </p:style>
+        <p:txBody>
+          <a:bodyPr vert="vert270" rtlCol="0" anchor="ctr"/>
+          <a:lstStyle/>
+          <a:p>
+            <a:pPr algn="ctr"/>
+            <a:r>
+              <a:rPr lang="en-US" sz="1600" dirty="0">
+                <a:solidFill>
+                  <a:schemeClr val="tx1"/>
+                </a:solidFill>
+                <a:cs typeface="Courier New" panose="02070309020205020404" pitchFamily="49" charset="0"/>
+              </a:rPr>
+              <a:t>ylabel</a:t>
+            </a:r>
+          </a:p>
+        </p:txBody>
+      </p:sp>
+      <p:sp>
+        <p:nvSpPr>
+          <p:cNvPr id="63" name="Rectangle 62">
+            <a:extLst>
+              <a:ext uri="{FF2B5EF4-FFF2-40B4-BE49-F238E27FC236}">
+                <a16:creationId xmlns:a16="http://schemas.microsoft.com/office/drawing/2014/main" id="{DE84F3F2-73F5-4843-8AE7-5725767E296D}"/>
+              </a:ext>
+            </a:extLst>
+          </p:cNvPr>
+          <p:cNvSpPr/>
+          <p:nvPr/>
+        </p:nvSpPr>
+        <p:spPr>
+          <a:xfrm rot="5400000">
+            <a:off x="4243760" y="5059236"/>
+            <a:ext cx="253555" cy="1335024"/>
+          </a:xfrm>
+          <a:prstGeom prst="rect">
+            <a:avLst/>
+          </a:prstGeom>
+          <a:noFill/>
+          <a:ln w="28575">
+            <a:solidFill>
+              <a:srgbClr val="7030A0"/>
+            </a:solidFill>
+          </a:ln>
+        </p:spPr>
+        <p:style>
+          <a:lnRef idx="2">
+            <a:schemeClr val="accent1">
+              <a:shade val="50000"/>
+            </a:schemeClr>
+          </a:lnRef>
+          <a:fillRef idx="1">
+            <a:schemeClr val="accent1"/>
+          </a:fillRef>
+          <a:effectRef idx="0">
+            <a:schemeClr val="accent1"/>
+          </a:effectRef>
+          <a:fontRef idx="minor">
+            <a:schemeClr val="lt1"/>
+          </a:fontRef>
+        </p:style>
+        <p:txBody>
+          <a:bodyPr vert="vert270" rtlCol="0" anchor="ctr"/>
+          <a:lstStyle/>
+          <a:p>
+            <a:pPr algn="ctr"/>
+            <a:r>
+              <a:rPr lang="en-US" sz="1600" dirty="0">
+                <a:solidFill>
+                  <a:schemeClr val="tx1"/>
+                </a:solidFill>
+                <a:cs typeface="Courier New" panose="02070309020205020404" pitchFamily="49" charset="0"/>
+              </a:rPr>
+              <a:t>xlabel</a:t>
+            </a:r>
+          </a:p>
+        </p:txBody>
+      </p:sp>
+      <p:sp>
+        <p:nvSpPr>
+          <p:cNvPr id="65" name="Rectangle 64">
+            <a:extLst>
+              <a:ext uri="{FF2B5EF4-FFF2-40B4-BE49-F238E27FC236}">
+                <a16:creationId xmlns:a16="http://schemas.microsoft.com/office/drawing/2014/main" id="{6A6E7CA1-3934-4216-AC04-6C9F5FF6A05D}"/>
+              </a:ext>
+            </a:extLst>
+          </p:cNvPr>
+          <p:cNvSpPr/>
+          <p:nvPr/>
+        </p:nvSpPr>
+        <p:spPr>
+          <a:xfrm>
+            <a:off x="1189599" y="1413368"/>
+            <a:ext cx="227724" cy="3677783"/>
+          </a:xfrm>
+          <a:prstGeom prst="rect">
+            <a:avLst/>
+          </a:prstGeom>
+          <a:noFill/>
+          <a:ln w="28575">
+            <a:solidFill>
+              <a:schemeClr val="accent2">
+                <a:lumMod val="60000"/>
+                <a:lumOff val="40000"/>
+              </a:schemeClr>
+            </a:solidFill>
+          </a:ln>
+        </p:spPr>
+        <p:style>
+          <a:lnRef idx="2">
+            <a:schemeClr val="accent1">
+              <a:shade val="50000"/>
+            </a:schemeClr>
+          </a:lnRef>
+          <a:fillRef idx="1">
+            <a:schemeClr val="accent1"/>
+          </a:fillRef>
+          <a:effectRef idx="0">
+            <a:schemeClr val="accent1"/>
+          </a:effectRef>
+          <a:fontRef idx="minor">
+            <a:schemeClr val="lt1"/>
+          </a:fontRef>
+        </p:style>
+        <p:txBody>
+          <a:bodyPr vert="vert270" rtlCol="0" anchor="ctr"/>
+          <a:lstStyle/>
+          <a:p>
+            <a:pPr algn="ctr"/>
+            <a:r>
+              <a:rPr lang="en-US" sz="1600" dirty="0">
+                <a:solidFill>
+                  <a:schemeClr val="tx1"/>
+                </a:solidFill>
+                <a:cs typeface="Courier New" panose="02070309020205020404" pitchFamily="49" charset="0"/>
+              </a:rPr>
+              <a:t>ytick labels</a:t>
+            </a:r>
+          </a:p>
+        </p:txBody>
+      </p:sp>
+      <p:sp>
+        <p:nvSpPr>
+          <p:cNvPr id="67" name="Rectangle 66">
+            <a:extLst>
+              <a:ext uri="{FF2B5EF4-FFF2-40B4-BE49-F238E27FC236}">
+                <a16:creationId xmlns:a16="http://schemas.microsoft.com/office/drawing/2014/main" id="{877CC9DE-1331-47A1-B3C4-42C5827E6AC8}"/>
+              </a:ext>
+            </a:extLst>
+          </p:cNvPr>
+          <p:cNvSpPr/>
+          <p:nvPr/>
+        </p:nvSpPr>
+        <p:spPr>
+          <a:xfrm rot="5400000">
+            <a:off x="4079065" y="2654658"/>
+            <a:ext cx="228600" cy="5279120"/>
+          </a:xfrm>
+          <a:prstGeom prst="rect">
+            <a:avLst/>
+          </a:prstGeom>
+          <a:noFill/>
+          <a:ln w="28575">
+            <a:solidFill>
+              <a:schemeClr val="accent2">
+                <a:lumMod val="60000"/>
+                <a:lumOff val="40000"/>
+              </a:schemeClr>
+            </a:solidFill>
+          </a:ln>
+        </p:spPr>
+        <p:style>
+          <a:lnRef idx="2">
+            <a:schemeClr val="accent1">
+              <a:shade val="50000"/>
+            </a:schemeClr>
+          </a:lnRef>
+          <a:fillRef idx="1">
+            <a:schemeClr val="accent1"/>
+          </a:fillRef>
+          <a:effectRef idx="0">
+            <a:schemeClr val="accent1"/>
+          </a:effectRef>
+          <a:fontRef idx="minor">
+            <a:schemeClr val="lt1"/>
+          </a:fontRef>
+        </p:style>
+        <p:txBody>
+          <a:bodyPr vert="vert270" rtlCol="0" anchor="ctr"/>
+          <a:lstStyle/>
+          <a:p>
+            <a:pPr algn="ctr"/>
+            <a:r>
+              <a:rPr lang="en-US" sz="1600" dirty="0">
+                <a:solidFill>
+                  <a:schemeClr val="tx1"/>
+                </a:solidFill>
+                <a:cs typeface="Courier New" panose="02070309020205020404" pitchFamily="49" charset="0"/>
+              </a:rPr>
+              <a:t>xtick labels</a:t>
             </a:r>
           </a:p>
         </p:txBody>
       </p:sp>
       <p:cxnSp>
         <p:nvCxnSpPr>
-          <p:cNvPr id="56" name="Straight Arrow Connector 55"/>
-          <p:cNvCxnSpPr/>
+          <p:cNvPr id="68" name="Straight Arrow Connector 67">
+            <a:extLst>
+              <a:ext uri="{FF2B5EF4-FFF2-40B4-BE49-F238E27FC236}">
+                <a16:creationId xmlns:a16="http://schemas.microsoft.com/office/drawing/2014/main" id="{7E5EBFB4-3604-440A-A4C1-5503BE1335DA}"/>
+              </a:ext>
+            </a:extLst>
+          </p:cNvPr>
+          <p:cNvCxnSpPr>
+            <a:cxnSpLocks/>
+            <a:endCxn id="63" idx="3"/>
+          </p:cNvCxnSpPr>
           <p:nvPr/>
         </p:nvCxnSpPr>
         <p:spPr>
-          <a:xfrm>
-            <a:off x="6607892" y="3952562"/>
-            <a:ext cx="1696004" cy="0"/>
+          <a:xfrm flipV="1">
+            <a:off x="4369343" y="5853526"/>
+            <a:ext cx="1195" cy="342566"/>
           </a:xfrm>
           <a:prstGeom prst="straightConnector1">
             <a:avLst/>
@@ -5263,58 +5474,168 @@
       </p:cxnSp>
       <p:sp>
         <p:nvSpPr>
-          <p:cNvPr id="60" name="TextBox 59"/>
-          <p:cNvSpPr txBox="1"/>
-          <p:nvPr/>
-        </p:nvSpPr>
-        <p:spPr>
-          <a:xfrm>
-            <a:off x="8448121" y="3341644"/>
-            <a:ext cx="1789272" cy="338554"/>
-          </a:xfrm>
-          <a:prstGeom prst="rect">
-            <a:avLst/>
-          </a:prstGeom>
-          <a:solidFill>
-            <a:schemeClr val="bg1"/>
-          </a:solidFill>
-        </p:spPr>
-        <p:txBody>
-          <a:bodyPr wrap="none" rtlCol="0">
-            <a:spAutoFit/>
-          </a:bodyPr>
-          <a:lstStyle/>
-          <a:p>
-            <a:r>
-              <a:rPr lang="en-US" sz="1600" dirty="0">
-                <a:latin typeface="Courier New" panose="02070309020205020404" pitchFamily="49" charset="0"/>
-                <a:cs typeface="Courier New" panose="02070309020205020404" pitchFamily="49" charset="0"/>
-              </a:rPr>
-              <a:t>ax_leg_fig_ws</a:t>
-            </a:r>
-          </a:p>
-        </p:txBody>
-      </p:sp>
-      <p:sp>
-        <p:nvSpPr>
-          <p:cNvPr id="5" name="Freeform 4"/>
+          <p:cNvPr id="69" name="Freeform 56">
+            <a:extLst>
+              <a:ext uri="{FF2B5EF4-FFF2-40B4-BE49-F238E27FC236}">
+                <a16:creationId xmlns:a16="http://schemas.microsoft.com/office/drawing/2014/main" id="{0CDDCB96-3323-4965-A7E5-623436D8DCDA}"/>
+              </a:ext>
+            </a:extLst>
+          </p:cNvPr>
           <p:cNvSpPr/>
           <p:nvPr/>
         </p:nvSpPr>
         <p:spPr>
           <a:xfrm>
-            <a:off x="7422776" y="3354424"/>
-            <a:ext cx="1043492" cy="593632"/>
+            <a:off x="2114053" y="5999908"/>
+            <a:ext cx="2238804" cy="79074"/>
           </a:xfrm>
           <a:custGeom>
             <a:avLst/>
             <a:gdLst>
-              <a:gd name="connsiteX0" fmla="*/ 0 w 1043492"/>
-              <a:gd name="connsiteY0" fmla="*/ 593632 h 593632"/>
-              <a:gd name="connsiteX1" fmla="*/ 204396 w 1043492"/>
-              <a:gd name="connsiteY1" fmla="*/ 23477 h 593632"/>
-              <a:gd name="connsiteX2" fmla="*/ 1043492 w 1043492"/>
-              <a:gd name="connsiteY2" fmla="*/ 163327 h 593632"/>
+              <a:gd name="connsiteX0" fmla="*/ 163094 w 257709"/>
+              <a:gd name="connsiteY0" fmla="*/ 1302707 h 1302707"/>
+              <a:gd name="connsiteX1" fmla="*/ 250776 w 257709"/>
+              <a:gd name="connsiteY1" fmla="*/ 1027134 h 1302707"/>
+              <a:gd name="connsiteX2" fmla="*/ 256 w 257709"/>
+              <a:gd name="connsiteY2" fmla="*/ 187890 h 1302707"/>
+              <a:gd name="connsiteX3" fmla="*/ 213198 w 257709"/>
+              <a:gd name="connsiteY3" fmla="*/ 0 h 1302707"/>
+              <a:gd name="connsiteX0" fmla="*/ 162838 w 257453"/>
+              <a:gd name="connsiteY0" fmla="*/ 1114817 h 1114817"/>
+              <a:gd name="connsiteX1" fmla="*/ 250520 w 257453"/>
+              <a:gd name="connsiteY1" fmla="*/ 839244 h 1114817"/>
+              <a:gd name="connsiteX2" fmla="*/ 0 w 257453"/>
+              <a:gd name="connsiteY2" fmla="*/ 0 h 1114817"/>
+              <a:gd name="connsiteX0" fmla="*/ 162838 w 254308"/>
+              <a:gd name="connsiteY0" fmla="*/ 1114817 h 1114817"/>
+              <a:gd name="connsiteX1" fmla="*/ 250520 w 254308"/>
+              <a:gd name="connsiteY1" fmla="*/ 839244 h 1114817"/>
+              <a:gd name="connsiteX2" fmla="*/ 55512 w 254308"/>
+              <a:gd name="connsiteY2" fmla="*/ 347271 h 1114817"/>
+              <a:gd name="connsiteX3" fmla="*/ 0 w 254308"/>
+              <a:gd name="connsiteY3" fmla="*/ 0 h 1114817"/>
+              <a:gd name="connsiteX0" fmla="*/ 162838 w 192175"/>
+              <a:gd name="connsiteY0" fmla="*/ 1114817 h 1114817"/>
+              <a:gd name="connsiteX1" fmla="*/ 160904 w 192175"/>
+              <a:gd name="connsiteY1" fmla="*/ 817304 h 1114817"/>
+              <a:gd name="connsiteX2" fmla="*/ 55512 w 192175"/>
+              <a:gd name="connsiteY2" fmla="*/ 347271 h 1114817"/>
+              <a:gd name="connsiteX3" fmla="*/ 0 w 192175"/>
+              <a:gd name="connsiteY3" fmla="*/ 0 h 1114817"/>
+              <a:gd name="connsiteX0" fmla="*/ 160904 w 160904"/>
+              <a:gd name="connsiteY0" fmla="*/ 817304 h 817304"/>
+              <a:gd name="connsiteX1" fmla="*/ 55512 w 160904"/>
+              <a:gd name="connsiteY1" fmla="*/ 347271 h 817304"/>
+              <a:gd name="connsiteX2" fmla="*/ 0 w 160904"/>
+              <a:gd name="connsiteY2" fmla="*/ 0 h 817304"/>
+              <a:gd name="connsiteX0" fmla="*/ 116097 w 116097"/>
+              <a:gd name="connsiteY0" fmla="*/ 1146397 h 1146397"/>
+              <a:gd name="connsiteX1" fmla="*/ 55512 w 116097"/>
+              <a:gd name="connsiteY1" fmla="*/ 347271 h 1146397"/>
+              <a:gd name="connsiteX2" fmla="*/ 0 w 116097"/>
+              <a:gd name="connsiteY2" fmla="*/ 0 h 1146397"/>
+              <a:gd name="connsiteX0" fmla="*/ 116097 w 116097"/>
+              <a:gd name="connsiteY0" fmla="*/ 1146397 h 1146397"/>
+              <a:gd name="connsiteX1" fmla="*/ 55512 w 116097"/>
+              <a:gd name="connsiteY1" fmla="*/ 347271 h 1146397"/>
+              <a:gd name="connsiteX2" fmla="*/ 0 w 116097"/>
+              <a:gd name="connsiteY2" fmla="*/ 0 h 1146397"/>
+              <a:gd name="connsiteX0" fmla="*/ 116097 w 116097"/>
+              <a:gd name="connsiteY0" fmla="*/ 1146397 h 1146397"/>
+              <a:gd name="connsiteX1" fmla="*/ 55512 w 116097"/>
+              <a:gd name="connsiteY1" fmla="*/ 347271 h 1146397"/>
+              <a:gd name="connsiteX2" fmla="*/ 0 w 116097"/>
+              <a:gd name="connsiteY2" fmla="*/ 0 h 1146397"/>
+              <a:gd name="connsiteX0" fmla="*/ 2051788 w 2051788"/>
+              <a:gd name="connsiteY0" fmla="*/ 1036699 h 1036699"/>
+              <a:gd name="connsiteX1" fmla="*/ 55512 w 2051788"/>
+              <a:gd name="connsiteY1" fmla="*/ 347271 h 1036699"/>
+              <a:gd name="connsiteX2" fmla="*/ 0 w 2051788"/>
+              <a:gd name="connsiteY2" fmla="*/ 0 h 1036699"/>
+              <a:gd name="connsiteX0" fmla="*/ 2051788 w 2051788"/>
+              <a:gd name="connsiteY0" fmla="*/ 1036699 h 1036699"/>
+              <a:gd name="connsiteX1" fmla="*/ 55512 w 2051788"/>
+              <a:gd name="connsiteY1" fmla="*/ 347271 h 1036699"/>
+              <a:gd name="connsiteX2" fmla="*/ 0 w 2051788"/>
+              <a:gd name="connsiteY2" fmla="*/ 0 h 1036699"/>
+              <a:gd name="connsiteX0" fmla="*/ 2446095 w 2446095"/>
+              <a:gd name="connsiteY0" fmla="*/ 963568 h 963568"/>
+              <a:gd name="connsiteX1" fmla="*/ 55512 w 2446095"/>
+              <a:gd name="connsiteY1" fmla="*/ 347271 h 963568"/>
+              <a:gd name="connsiteX2" fmla="*/ 0 w 2446095"/>
+              <a:gd name="connsiteY2" fmla="*/ 0 h 963568"/>
+              <a:gd name="connsiteX0" fmla="*/ 2446095 w 2446095"/>
+              <a:gd name="connsiteY0" fmla="*/ 963568 h 963568"/>
+              <a:gd name="connsiteX1" fmla="*/ 1301165 w 2446095"/>
+              <a:gd name="connsiteY1" fmla="*/ 859194 h 963568"/>
+              <a:gd name="connsiteX2" fmla="*/ 0 w 2446095"/>
+              <a:gd name="connsiteY2" fmla="*/ 0 h 963568"/>
+              <a:gd name="connsiteX0" fmla="*/ 1720211 w 1720211"/>
+              <a:gd name="connsiteY0" fmla="*/ 224935 h 224935"/>
+              <a:gd name="connsiteX1" fmla="*/ 575281 w 1720211"/>
+              <a:gd name="connsiteY1" fmla="*/ 120561 h 224935"/>
+              <a:gd name="connsiteX2" fmla="*/ 0 w 1720211"/>
+              <a:gd name="connsiteY2" fmla="*/ 0 h 224935"/>
+              <a:gd name="connsiteX0" fmla="*/ 1720211 w 1720211"/>
+              <a:gd name="connsiteY0" fmla="*/ 224935 h 224935"/>
+              <a:gd name="connsiteX1" fmla="*/ 575281 w 1720211"/>
+              <a:gd name="connsiteY1" fmla="*/ 120561 h 224935"/>
+              <a:gd name="connsiteX2" fmla="*/ 0 w 1720211"/>
+              <a:gd name="connsiteY2" fmla="*/ 0 h 224935"/>
+              <a:gd name="connsiteX0" fmla="*/ 1720211 w 1720211"/>
+              <a:gd name="connsiteY0" fmla="*/ 230844 h 230844"/>
+              <a:gd name="connsiteX1" fmla="*/ 575281 w 1720211"/>
+              <a:gd name="connsiteY1" fmla="*/ 126470 h 230844"/>
+              <a:gd name="connsiteX2" fmla="*/ 0 w 1720211"/>
+              <a:gd name="connsiteY2" fmla="*/ 5909 h 230844"/>
+              <a:gd name="connsiteX0" fmla="*/ 1675404 w 1675404"/>
+              <a:gd name="connsiteY0" fmla="*/ 209328 h 209328"/>
+              <a:gd name="connsiteX1" fmla="*/ 530474 w 1675404"/>
+              <a:gd name="connsiteY1" fmla="*/ 104954 h 209328"/>
+              <a:gd name="connsiteX2" fmla="*/ 0 w 1675404"/>
+              <a:gd name="connsiteY2" fmla="*/ 20959 h 209328"/>
+              <a:gd name="connsiteX0" fmla="*/ 1675404 w 1675404"/>
+              <a:gd name="connsiteY0" fmla="*/ 188369 h 188369"/>
+              <a:gd name="connsiteX1" fmla="*/ 530474 w 1675404"/>
+              <a:gd name="connsiteY1" fmla="*/ 83995 h 188369"/>
+              <a:gd name="connsiteX2" fmla="*/ 0 w 1675404"/>
+              <a:gd name="connsiteY2" fmla="*/ 0 h 188369"/>
+              <a:gd name="connsiteX0" fmla="*/ 1675404 w 1675404"/>
+              <a:gd name="connsiteY0" fmla="*/ 188369 h 188369"/>
+              <a:gd name="connsiteX1" fmla="*/ 530474 w 1675404"/>
+              <a:gd name="connsiteY1" fmla="*/ 83995 h 188369"/>
+              <a:gd name="connsiteX2" fmla="*/ 0 w 1675404"/>
+              <a:gd name="connsiteY2" fmla="*/ 0 h 188369"/>
+              <a:gd name="connsiteX0" fmla="*/ 1675404 w 1675404"/>
+              <a:gd name="connsiteY0" fmla="*/ 188369 h 188369"/>
+              <a:gd name="connsiteX1" fmla="*/ 763474 w 1675404"/>
+              <a:gd name="connsiteY1" fmla="*/ 113248 h 188369"/>
+              <a:gd name="connsiteX2" fmla="*/ 0 w 1675404"/>
+              <a:gd name="connsiteY2" fmla="*/ 0 h 188369"/>
+              <a:gd name="connsiteX0" fmla="*/ 1675404 w 1675404"/>
+              <a:gd name="connsiteY0" fmla="*/ 188369 h 188369"/>
+              <a:gd name="connsiteX1" fmla="*/ 763474 w 1675404"/>
+              <a:gd name="connsiteY1" fmla="*/ 113248 h 188369"/>
+              <a:gd name="connsiteX2" fmla="*/ 0 w 1675404"/>
+              <a:gd name="connsiteY2" fmla="*/ 0 h 188369"/>
+              <a:gd name="connsiteX0" fmla="*/ 1675404 w 1675404"/>
+              <a:gd name="connsiteY0" fmla="*/ 188369 h 188369"/>
+              <a:gd name="connsiteX1" fmla="*/ 763474 w 1675404"/>
+              <a:gd name="connsiteY1" fmla="*/ 113248 h 188369"/>
+              <a:gd name="connsiteX2" fmla="*/ 0 w 1675404"/>
+              <a:gd name="connsiteY2" fmla="*/ 0 h 188369"/>
+              <a:gd name="connsiteX0" fmla="*/ 1675404 w 1675404"/>
+              <a:gd name="connsiteY0" fmla="*/ 188369 h 188369"/>
+              <a:gd name="connsiteX1" fmla="*/ 754512 w 1675404"/>
+              <a:gd name="connsiteY1" fmla="*/ 120561 h 188369"/>
+              <a:gd name="connsiteX2" fmla="*/ 0 w 1675404"/>
+              <a:gd name="connsiteY2" fmla="*/ 0 h 188369"/>
+              <a:gd name="connsiteX0" fmla="*/ 1675404 w 1675404"/>
+              <a:gd name="connsiteY0" fmla="*/ 188369 h 202220"/>
+              <a:gd name="connsiteX1" fmla="*/ 754512 w 1675404"/>
+              <a:gd name="connsiteY1" fmla="*/ 120561 h 202220"/>
+              <a:gd name="connsiteX2" fmla="*/ 0 w 1675404"/>
+              <a:gd name="connsiteY2" fmla="*/ 0 h 202220"/>
             </a:gdLst>
             <a:ahLst/>
             <a:cxnLst>
@@ -5330,19 +5651,19 @@
             </a:cxnLst>
             <a:rect l="l" t="t" r="r" b="b"/>
             <a:pathLst>
-              <a:path w="1043492" h="593632">
+              <a:path w="1675404" h="202220">
                 <a:moveTo>
-                  <a:pt x="0" y="593632"/>
+                  <a:pt x="1675404" y="188369"/>
                 </a:moveTo>
                 <a:cubicBezTo>
-                  <a:pt x="15240" y="344413"/>
-                  <a:pt x="30481" y="95194"/>
-                  <a:pt x="204396" y="23477"/>
+                  <a:pt x="1039170" y="206708"/>
+                  <a:pt x="930688" y="223870"/>
+                  <a:pt x="754512" y="120561"/>
                 </a:cubicBezTo>
                 <a:cubicBezTo>
-                  <a:pt x="378311" y="-48241"/>
-                  <a:pt x="710901" y="57543"/>
-                  <a:pt x="1043492" y="163327"/>
+                  <a:pt x="515605" y="9941"/>
+                  <a:pt x="396480" y="1254"/>
+                  <a:pt x="0" y="0"/>
                 </a:cubicBezTo>
               </a:path>
             </a:pathLst>
@@ -5375,6 +5696,752 @@
         </p:style>
         <p:txBody>
           <a:bodyPr rtlCol="0" anchor="ctr"/>
+          <a:lstStyle/>
+          <a:p>
+            <a:pPr algn="ctr"/>
+            <a:endParaRPr lang="en-US" dirty="0"/>
+          </a:p>
+        </p:txBody>
+      </p:sp>
+      <p:cxnSp>
+        <p:nvCxnSpPr>
+          <p:cNvPr id="71" name="Straight Arrow Connector 70">
+            <a:extLst>
+              <a:ext uri="{FF2B5EF4-FFF2-40B4-BE49-F238E27FC236}">
+                <a16:creationId xmlns:a16="http://schemas.microsoft.com/office/drawing/2014/main" id="{61DD8F67-3742-4982-8186-B91A3723FFF9}"/>
+              </a:ext>
+            </a:extLst>
+          </p:cNvPr>
+          <p:cNvCxnSpPr>
+            <a:cxnSpLocks/>
+          </p:cNvCxnSpPr>
+          <p:nvPr/>
+        </p:nvCxnSpPr>
+        <p:spPr>
+          <a:xfrm>
+            <a:off x="1020033" y="3818586"/>
+            <a:ext cx="169566" cy="0"/>
+          </a:xfrm>
+          <a:prstGeom prst="straightConnector1">
+            <a:avLst/>
+          </a:prstGeom>
+          <a:ln w="19050">
+            <a:solidFill>
+              <a:schemeClr val="tx1">
+                <a:lumMod val="65000"/>
+                <a:lumOff val="35000"/>
+              </a:schemeClr>
+            </a:solidFill>
+            <a:headEnd type="triangle" w="med" len="med"/>
+            <a:tailEnd type="triangle" w="med" len="med"/>
+          </a:ln>
+        </p:spPr>
+        <p:style>
+          <a:lnRef idx="1">
+            <a:schemeClr val="accent1"/>
+          </a:lnRef>
+          <a:fillRef idx="0">
+            <a:schemeClr val="accent1"/>
+          </a:fillRef>
+          <a:effectRef idx="0">
+            <a:schemeClr val="accent1"/>
+          </a:effectRef>
+          <a:fontRef idx="minor">
+            <a:schemeClr val="tx1"/>
+          </a:fontRef>
+        </p:style>
+      </p:cxnSp>
+      <p:cxnSp>
+        <p:nvCxnSpPr>
+          <p:cNvPr id="73" name="Straight Arrow Connector 72">
+            <a:extLst>
+              <a:ext uri="{FF2B5EF4-FFF2-40B4-BE49-F238E27FC236}">
+                <a16:creationId xmlns:a16="http://schemas.microsoft.com/office/drawing/2014/main" id="{29160547-5949-4705-BAF4-B5581745E7E4}"/>
+              </a:ext>
+            </a:extLst>
+          </p:cNvPr>
+          <p:cNvCxnSpPr>
+            <a:cxnSpLocks/>
+          </p:cNvCxnSpPr>
+          <p:nvPr/>
+        </p:nvCxnSpPr>
+        <p:spPr>
+          <a:xfrm rot="16200000">
+            <a:off x="4277419" y="5507205"/>
+            <a:ext cx="169566" cy="0"/>
+          </a:xfrm>
+          <a:prstGeom prst="straightConnector1">
+            <a:avLst/>
+          </a:prstGeom>
+          <a:ln w="19050">
+            <a:solidFill>
+              <a:schemeClr val="tx1">
+                <a:lumMod val="65000"/>
+                <a:lumOff val="35000"/>
+              </a:schemeClr>
+            </a:solidFill>
+            <a:headEnd type="triangle" w="med" len="med"/>
+            <a:tailEnd type="triangle" w="med" len="med"/>
+          </a:ln>
+        </p:spPr>
+        <p:style>
+          <a:lnRef idx="1">
+            <a:schemeClr val="accent1"/>
+          </a:lnRef>
+          <a:fillRef idx="0">
+            <a:schemeClr val="accent1"/>
+          </a:fillRef>
+          <a:effectRef idx="0">
+            <a:schemeClr val="accent1"/>
+          </a:effectRef>
+          <a:fontRef idx="minor">
+            <a:schemeClr val="tx1"/>
+          </a:fontRef>
+        </p:style>
+      </p:cxnSp>
+      <p:sp>
+        <p:nvSpPr>
+          <p:cNvPr id="74" name="TextBox 73">
+            <a:extLst>
+              <a:ext uri="{FF2B5EF4-FFF2-40B4-BE49-F238E27FC236}">
+                <a16:creationId xmlns:a16="http://schemas.microsoft.com/office/drawing/2014/main" id="{F2BDC5F8-7A48-4B1A-BD57-B73CDD72DCF3}"/>
+              </a:ext>
+            </a:extLst>
+          </p:cNvPr>
+          <p:cNvSpPr txBox="1"/>
+          <p:nvPr/>
+        </p:nvSpPr>
+        <p:spPr>
+          <a:xfrm>
+            <a:off x="887759" y="5451284"/>
+            <a:ext cx="1789272" cy="338554"/>
+          </a:xfrm>
+          <a:prstGeom prst="rect">
+            <a:avLst/>
+          </a:prstGeom>
+          <a:solidFill>
+            <a:schemeClr val="bg1"/>
+          </a:solidFill>
+        </p:spPr>
+        <p:txBody>
+          <a:bodyPr wrap="none" rtlCol="0">
+            <a:spAutoFit/>
+          </a:bodyPr>
+          <a:lstStyle/>
+          <a:p>
+            <a:r>
+              <a:rPr lang="en-US" sz="1600" dirty="0" err="1">
+                <a:latin typeface="Courier New" panose="02070309020205020404" pitchFamily="49" charset="0"/>
+                <a:cs typeface="Courier New" panose="02070309020205020404" pitchFamily="49" charset="0"/>
+              </a:rPr>
+              <a:t>ws_label_tick</a:t>
+            </a:r>
+            <a:endParaRPr lang="en-US" sz="1600" dirty="0">
+              <a:latin typeface="Courier New" panose="02070309020205020404" pitchFamily="49" charset="0"/>
+              <a:cs typeface="Courier New" panose="02070309020205020404" pitchFamily="49" charset="0"/>
+            </a:endParaRPr>
+          </a:p>
+        </p:txBody>
+      </p:sp>
+      <p:sp>
+        <p:nvSpPr>
+          <p:cNvPr id="16" name="Freeform: Shape 15">
+            <a:extLst>
+              <a:ext uri="{FF2B5EF4-FFF2-40B4-BE49-F238E27FC236}">
+                <a16:creationId xmlns:a16="http://schemas.microsoft.com/office/drawing/2014/main" id="{E2889FFC-7B55-435B-862F-BC7CE26C6F2C}"/>
+              </a:ext>
+            </a:extLst>
+          </p:cNvPr>
+          <p:cNvSpPr/>
+          <p:nvPr/>
+        </p:nvSpPr>
+        <p:spPr>
+          <a:xfrm>
+            <a:off x="950514" y="3838222"/>
+            <a:ext cx="418291" cy="1704622"/>
+          </a:xfrm>
+          <a:custGeom>
+            <a:avLst/>
+            <a:gdLst>
+              <a:gd name="connsiteX0" fmla="*/ 144508 w 418291"/>
+              <a:gd name="connsiteY0" fmla="*/ 0 h 1704622"/>
+              <a:gd name="connsiteX1" fmla="*/ 9042 w 418291"/>
+              <a:gd name="connsiteY1" fmla="*/ 1332089 h 1704622"/>
+              <a:gd name="connsiteX2" fmla="*/ 370286 w 418291"/>
+              <a:gd name="connsiteY2" fmla="*/ 1591734 h 1704622"/>
+              <a:gd name="connsiteX3" fmla="*/ 404153 w 418291"/>
+              <a:gd name="connsiteY3" fmla="*/ 1704622 h 1704622"/>
+            </a:gdLst>
+            <a:ahLst/>
+            <a:cxnLst>
+              <a:cxn ang="0">
+                <a:pos x="connsiteX0" y="connsiteY0"/>
+              </a:cxn>
+              <a:cxn ang="0">
+                <a:pos x="connsiteX1" y="connsiteY1"/>
+              </a:cxn>
+              <a:cxn ang="0">
+                <a:pos x="connsiteX2" y="connsiteY2"/>
+              </a:cxn>
+              <a:cxn ang="0">
+                <a:pos x="connsiteX3" y="connsiteY3"/>
+              </a:cxn>
+            </a:cxnLst>
+            <a:rect l="l" t="t" r="r" b="b"/>
+            <a:pathLst>
+              <a:path w="418291" h="1704622">
+                <a:moveTo>
+                  <a:pt x="144508" y="0"/>
+                </a:moveTo>
+                <a:cubicBezTo>
+                  <a:pt x="57960" y="533400"/>
+                  <a:pt x="-28588" y="1066800"/>
+                  <a:pt x="9042" y="1332089"/>
+                </a:cubicBezTo>
+                <a:cubicBezTo>
+                  <a:pt x="46672" y="1597378"/>
+                  <a:pt x="304434" y="1529645"/>
+                  <a:pt x="370286" y="1591734"/>
+                </a:cubicBezTo>
+                <a:cubicBezTo>
+                  <a:pt x="436138" y="1653823"/>
+                  <a:pt x="420145" y="1679222"/>
+                  <a:pt x="404153" y="1704622"/>
+                </a:cubicBezTo>
+              </a:path>
+            </a:pathLst>
+          </a:custGeom>
+          <a:noFill/>
+          <a:ln>
+            <a:solidFill>
+              <a:schemeClr val="tx1">
+                <a:lumMod val="65000"/>
+                <a:lumOff val="35000"/>
+              </a:schemeClr>
+            </a:solidFill>
+          </a:ln>
+        </p:spPr>
+        <p:style>
+          <a:lnRef idx="2">
+            <a:schemeClr val="accent1">
+              <a:shade val="50000"/>
+            </a:schemeClr>
+          </a:lnRef>
+          <a:fillRef idx="1">
+            <a:schemeClr val="accent1"/>
+          </a:fillRef>
+          <a:effectRef idx="0">
+            <a:schemeClr val="accent1"/>
+          </a:effectRef>
+          <a:fontRef idx="minor">
+            <a:schemeClr val="lt1"/>
+          </a:fontRef>
+        </p:style>
+        <p:txBody>
+          <a:bodyPr rtlCol="0" anchor="ctr"/>
+          <a:lstStyle/>
+          <a:p>
+            <a:pPr algn="ctr"/>
+            <a:endParaRPr lang="en-US"/>
+          </a:p>
+        </p:txBody>
+      </p:sp>
+      <p:sp>
+        <p:nvSpPr>
+          <p:cNvPr id="22" name="Freeform: Shape 21">
+            <a:extLst>
+              <a:ext uri="{FF2B5EF4-FFF2-40B4-BE49-F238E27FC236}">
+                <a16:creationId xmlns:a16="http://schemas.microsoft.com/office/drawing/2014/main" id="{8090DF4D-6A5D-4997-958F-4F1CA2D1C64E}"/>
+              </a:ext>
+            </a:extLst>
+          </p:cNvPr>
+          <p:cNvSpPr/>
+          <p:nvPr/>
+        </p:nvSpPr>
+        <p:spPr>
+          <a:xfrm>
+            <a:off x="2596444" y="5508978"/>
+            <a:ext cx="1749778" cy="90311"/>
+          </a:xfrm>
+          <a:custGeom>
+            <a:avLst/>
+            <a:gdLst>
+              <a:gd name="connsiteX0" fmla="*/ 1749778 w 1749778"/>
+              <a:gd name="connsiteY0" fmla="*/ 0 h 90311"/>
+              <a:gd name="connsiteX1" fmla="*/ 587023 w 1749778"/>
+              <a:gd name="connsiteY1" fmla="*/ 22578 h 90311"/>
+              <a:gd name="connsiteX2" fmla="*/ 0 w 1749778"/>
+              <a:gd name="connsiteY2" fmla="*/ 90311 h 90311"/>
+            </a:gdLst>
+            <a:ahLst/>
+            <a:cxnLst>
+              <a:cxn ang="0">
+                <a:pos x="connsiteX0" y="connsiteY0"/>
+              </a:cxn>
+              <a:cxn ang="0">
+                <a:pos x="connsiteX1" y="connsiteY1"/>
+              </a:cxn>
+              <a:cxn ang="0">
+                <a:pos x="connsiteX2" y="connsiteY2"/>
+              </a:cxn>
+            </a:cxnLst>
+            <a:rect l="l" t="t" r="r" b="b"/>
+            <a:pathLst>
+              <a:path w="1749778" h="90311">
+                <a:moveTo>
+                  <a:pt x="1749778" y="0"/>
+                </a:moveTo>
+                <a:cubicBezTo>
+                  <a:pt x="1314215" y="3763"/>
+                  <a:pt x="878653" y="7526"/>
+                  <a:pt x="587023" y="22578"/>
+                </a:cubicBezTo>
+                <a:cubicBezTo>
+                  <a:pt x="295393" y="37630"/>
+                  <a:pt x="147696" y="63970"/>
+                  <a:pt x="0" y="90311"/>
+                </a:cubicBezTo>
+              </a:path>
+            </a:pathLst>
+          </a:custGeom>
+          <a:noFill/>
+          <a:ln>
+            <a:solidFill>
+              <a:schemeClr val="tx1">
+                <a:lumMod val="65000"/>
+                <a:lumOff val="35000"/>
+              </a:schemeClr>
+            </a:solidFill>
+          </a:ln>
+        </p:spPr>
+        <p:style>
+          <a:lnRef idx="2">
+            <a:schemeClr val="accent1">
+              <a:shade val="50000"/>
+            </a:schemeClr>
+          </a:lnRef>
+          <a:fillRef idx="1">
+            <a:schemeClr val="accent1"/>
+          </a:fillRef>
+          <a:effectRef idx="0">
+            <a:schemeClr val="accent1"/>
+          </a:effectRef>
+          <a:fontRef idx="minor">
+            <a:schemeClr val="lt1"/>
+          </a:fontRef>
+        </p:style>
+        <p:txBody>
+          <a:bodyPr rot="0" spcFirstLastPara="0" vertOverflow="overflow" horzOverflow="overflow" vert="horz" wrap="square" lIns="91440" tIns="45720" rIns="91440" bIns="45720" numCol="1" spcCol="0" rtlCol="0" fromWordArt="0" anchor="ctr" anchorCtr="0" forceAA="0" compatLnSpc="1">
+            <a:prstTxWarp prst="textNoShape">
+              <a:avLst/>
+            </a:prstTxWarp>
+            <a:noAutofit/>
+          </a:bodyPr>
+          <a:lstStyle/>
+          <a:p>
+            <a:pPr algn="ctr"/>
+            <a:endParaRPr lang="en-US"/>
+          </a:p>
+        </p:txBody>
+      </p:sp>
+      <p:cxnSp>
+        <p:nvCxnSpPr>
+          <p:cNvPr id="78" name="Straight Arrow Connector 77">
+            <a:extLst>
+              <a:ext uri="{FF2B5EF4-FFF2-40B4-BE49-F238E27FC236}">
+                <a16:creationId xmlns:a16="http://schemas.microsoft.com/office/drawing/2014/main" id="{0AB560F5-25B2-4A2E-A2C8-F35BA511785E}"/>
+              </a:ext>
+            </a:extLst>
+          </p:cNvPr>
+          <p:cNvCxnSpPr>
+            <a:cxnSpLocks/>
+          </p:cNvCxnSpPr>
+          <p:nvPr/>
+        </p:nvCxnSpPr>
+        <p:spPr>
+          <a:xfrm>
+            <a:off x="1417323" y="3814292"/>
+            <a:ext cx="169566" cy="0"/>
+          </a:xfrm>
+          <a:prstGeom prst="straightConnector1">
+            <a:avLst/>
+          </a:prstGeom>
+          <a:ln w="19050">
+            <a:solidFill>
+              <a:schemeClr val="tx1">
+                <a:lumMod val="65000"/>
+                <a:lumOff val="35000"/>
+              </a:schemeClr>
+            </a:solidFill>
+            <a:headEnd type="triangle" w="med" len="med"/>
+            <a:tailEnd type="triangle" w="med" len="med"/>
+          </a:ln>
+        </p:spPr>
+        <p:style>
+          <a:lnRef idx="1">
+            <a:schemeClr val="accent1"/>
+          </a:lnRef>
+          <a:fillRef idx="0">
+            <a:schemeClr val="accent1"/>
+          </a:fillRef>
+          <a:effectRef idx="0">
+            <a:schemeClr val="accent1"/>
+          </a:effectRef>
+          <a:fontRef idx="minor">
+            <a:schemeClr val="tx1"/>
+          </a:fontRef>
+        </p:style>
+      </p:cxnSp>
+      <p:cxnSp>
+        <p:nvCxnSpPr>
+          <p:cNvPr id="80" name="Straight Arrow Connector 79">
+            <a:extLst>
+              <a:ext uri="{FF2B5EF4-FFF2-40B4-BE49-F238E27FC236}">
+                <a16:creationId xmlns:a16="http://schemas.microsoft.com/office/drawing/2014/main" id="{0D96943F-96A4-48C7-A4BA-C719079357B3}"/>
+              </a:ext>
+            </a:extLst>
+          </p:cNvPr>
+          <p:cNvCxnSpPr>
+            <a:cxnSpLocks/>
+          </p:cNvCxnSpPr>
+          <p:nvPr/>
+        </p:nvCxnSpPr>
+        <p:spPr>
+          <a:xfrm rot="16200000">
+            <a:off x="4261391" y="5142903"/>
+            <a:ext cx="169566" cy="0"/>
+          </a:xfrm>
+          <a:prstGeom prst="straightConnector1">
+            <a:avLst/>
+          </a:prstGeom>
+          <a:ln w="19050">
+            <a:solidFill>
+              <a:schemeClr val="tx1">
+                <a:lumMod val="65000"/>
+                <a:lumOff val="35000"/>
+              </a:schemeClr>
+            </a:solidFill>
+            <a:headEnd type="triangle" w="med" len="med"/>
+            <a:tailEnd type="triangle" w="med" len="med"/>
+          </a:ln>
+        </p:spPr>
+        <p:style>
+          <a:lnRef idx="1">
+            <a:schemeClr val="accent1"/>
+          </a:lnRef>
+          <a:fillRef idx="0">
+            <a:schemeClr val="accent1"/>
+          </a:fillRef>
+          <a:effectRef idx="0">
+            <a:schemeClr val="accent1"/>
+          </a:effectRef>
+          <a:fontRef idx="minor">
+            <a:schemeClr val="tx1"/>
+          </a:fontRef>
+        </p:style>
+      </p:cxnSp>
+      <p:sp>
+        <p:nvSpPr>
+          <p:cNvPr id="84" name="Freeform: Shape 83">
+            <a:extLst>
+              <a:ext uri="{FF2B5EF4-FFF2-40B4-BE49-F238E27FC236}">
+                <a16:creationId xmlns:a16="http://schemas.microsoft.com/office/drawing/2014/main" id="{60934A05-F47D-4F03-AA07-3DA13374EC7A}"/>
+              </a:ext>
+            </a:extLst>
+          </p:cNvPr>
+          <p:cNvSpPr/>
+          <p:nvPr/>
+        </p:nvSpPr>
+        <p:spPr>
+          <a:xfrm>
+            <a:off x="1475714" y="3899232"/>
+            <a:ext cx="1367565" cy="697712"/>
+          </a:xfrm>
+          <a:custGeom>
+            <a:avLst/>
+            <a:gdLst>
+              <a:gd name="connsiteX0" fmla="*/ 144508 w 418291"/>
+              <a:gd name="connsiteY0" fmla="*/ 0 h 1704622"/>
+              <a:gd name="connsiteX1" fmla="*/ 9042 w 418291"/>
+              <a:gd name="connsiteY1" fmla="*/ 1332089 h 1704622"/>
+              <a:gd name="connsiteX2" fmla="*/ 370286 w 418291"/>
+              <a:gd name="connsiteY2" fmla="*/ 1591734 h 1704622"/>
+              <a:gd name="connsiteX3" fmla="*/ 404153 w 418291"/>
+              <a:gd name="connsiteY3" fmla="*/ 1704622 h 1704622"/>
+              <a:gd name="connsiteX0" fmla="*/ 65452 w 451300"/>
+              <a:gd name="connsiteY0" fmla="*/ 0 h 1563770"/>
+              <a:gd name="connsiteX1" fmla="*/ 42051 w 451300"/>
+              <a:gd name="connsiteY1" fmla="*/ 1191237 h 1563770"/>
+              <a:gd name="connsiteX2" fmla="*/ 403295 w 451300"/>
+              <a:gd name="connsiteY2" fmla="*/ 1450882 h 1563770"/>
+              <a:gd name="connsiteX3" fmla="*/ 437162 w 451300"/>
+              <a:gd name="connsiteY3" fmla="*/ 1563770 h 1563770"/>
+              <a:gd name="connsiteX0" fmla="*/ 23094 w 401539"/>
+              <a:gd name="connsiteY0" fmla="*/ 0 h 1563770"/>
+              <a:gd name="connsiteX1" fmla="*/ 173394 w 401539"/>
+              <a:gd name="connsiteY1" fmla="*/ 1238187 h 1563770"/>
+              <a:gd name="connsiteX2" fmla="*/ 360937 w 401539"/>
+              <a:gd name="connsiteY2" fmla="*/ 1450882 h 1563770"/>
+              <a:gd name="connsiteX3" fmla="*/ 394804 w 401539"/>
+              <a:gd name="connsiteY3" fmla="*/ 1563770 h 1563770"/>
+              <a:gd name="connsiteX0" fmla="*/ 789 w 379234"/>
+              <a:gd name="connsiteY0" fmla="*/ 0 h 1563770"/>
+              <a:gd name="connsiteX1" fmla="*/ 151089 w 379234"/>
+              <a:gd name="connsiteY1" fmla="*/ 1238187 h 1563770"/>
+              <a:gd name="connsiteX2" fmla="*/ 338632 w 379234"/>
+              <a:gd name="connsiteY2" fmla="*/ 1450882 h 1563770"/>
+              <a:gd name="connsiteX3" fmla="*/ 372499 w 379234"/>
+              <a:gd name="connsiteY3" fmla="*/ 1563770 h 1563770"/>
+              <a:gd name="connsiteX0" fmla="*/ 789 w 338632"/>
+              <a:gd name="connsiteY0" fmla="*/ 0 h 1450883"/>
+              <a:gd name="connsiteX1" fmla="*/ 151089 w 338632"/>
+              <a:gd name="connsiteY1" fmla="*/ 1238187 h 1450883"/>
+              <a:gd name="connsiteX2" fmla="*/ 338632 w 338632"/>
+              <a:gd name="connsiteY2" fmla="*/ 1450882 h 1450883"/>
+              <a:gd name="connsiteX0" fmla="*/ 1069 w 338912"/>
+              <a:gd name="connsiteY0" fmla="*/ 0 h 1450883"/>
+              <a:gd name="connsiteX1" fmla="*/ 151369 w 338912"/>
+              <a:gd name="connsiteY1" fmla="*/ 1238187 h 1450883"/>
+              <a:gd name="connsiteX2" fmla="*/ 338912 w 338912"/>
+              <a:gd name="connsiteY2" fmla="*/ 1450882 h 1450883"/>
+              <a:gd name="connsiteX0" fmla="*/ 1554 w 339397"/>
+              <a:gd name="connsiteY0" fmla="*/ 0 h 1450883"/>
+              <a:gd name="connsiteX1" fmla="*/ 151854 w 339397"/>
+              <a:gd name="connsiteY1" fmla="*/ 1238187 h 1450883"/>
+              <a:gd name="connsiteX2" fmla="*/ 339397 w 339397"/>
+              <a:gd name="connsiteY2" fmla="*/ 1450882 h 1450883"/>
+            </a:gdLst>
+            <a:ahLst/>
+            <a:cxnLst>
+              <a:cxn ang="0">
+                <a:pos x="connsiteX0" y="connsiteY0"/>
+              </a:cxn>
+              <a:cxn ang="0">
+                <a:pos x="connsiteX1" y="connsiteY1"/>
+              </a:cxn>
+              <a:cxn ang="0">
+                <a:pos x="connsiteX2" y="connsiteY2"/>
+              </a:cxn>
+            </a:cxnLst>
+            <a:rect l="l" t="t" r="r" b="b"/>
+            <a:pathLst>
+              <a:path w="339397" h="1450883">
+                <a:moveTo>
+                  <a:pt x="1554" y="0"/>
+                </a:moveTo>
+                <a:cubicBezTo>
+                  <a:pt x="-9350" y="1096802"/>
+                  <a:pt x="36713" y="1090275"/>
+                  <a:pt x="151854" y="1238187"/>
+                </a:cubicBezTo>
+                <a:cubicBezTo>
+                  <a:pt x="266995" y="1386099"/>
+                  <a:pt x="302495" y="1396618"/>
+                  <a:pt x="339397" y="1450882"/>
+                </a:cubicBezTo>
+              </a:path>
+            </a:pathLst>
+          </a:custGeom>
+          <a:noFill/>
+          <a:ln>
+            <a:solidFill>
+              <a:schemeClr val="tx1">
+                <a:lumMod val="65000"/>
+                <a:lumOff val="35000"/>
+              </a:schemeClr>
+            </a:solidFill>
+          </a:ln>
+        </p:spPr>
+        <p:style>
+          <a:lnRef idx="2">
+            <a:schemeClr val="accent1">
+              <a:shade val="50000"/>
+            </a:schemeClr>
+          </a:lnRef>
+          <a:fillRef idx="1">
+            <a:schemeClr val="accent1"/>
+          </a:fillRef>
+          <a:effectRef idx="0">
+            <a:schemeClr val="accent1"/>
+          </a:effectRef>
+          <a:fontRef idx="minor">
+            <a:schemeClr val="lt1"/>
+          </a:fontRef>
+        </p:style>
+        <p:txBody>
+          <a:bodyPr rtlCol="0" anchor="ctr"/>
+          <a:lstStyle/>
+          <a:p>
+            <a:pPr algn="ctr"/>
+            <a:endParaRPr lang="en-US"/>
+          </a:p>
+        </p:txBody>
+      </p:sp>
+      <p:sp>
+        <p:nvSpPr>
+          <p:cNvPr id="86" name="TextBox 85">
+            <a:extLst>
+              <a:ext uri="{FF2B5EF4-FFF2-40B4-BE49-F238E27FC236}">
+                <a16:creationId xmlns:a16="http://schemas.microsoft.com/office/drawing/2014/main" id="{B8FF2FED-494D-473C-A670-FB2032E15EFC}"/>
+              </a:ext>
+            </a:extLst>
+          </p:cNvPr>
+          <p:cNvSpPr txBox="1"/>
+          <p:nvPr/>
+        </p:nvSpPr>
+        <p:spPr>
+          <a:xfrm>
+            <a:off x="2575388" y="4395173"/>
+            <a:ext cx="1418978" cy="338554"/>
+          </a:xfrm>
+          <a:prstGeom prst="rect">
+            <a:avLst/>
+          </a:prstGeom>
+          <a:solidFill>
+            <a:schemeClr val="bg1"/>
+          </a:solidFill>
+        </p:spPr>
+        <p:txBody>
+          <a:bodyPr wrap="none" rtlCol="0">
+            <a:spAutoFit/>
+          </a:bodyPr>
+          <a:lstStyle/>
+          <a:p>
+            <a:r>
+              <a:rPr lang="en-US" sz="1600" dirty="0" err="1">
+                <a:latin typeface="Courier New" panose="02070309020205020404" pitchFamily="49" charset="0"/>
+                <a:cs typeface="Courier New" panose="02070309020205020404" pitchFamily="49" charset="0"/>
+              </a:rPr>
+              <a:t>ws_tick_ax</a:t>
+            </a:r>
+            <a:endParaRPr lang="en-US" sz="1600" dirty="0">
+              <a:latin typeface="Courier New" panose="02070309020205020404" pitchFamily="49" charset="0"/>
+              <a:cs typeface="Courier New" panose="02070309020205020404" pitchFamily="49" charset="0"/>
+            </a:endParaRPr>
+          </a:p>
+        </p:txBody>
+      </p:sp>
+      <p:sp>
+        <p:nvSpPr>
+          <p:cNvPr id="23" name="Freeform: Shape 22">
+            <a:extLst>
+              <a:ext uri="{FF2B5EF4-FFF2-40B4-BE49-F238E27FC236}">
+                <a16:creationId xmlns:a16="http://schemas.microsoft.com/office/drawing/2014/main" id="{228F2C2A-2E2A-442E-9784-FDB70DBC6C3F}"/>
+              </a:ext>
+            </a:extLst>
+          </p:cNvPr>
+          <p:cNvSpPr/>
+          <p:nvPr/>
+        </p:nvSpPr>
+        <p:spPr>
+          <a:xfrm>
+            <a:off x="3296357" y="4718756"/>
+            <a:ext cx="993422" cy="417688"/>
+          </a:xfrm>
+          <a:custGeom>
+            <a:avLst/>
+            <a:gdLst>
+              <a:gd name="connsiteX0" fmla="*/ 1002112 w 1002112"/>
+              <a:gd name="connsiteY0" fmla="*/ 417688 h 417688"/>
+              <a:gd name="connsiteX1" fmla="*/ 144156 w 1002112"/>
+              <a:gd name="connsiteY1" fmla="*/ 169333 h 417688"/>
+              <a:gd name="connsiteX2" fmla="*/ 8690 w 1002112"/>
+              <a:gd name="connsiteY2" fmla="*/ 0 h 417688"/>
+              <a:gd name="connsiteX0" fmla="*/ 994185 w 994185"/>
+              <a:gd name="connsiteY0" fmla="*/ 417688 h 417688"/>
+              <a:gd name="connsiteX1" fmla="*/ 362007 w 994185"/>
+              <a:gd name="connsiteY1" fmla="*/ 270933 h 417688"/>
+              <a:gd name="connsiteX2" fmla="*/ 763 w 994185"/>
+              <a:gd name="connsiteY2" fmla="*/ 0 h 417688"/>
+              <a:gd name="connsiteX0" fmla="*/ 995055 w 995055"/>
+              <a:gd name="connsiteY0" fmla="*/ 417688 h 417688"/>
+              <a:gd name="connsiteX1" fmla="*/ 362877 w 995055"/>
+              <a:gd name="connsiteY1" fmla="*/ 270933 h 417688"/>
+              <a:gd name="connsiteX2" fmla="*/ 1633 w 995055"/>
+              <a:gd name="connsiteY2" fmla="*/ 0 h 417688"/>
+              <a:gd name="connsiteX0" fmla="*/ 1001623 w 1001623"/>
+              <a:gd name="connsiteY0" fmla="*/ 417688 h 417688"/>
+              <a:gd name="connsiteX1" fmla="*/ 369445 w 1001623"/>
+              <a:gd name="connsiteY1" fmla="*/ 270933 h 417688"/>
+              <a:gd name="connsiteX2" fmla="*/ 8201 w 1001623"/>
+              <a:gd name="connsiteY2" fmla="*/ 0 h 417688"/>
+              <a:gd name="connsiteX0" fmla="*/ 993422 w 993422"/>
+              <a:gd name="connsiteY0" fmla="*/ 417688 h 417688"/>
+              <a:gd name="connsiteX1" fmla="*/ 361244 w 993422"/>
+              <a:gd name="connsiteY1" fmla="*/ 270933 h 417688"/>
+              <a:gd name="connsiteX2" fmla="*/ 0 w 993422"/>
+              <a:gd name="connsiteY2" fmla="*/ 0 h 417688"/>
+              <a:gd name="connsiteX0" fmla="*/ 993422 w 993422"/>
+              <a:gd name="connsiteY0" fmla="*/ 417688 h 417688"/>
+              <a:gd name="connsiteX1" fmla="*/ 361244 w 993422"/>
+              <a:gd name="connsiteY1" fmla="*/ 270933 h 417688"/>
+              <a:gd name="connsiteX2" fmla="*/ 0 w 993422"/>
+              <a:gd name="connsiteY2" fmla="*/ 0 h 417688"/>
+            </a:gdLst>
+            <a:ahLst/>
+            <a:cxnLst>
+              <a:cxn ang="0">
+                <a:pos x="connsiteX0" y="connsiteY0"/>
+              </a:cxn>
+              <a:cxn ang="0">
+                <a:pos x="connsiteX1" y="connsiteY1"/>
+              </a:cxn>
+              <a:cxn ang="0">
+                <a:pos x="connsiteX2" y="connsiteY2"/>
+              </a:cxn>
+            </a:cxnLst>
+            <a:rect l="l" t="t" r="r" b="b"/>
+            <a:pathLst>
+              <a:path w="993422" h="417688">
+                <a:moveTo>
+                  <a:pt x="993422" y="417688"/>
+                </a:moveTo>
+                <a:cubicBezTo>
+                  <a:pt x="647229" y="328318"/>
+                  <a:pt x="662281" y="317970"/>
+                  <a:pt x="361244" y="270933"/>
+                </a:cubicBezTo>
+                <a:cubicBezTo>
+                  <a:pt x="60207" y="223896"/>
+                  <a:pt x="30103" y="241770"/>
+                  <a:pt x="0" y="0"/>
+                </a:cubicBezTo>
+              </a:path>
+            </a:pathLst>
+          </a:custGeom>
+          <a:noFill/>
+          <a:ln>
+            <a:solidFill>
+              <a:schemeClr val="tx1">
+                <a:lumMod val="65000"/>
+                <a:lumOff val="35000"/>
+              </a:schemeClr>
+            </a:solidFill>
+          </a:ln>
+        </p:spPr>
+        <p:style>
+          <a:lnRef idx="2">
+            <a:schemeClr val="accent1">
+              <a:shade val="50000"/>
+            </a:schemeClr>
+          </a:lnRef>
+          <a:fillRef idx="1">
+            <a:schemeClr val="accent1"/>
+          </a:fillRef>
+          <a:effectRef idx="0">
+            <a:schemeClr val="accent1"/>
+          </a:effectRef>
+          <a:fontRef idx="minor">
+            <a:schemeClr val="lt1"/>
+          </a:fontRef>
+        </p:style>
+        <p:txBody>
+          <a:bodyPr rot="0" spcFirstLastPara="0" vertOverflow="overflow" horzOverflow="overflow" vert="horz" wrap="square" lIns="91440" tIns="45720" rIns="91440" bIns="45720" numCol="1" spcCol="0" rtlCol="0" fromWordArt="0" anchor="ctr" anchorCtr="0" forceAA="0" compatLnSpc="1">
+            <a:prstTxWarp prst="textNoShape">
+              <a:avLst/>
+            </a:prstTxWarp>
+            <a:noAutofit/>
+          </a:bodyPr>
           <a:lstStyle/>
           <a:p>
             <a:pPr algn="ctr"/>
@@ -6335,7 +7402,7 @@
         </p:nvSpPr>
         <p:spPr>
           <a:xfrm rot="5400000">
-            <a:off x="7674348" y="2026681"/>
+            <a:off x="7650902" y="2026681"/>
             <a:ext cx="1836928" cy="274375"/>
           </a:xfrm>
           <a:prstGeom prst="rect">
@@ -6394,7 +7461,7 @@
         </p:nvSpPr>
         <p:spPr>
           <a:xfrm rot="5400000">
-            <a:off x="7670711" y="4274032"/>
+            <a:off x="7647265" y="4274032"/>
             <a:ext cx="1836928" cy="274375"/>
           </a:xfrm>
           <a:prstGeom prst="rect">
@@ -6698,8 +7765,8 @@
         </p:nvSpPr>
         <p:spPr>
           <a:xfrm>
-            <a:off x="3721802" y="1875448"/>
-            <a:ext cx="700247" cy="298483"/>
+            <a:off x="3721802" y="1870478"/>
+            <a:ext cx="530913" cy="303453"/>
           </a:xfrm>
           <a:custGeom>
             <a:avLst/>
@@ -6710,6 +7777,12 @@
               <a:gd name="connsiteY1" fmla="*/ 23689 h 269874"/>
               <a:gd name="connsiteX2" fmla="*/ 533674 w 533674"/>
               <a:gd name="connsiteY2" fmla="*/ 23689 h 269874"/>
+              <a:gd name="connsiteX0" fmla="*/ 23720 w 404621"/>
+              <a:gd name="connsiteY0" fmla="*/ 274368 h 274368"/>
+              <a:gd name="connsiteX1" fmla="*/ 58889 w 404621"/>
+              <a:gd name="connsiteY1" fmla="*/ 28183 h 274368"/>
+              <a:gd name="connsiteX2" fmla="*/ 404621 w 404621"/>
+              <a:gd name="connsiteY2" fmla="*/ 17977 h 274368"/>
             </a:gdLst>
             <a:ahLst/>
             <a:cxnLst>
@@ -6725,19 +7798,19 @@
             </a:cxnLst>
             <a:rect l="l" t="t" r="r" b="b"/>
             <a:pathLst>
-              <a:path w="533674" h="269874">
+              <a:path w="404621" h="274368">
                 <a:moveTo>
-                  <a:pt x="23720" y="269874"/>
+                  <a:pt x="23720" y="274368"/>
                 </a:moveTo>
                 <a:cubicBezTo>
-                  <a:pt x="-1192" y="167297"/>
-                  <a:pt x="-26103" y="64720"/>
-                  <a:pt x="58889" y="23689"/>
+                  <a:pt x="-1192" y="171791"/>
+                  <a:pt x="-26103" y="69214"/>
+                  <a:pt x="58889" y="28183"/>
                 </a:cubicBezTo>
                 <a:cubicBezTo>
-                  <a:pt x="143881" y="-17342"/>
-                  <a:pt x="338777" y="3173"/>
-                  <a:pt x="533674" y="23689"/>
+                  <a:pt x="143881" y="-12848"/>
+                  <a:pt x="209724" y="-2539"/>
+                  <a:pt x="404621" y="17977"/>
                 </a:cubicBezTo>
               </a:path>
             </a:pathLst>
@@ -6785,8 +7858,8 @@
         </p:nvSpPr>
         <p:spPr>
           <a:xfrm>
-            <a:off x="4388153" y="1737905"/>
-            <a:ext cx="1011815" cy="369332"/>
+            <a:off x="4220093" y="1690782"/>
+            <a:ext cx="1149674" cy="369332"/>
           </a:xfrm>
           <a:prstGeom prst="rect">
             <a:avLst/>
@@ -6800,12 +7873,16 @@
           <a:lstStyle/>
           <a:p>
             <a:r>
-              <a:rPr lang="en-US" dirty="0">
+              <a:rPr lang="en-US" dirty="0" err="1">
                 <a:latin typeface="Courier New" panose="02070309020205020404" pitchFamily="49" charset="0"/>
                 <a:cs typeface="Courier New" panose="02070309020205020404" pitchFamily="49" charset="0"/>
               </a:rPr>
-              <a:t>wspace</a:t>
-            </a:r>
+              <a:t>ws_cols</a:t>
+            </a:r>
+            <a:endParaRPr lang="en-US" dirty="0">
+              <a:latin typeface="Courier New" panose="02070309020205020404" pitchFamily="49" charset="0"/>
+              <a:cs typeface="Courier New" panose="02070309020205020404" pitchFamily="49" charset="0"/>
+            </a:endParaRPr>
           </a:p>
         </p:txBody>
       </p:sp>
@@ -6856,7 +7933,7 @@
         <p:spPr>
           <a:xfrm>
             <a:off x="3540240" y="3157354"/>
-            <a:ext cx="1011815" cy="369332"/>
+            <a:ext cx="1149674" cy="369332"/>
           </a:xfrm>
           <a:prstGeom prst="rect">
             <a:avLst/>
@@ -6870,12 +7947,693 @@
           <a:lstStyle/>
           <a:p>
             <a:r>
-              <a:rPr lang="en-US" dirty="0">
+              <a:rPr lang="en-US" dirty="0" err="1">
                 <a:latin typeface="Courier New" panose="02070309020205020404" pitchFamily="49" charset="0"/>
                 <a:cs typeface="Courier New" panose="02070309020205020404" pitchFamily="49" charset="0"/>
               </a:rPr>
-              <a:t>hspace</a:t>
-            </a:r>
+              <a:t>ws_rows</a:t>
+            </a:r>
+            <a:endParaRPr lang="en-US" dirty="0">
+              <a:latin typeface="Courier New" panose="02070309020205020404" pitchFamily="49" charset="0"/>
+              <a:cs typeface="Courier New" panose="02070309020205020404" pitchFamily="49" charset="0"/>
+            </a:endParaRPr>
+          </a:p>
+        </p:txBody>
+      </p:sp>
+      <p:cxnSp>
+        <p:nvCxnSpPr>
+          <p:cNvPr id="37" name="Straight Arrow Connector 36">
+            <a:extLst>
+              <a:ext uri="{FF2B5EF4-FFF2-40B4-BE49-F238E27FC236}">
+                <a16:creationId xmlns:a16="http://schemas.microsoft.com/office/drawing/2014/main" id="{10BB2D01-3A0B-4F70-BF0F-6A70CCB6B894}"/>
+              </a:ext>
+            </a:extLst>
+          </p:cNvPr>
+          <p:cNvCxnSpPr>
+            <a:cxnSpLocks/>
+          </p:cNvCxnSpPr>
+          <p:nvPr/>
+        </p:nvCxnSpPr>
+        <p:spPr>
+          <a:xfrm flipV="1">
+            <a:off x="8320834" y="839315"/>
+            <a:ext cx="0" cy="274375"/>
+          </a:xfrm>
+          <a:prstGeom prst="straightConnector1">
+            <a:avLst/>
+          </a:prstGeom>
+          <a:ln w="19050">
+            <a:solidFill>
+              <a:schemeClr val="tx1">
+                <a:lumMod val="65000"/>
+                <a:lumOff val="35000"/>
+              </a:schemeClr>
+            </a:solidFill>
+            <a:headEnd type="triangle" w="med" len="med"/>
+            <a:tailEnd type="triangle" w="med" len="med"/>
+          </a:ln>
+        </p:spPr>
+        <p:style>
+          <a:lnRef idx="1">
+            <a:schemeClr val="accent1"/>
+          </a:lnRef>
+          <a:fillRef idx="0">
+            <a:schemeClr val="accent1"/>
+          </a:fillRef>
+          <a:effectRef idx="0">
+            <a:schemeClr val="accent1"/>
+          </a:effectRef>
+          <a:fontRef idx="minor">
+            <a:schemeClr val="tx1"/>
+          </a:fontRef>
+        </p:style>
+      </p:cxnSp>
+      <p:cxnSp>
+        <p:nvCxnSpPr>
+          <p:cNvPr id="40" name="Straight Arrow Connector 39">
+            <a:extLst>
+              <a:ext uri="{FF2B5EF4-FFF2-40B4-BE49-F238E27FC236}">
+                <a16:creationId xmlns:a16="http://schemas.microsoft.com/office/drawing/2014/main" id="{EE754925-A736-4339-9DAB-F594BD307C15}"/>
+              </a:ext>
+            </a:extLst>
+          </p:cNvPr>
+          <p:cNvCxnSpPr>
+            <a:cxnSpLocks/>
+          </p:cNvCxnSpPr>
+          <p:nvPr/>
+        </p:nvCxnSpPr>
+        <p:spPr>
+          <a:xfrm rot="16200000" flipV="1">
+            <a:off x="8565729" y="1015159"/>
+            <a:ext cx="0" cy="274375"/>
+          </a:xfrm>
+          <a:prstGeom prst="straightConnector1">
+            <a:avLst/>
+          </a:prstGeom>
+          <a:ln w="19050">
+            <a:solidFill>
+              <a:schemeClr val="tx1">
+                <a:lumMod val="65000"/>
+                <a:lumOff val="35000"/>
+              </a:schemeClr>
+            </a:solidFill>
+            <a:headEnd type="triangle" w="med" len="med"/>
+            <a:tailEnd type="triangle" w="med" len="med"/>
+          </a:ln>
+        </p:spPr>
+        <p:style>
+          <a:lnRef idx="1">
+            <a:schemeClr val="accent1"/>
+          </a:lnRef>
+          <a:fillRef idx="0">
+            <a:schemeClr val="accent1"/>
+          </a:fillRef>
+          <a:effectRef idx="0">
+            <a:schemeClr val="accent1"/>
+          </a:effectRef>
+          <a:fontRef idx="minor">
+            <a:schemeClr val="tx1"/>
+          </a:fontRef>
+        </p:style>
+      </p:cxnSp>
+      <p:sp>
+        <p:nvSpPr>
+          <p:cNvPr id="42" name="TextBox 41">
+            <a:extLst>
+              <a:ext uri="{FF2B5EF4-FFF2-40B4-BE49-F238E27FC236}">
+                <a16:creationId xmlns:a16="http://schemas.microsoft.com/office/drawing/2014/main" id="{487A9AEF-111F-4DDF-AF7F-0C384B0AA9AA}"/>
+              </a:ext>
+            </a:extLst>
+          </p:cNvPr>
+          <p:cNvSpPr txBox="1"/>
+          <p:nvPr/>
+        </p:nvSpPr>
+        <p:spPr>
+          <a:xfrm>
+            <a:off x="8871643" y="624868"/>
+            <a:ext cx="1789272" cy="338554"/>
+          </a:xfrm>
+          <a:prstGeom prst="rect">
+            <a:avLst/>
+          </a:prstGeom>
+          <a:solidFill>
+            <a:schemeClr val="bg1"/>
+          </a:solidFill>
+        </p:spPr>
+        <p:txBody>
+          <a:bodyPr wrap="none" rtlCol="0">
+            <a:spAutoFit/>
+          </a:bodyPr>
+          <a:lstStyle/>
+          <a:p>
+            <a:r>
+              <a:rPr lang="en-US" sz="1600" dirty="0" err="1">
+                <a:latin typeface="Courier New" panose="02070309020205020404" pitchFamily="49" charset="0"/>
+                <a:cs typeface="Courier New" panose="02070309020205020404" pitchFamily="49" charset="0"/>
+              </a:rPr>
+              <a:t>rc_label_size</a:t>
+            </a:r>
+            <a:endParaRPr lang="en-US" sz="1600" dirty="0">
+              <a:latin typeface="Courier New" panose="02070309020205020404" pitchFamily="49" charset="0"/>
+              <a:cs typeface="Courier New" panose="02070309020205020404" pitchFamily="49" charset="0"/>
+            </a:endParaRPr>
+          </a:p>
+        </p:txBody>
+      </p:sp>
+      <p:sp>
+        <p:nvSpPr>
+          <p:cNvPr id="3" name="Freeform: Shape 2">
+            <a:extLst>
+              <a:ext uri="{FF2B5EF4-FFF2-40B4-BE49-F238E27FC236}">
+                <a16:creationId xmlns:a16="http://schemas.microsoft.com/office/drawing/2014/main" id="{D0650EE0-28DB-497E-AEA7-A4448F54844E}"/>
+              </a:ext>
+            </a:extLst>
+          </p:cNvPr>
+          <p:cNvSpPr/>
+          <p:nvPr/>
+        </p:nvSpPr>
+        <p:spPr>
+          <a:xfrm>
+            <a:off x="8323385" y="768481"/>
+            <a:ext cx="609600" cy="192811"/>
+          </a:xfrm>
+          <a:custGeom>
+            <a:avLst/>
+            <a:gdLst>
+              <a:gd name="connsiteX0" fmla="*/ 0 w 609600"/>
+              <a:gd name="connsiteY0" fmla="*/ 192811 h 192811"/>
+              <a:gd name="connsiteX1" fmla="*/ 316523 w 609600"/>
+              <a:gd name="connsiteY1" fmla="*/ 145919 h 192811"/>
+              <a:gd name="connsiteX2" fmla="*/ 480646 w 609600"/>
+              <a:gd name="connsiteY2" fmla="*/ 16965 h 192811"/>
+              <a:gd name="connsiteX3" fmla="*/ 609600 w 609600"/>
+              <a:gd name="connsiteY3" fmla="*/ 5242 h 192811"/>
+            </a:gdLst>
+            <a:ahLst/>
+            <a:cxnLst>
+              <a:cxn ang="0">
+                <a:pos x="connsiteX0" y="connsiteY0"/>
+              </a:cxn>
+              <a:cxn ang="0">
+                <a:pos x="connsiteX1" y="connsiteY1"/>
+              </a:cxn>
+              <a:cxn ang="0">
+                <a:pos x="connsiteX2" y="connsiteY2"/>
+              </a:cxn>
+              <a:cxn ang="0">
+                <a:pos x="connsiteX3" y="connsiteY3"/>
+              </a:cxn>
+            </a:cxnLst>
+            <a:rect l="l" t="t" r="r" b="b"/>
+            <a:pathLst>
+              <a:path w="609600" h="192811">
+                <a:moveTo>
+                  <a:pt x="0" y="192811"/>
+                </a:moveTo>
+                <a:cubicBezTo>
+                  <a:pt x="118207" y="184019"/>
+                  <a:pt x="236415" y="175227"/>
+                  <a:pt x="316523" y="145919"/>
+                </a:cubicBezTo>
+                <a:cubicBezTo>
+                  <a:pt x="396631" y="116611"/>
+                  <a:pt x="431800" y="40411"/>
+                  <a:pt x="480646" y="16965"/>
+                </a:cubicBezTo>
+                <a:cubicBezTo>
+                  <a:pt x="529492" y="-6481"/>
+                  <a:pt x="569546" y="-620"/>
+                  <a:pt x="609600" y="5242"/>
+                </a:cubicBezTo>
+              </a:path>
+            </a:pathLst>
+          </a:custGeom>
+          <a:noFill/>
+          <a:ln>
+            <a:solidFill>
+              <a:schemeClr val="tx1">
+                <a:lumMod val="50000"/>
+                <a:lumOff val="50000"/>
+              </a:schemeClr>
+            </a:solidFill>
+          </a:ln>
+        </p:spPr>
+        <p:style>
+          <a:lnRef idx="2">
+            <a:schemeClr val="accent1">
+              <a:shade val="50000"/>
+            </a:schemeClr>
+          </a:lnRef>
+          <a:fillRef idx="1">
+            <a:schemeClr val="accent1"/>
+          </a:fillRef>
+          <a:effectRef idx="0">
+            <a:schemeClr val="accent1"/>
+          </a:effectRef>
+          <a:fontRef idx="minor">
+            <a:schemeClr val="lt1"/>
+          </a:fontRef>
+        </p:style>
+        <p:txBody>
+          <a:bodyPr rtlCol="0" anchor="ctr"/>
+          <a:lstStyle/>
+          <a:p>
+            <a:pPr algn="ctr"/>
+            <a:endParaRPr lang="en-US"/>
+          </a:p>
+        </p:txBody>
+      </p:sp>
+      <p:sp>
+        <p:nvSpPr>
+          <p:cNvPr id="31" name="Freeform: Shape 30">
+            <a:extLst>
+              <a:ext uri="{FF2B5EF4-FFF2-40B4-BE49-F238E27FC236}">
+                <a16:creationId xmlns:a16="http://schemas.microsoft.com/office/drawing/2014/main" id="{F6F9F808-B577-45E0-AEDE-1C4E38ED2782}"/>
+              </a:ext>
+            </a:extLst>
+          </p:cNvPr>
+          <p:cNvSpPr/>
+          <p:nvPr/>
+        </p:nvSpPr>
+        <p:spPr>
+          <a:xfrm>
+            <a:off x="8593014" y="864889"/>
+            <a:ext cx="339965" cy="260526"/>
+          </a:xfrm>
+          <a:custGeom>
+            <a:avLst/>
+            <a:gdLst>
+              <a:gd name="connsiteX0" fmla="*/ 0 w 281354"/>
+              <a:gd name="connsiteY0" fmla="*/ 316523 h 316523"/>
+              <a:gd name="connsiteX1" fmla="*/ 70339 w 281354"/>
+              <a:gd name="connsiteY1" fmla="*/ 187570 h 316523"/>
+              <a:gd name="connsiteX2" fmla="*/ 281354 w 281354"/>
+              <a:gd name="connsiteY2" fmla="*/ 0 h 316523"/>
+            </a:gdLst>
+            <a:ahLst/>
+            <a:cxnLst>
+              <a:cxn ang="0">
+                <a:pos x="connsiteX0" y="connsiteY0"/>
+              </a:cxn>
+              <a:cxn ang="0">
+                <a:pos x="connsiteX1" y="connsiteY1"/>
+              </a:cxn>
+              <a:cxn ang="0">
+                <a:pos x="connsiteX2" y="connsiteY2"/>
+              </a:cxn>
+            </a:cxnLst>
+            <a:rect l="l" t="t" r="r" b="b"/>
+            <a:pathLst>
+              <a:path w="281354" h="316523">
+                <a:moveTo>
+                  <a:pt x="0" y="316523"/>
+                </a:moveTo>
+                <a:cubicBezTo>
+                  <a:pt x="11723" y="278423"/>
+                  <a:pt x="23447" y="240324"/>
+                  <a:pt x="70339" y="187570"/>
+                </a:cubicBezTo>
+                <a:cubicBezTo>
+                  <a:pt x="117231" y="134816"/>
+                  <a:pt x="199292" y="67408"/>
+                  <a:pt x="281354" y="0"/>
+                </a:cubicBezTo>
+              </a:path>
+            </a:pathLst>
+          </a:custGeom>
+          <a:noFill/>
+          <a:ln>
+            <a:solidFill>
+              <a:schemeClr val="tx1">
+                <a:lumMod val="50000"/>
+                <a:lumOff val="50000"/>
+              </a:schemeClr>
+            </a:solidFill>
+          </a:ln>
+        </p:spPr>
+        <p:style>
+          <a:lnRef idx="2">
+            <a:schemeClr val="accent1">
+              <a:shade val="50000"/>
+            </a:schemeClr>
+          </a:lnRef>
+          <a:fillRef idx="1">
+            <a:schemeClr val="accent1"/>
+          </a:fillRef>
+          <a:effectRef idx="0">
+            <a:schemeClr val="accent1"/>
+          </a:effectRef>
+          <a:fontRef idx="minor">
+            <a:schemeClr val="lt1"/>
+          </a:fontRef>
+        </p:style>
+        <p:txBody>
+          <a:bodyPr rot="0" spcFirstLastPara="0" vertOverflow="overflow" horzOverflow="overflow" vert="horz" wrap="square" lIns="91440" tIns="45720" rIns="91440" bIns="45720" numCol="1" spcCol="0" rtlCol="0" fromWordArt="0" anchor="ctr" anchorCtr="0" forceAA="0" compatLnSpc="1">
+            <a:prstTxWarp prst="textNoShape">
+              <a:avLst/>
+            </a:prstTxWarp>
+            <a:noAutofit/>
+          </a:bodyPr>
+          <a:lstStyle/>
+          <a:p>
+            <a:pPr algn="ctr"/>
+            <a:endParaRPr lang="en-US"/>
+          </a:p>
+        </p:txBody>
+      </p:sp>
+      <p:cxnSp>
+        <p:nvCxnSpPr>
+          <p:cNvPr id="43" name="Straight Arrow Connector 42">
+            <a:extLst>
+              <a:ext uri="{FF2B5EF4-FFF2-40B4-BE49-F238E27FC236}">
+                <a16:creationId xmlns:a16="http://schemas.microsoft.com/office/drawing/2014/main" id="{2C9CACCC-2450-4213-B2D1-ACFA7A57A651}"/>
+              </a:ext>
+            </a:extLst>
+          </p:cNvPr>
+          <p:cNvCxnSpPr>
+            <a:cxnSpLocks/>
+          </p:cNvCxnSpPr>
+          <p:nvPr/>
+        </p:nvCxnSpPr>
+        <p:spPr>
+          <a:xfrm flipV="1">
+            <a:off x="8027757" y="1088258"/>
+            <a:ext cx="0" cy="179408"/>
+          </a:xfrm>
+          <a:prstGeom prst="straightConnector1">
+            <a:avLst/>
+          </a:prstGeom>
+          <a:ln w="19050">
+            <a:solidFill>
+              <a:schemeClr val="tx1">
+                <a:lumMod val="65000"/>
+                <a:lumOff val="35000"/>
+              </a:schemeClr>
+            </a:solidFill>
+            <a:headEnd type="triangle" w="med" len="med"/>
+            <a:tailEnd type="triangle" w="med" len="med"/>
+          </a:ln>
+        </p:spPr>
+        <p:style>
+          <a:lnRef idx="1">
+            <a:schemeClr val="accent1"/>
+          </a:lnRef>
+          <a:fillRef idx="0">
+            <a:schemeClr val="accent1"/>
+          </a:fillRef>
+          <a:effectRef idx="0">
+            <a:schemeClr val="accent1"/>
+          </a:effectRef>
+          <a:fontRef idx="minor">
+            <a:schemeClr val="tx1"/>
+          </a:fontRef>
+        </p:style>
+      </p:cxnSp>
+      <p:cxnSp>
+        <p:nvCxnSpPr>
+          <p:cNvPr id="44" name="Straight Arrow Connector 43">
+            <a:extLst>
+              <a:ext uri="{FF2B5EF4-FFF2-40B4-BE49-F238E27FC236}">
+                <a16:creationId xmlns:a16="http://schemas.microsoft.com/office/drawing/2014/main" id="{2469E94A-4226-40FF-8B0B-A8231F19736E}"/>
+              </a:ext>
+            </a:extLst>
+          </p:cNvPr>
+          <p:cNvCxnSpPr>
+            <a:cxnSpLocks/>
+          </p:cNvCxnSpPr>
+          <p:nvPr/>
+        </p:nvCxnSpPr>
+        <p:spPr>
+          <a:xfrm rot="16200000" flipV="1">
+            <a:off x="8344279" y="1240658"/>
+            <a:ext cx="0" cy="179408"/>
+          </a:xfrm>
+          <a:prstGeom prst="straightConnector1">
+            <a:avLst/>
+          </a:prstGeom>
+          <a:ln w="19050">
+            <a:solidFill>
+              <a:schemeClr val="tx1">
+                <a:lumMod val="65000"/>
+                <a:lumOff val="35000"/>
+              </a:schemeClr>
+            </a:solidFill>
+            <a:headEnd type="triangle" w="med" len="med"/>
+            <a:tailEnd type="triangle" w="med" len="med"/>
+          </a:ln>
+        </p:spPr>
+        <p:style>
+          <a:lnRef idx="1">
+            <a:schemeClr val="accent1"/>
+          </a:lnRef>
+          <a:fillRef idx="0">
+            <a:schemeClr val="accent1"/>
+          </a:fillRef>
+          <a:effectRef idx="0">
+            <a:schemeClr val="accent1"/>
+          </a:effectRef>
+          <a:fontRef idx="minor">
+            <a:schemeClr val="tx1"/>
+          </a:fontRef>
+        </p:style>
+      </p:cxnSp>
+      <p:sp>
+        <p:nvSpPr>
+          <p:cNvPr id="45" name="TextBox 44">
+            <a:extLst>
+              <a:ext uri="{FF2B5EF4-FFF2-40B4-BE49-F238E27FC236}">
+                <a16:creationId xmlns:a16="http://schemas.microsoft.com/office/drawing/2014/main" id="{23A3D488-682A-4B7F-A15F-EC02095EFEEB}"/>
+              </a:ext>
+            </a:extLst>
+          </p:cNvPr>
+          <p:cNvSpPr txBox="1"/>
+          <p:nvPr/>
+        </p:nvSpPr>
+        <p:spPr>
+          <a:xfrm>
+            <a:off x="6596156" y="1562524"/>
+            <a:ext cx="1542410" cy="338554"/>
+          </a:xfrm>
+          <a:prstGeom prst="rect">
+            <a:avLst/>
+          </a:prstGeom>
+          <a:solidFill>
+            <a:schemeClr val="bg1"/>
+          </a:solidFill>
+        </p:spPr>
+        <p:txBody>
+          <a:bodyPr wrap="none" rtlCol="0">
+            <a:spAutoFit/>
+          </a:bodyPr>
+          <a:lstStyle/>
+          <a:p>
+            <a:r>
+              <a:rPr lang="en-US" sz="1600" dirty="0" err="1">
+                <a:latin typeface="Courier New" panose="02070309020205020404" pitchFamily="49" charset="0"/>
+                <a:cs typeface="Courier New" panose="02070309020205020404" pitchFamily="49" charset="0"/>
+              </a:rPr>
+              <a:t>ws_rc_label</a:t>
+            </a:r>
+            <a:endParaRPr lang="en-US" sz="1600" dirty="0">
+              <a:latin typeface="Courier New" panose="02070309020205020404" pitchFamily="49" charset="0"/>
+              <a:cs typeface="Courier New" panose="02070309020205020404" pitchFamily="49" charset="0"/>
+            </a:endParaRPr>
+          </a:p>
+        </p:txBody>
+      </p:sp>
+      <p:sp>
+        <p:nvSpPr>
+          <p:cNvPr id="46" name="Freeform: Shape 45">
+            <a:extLst>
+              <a:ext uri="{FF2B5EF4-FFF2-40B4-BE49-F238E27FC236}">
+                <a16:creationId xmlns:a16="http://schemas.microsoft.com/office/drawing/2014/main" id="{345D1209-15E1-43B4-AB4B-38B6BDABBEF5}"/>
+              </a:ext>
+            </a:extLst>
+          </p:cNvPr>
+          <p:cNvSpPr/>
+          <p:nvPr/>
+        </p:nvSpPr>
+        <p:spPr>
+          <a:xfrm>
+            <a:off x="7362092" y="1142763"/>
+            <a:ext cx="644770" cy="428129"/>
+          </a:xfrm>
+          <a:custGeom>
+            <a:avLst/>
+            <a:gdLst>
+              <a:gd name="connsiteX0" fmla="*/ 644770 w 644770"/>
+              <a:gd name="connsiteY0" fmla="*/ 29545 h 428129"/>
+              <a:gd name="connsiteX1" fmla="*/ 117231 w 644770"/>
+              <a:gd name="connsiteY1" fmla="*/ 41268 h 428129"/>
+              <a:gd name="connsiteX2" fmla="*/ 0 w 644770"/>
+              <a:gd name="connsiteY2" fmla="*/ 428129 h 428129"/>
+            </a:gdLst>
+            <a:ahLst/>
+            <a:cxnLst>
+              <a:cxn ang="0">
+                <a:pos x="connsiteX0" y="connsiteY0"/>
+              </a:cxn>
+              <a:cxn ang="0">
+                <a:pos x="connsiteX1" y="connsiteY1"/>
+              </a:cxn>
+              <a:cxn ang="0">
+                <a:pos x="connsiteX2" y="connsiteY2"/>
+              </a:cxn>
+            </a:cxnLst>
+            <a:rect l="l" t="t" r="r" b="b"/>
+            <a:pathLst>
+              <a:path w="644770" h="428129">
+                <a:moveTo>
+                  <a:pt x="644770" y="29545"/>
+                </a:moveTo>
+                <a:cubicBezTo>
+                  <a:pt x="434731" y="2191"/>
+                  <a:pt x="224693" y="-25163"/>
+                  <a:pt x="117231" y="41268"/>
+                </a:cubicBezTo>
+                <a:cubicBezTo>
+                  <a:pt x="9769" y="107699"/>
+                  <a:pt x="4884" y="267914"/>
+                  <a:pt x="0" y="428129"/>
+                </a:cubicBezTo>
+              </a:path>
+            </a:pathLst>
+          </a:custGeom>
+          <a:noFill/>
+          <a:ln>
+            <a:solidFill>
+              <a:schemeClr val="tx1">
+                <a:lumMod val="50000"/>
+                <a:lumOff val="50000"/>
+              </a:schemeClr>
+            </a:solidFill>
+          </a:ln>
+        </p:spPr>
+        <p:style>
+          <a:lnRef idx="2">
+            <a:schemeClr val="accent1">
+              <a:shade val="50000"/>
+            </a:schemeClr>
+          </a:lnRef>
+          <a:fillRef idx="1">
+            <a:schemeClr val="accent1"/>
+          </a:fillRef>
+          <a:effectRef idx="0">
+            <a:schemeClr val="accent1"/>
+          </a:effectRef>
+          <a:fontRef idx="minor">
+            <a:schemeClr val="lt1"/>
+          </a:fontRef>
+        </p:style>
+        <p:txBody>
+          <a:bodyPr rot="0" spcFirstLastPara="0" vertOverflow="overflow" horzOverflow="overflow" vert="horz" wrap="square" lIns="91440" tIns="45720" rIns="91440" bIns="45720" numCol="1" spcCol="0" rtlCol="0" fromWordArt="0" anchor="ctr" anchorCtr="0" forceAA="0" compatLnSpc="1">
+            <a:prstTxWarp prst="textNoShape">
+              <a:avLst/>
+            </a:prstTxWarp>
+            <a:noAutofit/>
+          </a:bodyPr>
+          <a:lstStyle/>
+          <a:p>
+            <a:pPr algn="ctr"/>
+            <a:endParaRPr lang="en-US"/>
+          </a:p>
+        </p:txBody>
+      </p:sp>
+      <p:sp>
+        <p:nvSpPr>
+          <p:cNvPr id="47" name="Freeform: Shape 46">
+            <a:extLst>
+              <a:ext uri="{FF2B5EF4-FFF2-40B4-BE49-F238E27FC236}">
+                <a16:creationId xmlns:a16="http://schemas.microsoft.com/office/drawing/2014/main" id="{9AE38DB8-386E-4458-8124-9C91B8AF7E0D}"/>
+              </a:ext>
+            </a:extLst>
+          </p:cNvPr>
+          <p:cNvSpPr/>
+          <p:nvPr/>
+        </p:nvSpPr>
+        <p:spPr>
+          <a:xfrm>
+            <a:off x="8100646" y="1336431"/>
+            <a:ext cx="276143" cy="440973"/>
+          </a:xfrm>
+          <a:custGeom>
+            <a:avLst/>
+            <a:gdLst>
+              <a:gd name="connsiteX0" fmla="*/ 234462 w 276143"/>
+              <a:gd name="connsiteY0" fmla="*/ 0 h 440973"/>
+              <a:gd name="connsiteX1" fmla="*/ 257908 w 276143"/>
+              <a:gd name="connsiteY1" fmla="*/ 398584 h 440973"/>
+              <a:gd name="connsiteX2" fmla="*/ 0 w 276143"/>
+              <a:gd name="connsiteY2" fmla="*/ 410307 h 440973"/>
+            </a:gdLst>
+            <a:ahLst/>
+            <a:cxnLst>
+              <a:cxn ang="0">
+                <a:pos x="connsiteX0" y="connsiteY0"/>
+              </a:cxn>
+              <a:cxn ang="0">
+                <a:pos x="connsiteX1" y="connsiteY1"/>
+              </a:cxn>
+              <a:cxn ang="0">
+                <a:pos x="connsiteX2" y="connsiteY2"/>
+              </a:cxn>
+            </a:cxnLst>
+            <a:rect l="l" t="t" r="r" b="b"/>
+            <a:pathLst>
+              <a:path w="276143" h="440973">
+                <a:moveTo>
+                  <a:pt x="234462" y="0"/>
+                </a:moveTo>
+                <a:cubicBezTo>
+                  <a:pt x="265723" y="165100"/>
+                  <a:pt x="296985" y="330200"/>
+                  <a:pt x="257908" y="398584"/>
+                </a:cubicBezTo>
+                <a:cubicBezTo>
+                  <a:pt x="218831" y="466968"/>
+                  <a:pt x="109415" y="438637"/>
+                  <a:pt x="0" y="410307"/>
+                </a:cubicBezTo>
+              </a:path>
+            </a:pathLst>
+          </a:custGeom>
+          <a:noFill/>
+          <a:ln>
+            <a:solidFill>
+              <a:schemeClr val="tx1">
+                <a:lumMod val="50000"/>
+                <a:lumOff val="50000"/>
+              </a:schemeClr>
+            </a:solidFill>
+          </a:ln>
+        </p:spPr>
+        <p:style>
+          <a:lnRef idx="2">
+            <a:schemeClr val="accent1">
+              <a:shade val="50000"/>
+            </a:schemeClr>
+          </a:lnRef>
+          <a:fillRef idx="1">
+            <a:schemeClr val="accent1"/>
+          </a:fillRef>
+          <a:effectRef idx="0">
+            <a:schemeClr val="accent1"/>
+          </a:effectRef>
+          <a:fontRef idx="minor">
+            <a:schemeClr val="lt1"/>
+          </a:fontRef>
+        </p:style>
+        <p:txBody>
+          <a:bodyPr rot="0" spcFirstLastPara="0" vertOverflow="overflow" horzOverflow="overflow" vert="horz" wrap="square" lIns="91440" tIns="45720" rIns="91440" bIns="45720" numCol="1" spcCol="0" rtlCol="0" fromWordArt="0" anchor="ctr" anchorCtr="0" forceAA="0" compatLnSpc="1">
+            <a:prstTxWarp prst="textNoShape">
+              <a:avLst/>
+            </a:prstTxWarp>
+            <a:noAutofit/>
+          </a:bodyPr>
+          <a:lstStyle/>
+          <a:p>
+            <a:pPr algn="ctr"/>
+            <a:endParaRPr lang="en-US"/>
           </a:p>
         </p:txBody>
       </p:sp>
@@ -6883,6 +8641,36 @@
     <p:extLst>
       <p:ext uri="{BB962C8B-B14F-4D97-AF65-F5344CB8AC3E}">
         <p14:creationId xmlns:p14="http://schemas.microsoft.com/office/powerpoint/2010/main" val="2194074958"/>
+      </p:ext>
+    </p:extLst>
+  </p:cSld>
+  <p:clrMapOvr>
+    <a:masterClrMapping/>
+  </p:clrMapOvr>
+</p:sld>
+</file>
+
+<file path=ppt/slides/slide3.xml><?xml version="1.0" encoding="utf-8"?>
+<p:sld xmlns:a="http://schemas.openxmlformats.org/drawingml/2006/main" xmlns:r="http://schemas.openxmlformats.org/officeDocument/2006/relationships" xmlns:p="http://schemas.openxmlformats.org/presentationml/2006/main">
+  <p:cSld>
+    <p:spTree>
+      <p:nvGrpSpPr>
+        <p:cNvPr id="1" name=""/>
+        <p:cNvGrpSpPr/>
+        <p:nvPr/>
+      </p:nvGrpSpPr>
+      <p:grpSpPr>
+        <a:xfrm>
+          <a:off x="0" y="0"/>
+          <a:ext cx="0" cy="0"/>
+          <a:chOff x="0" y="0"/>
+          <a:chExt cx="0" cy="0"/>
+        </a:xfrm>
+      </p:grpSpPr>
+    </p:spTree>
+    <p:extLst>
+      <p:ext uri="{BB962C8B-B14F-4D97-AF65-F5344CB8AC3E}">
+        <p14:creationId xmlns:p14="http://schemas.microsoft.com/office/powerpoint/2010/main" val="3126196988"/>
       </p:ext>
     </p:extLst>
   </p:cSld>

--- a/fivecentplots/doc/diagram.pptx
+++ b/fivecentplots/doc/diagram.pptx
@@ -114,10 +114,6 @@
 </p:presentation>
 </file>
 
-<file path=ppt/revisionInfo.xml><?xml version="1.0" encoding="utf-8"?>
-<p1510:revInfo xmlns:a="http://schemas.openxmlformats.org/drawingml/2006/main" xmlns:r="http://schemas.openxmlformats.org/officeDocument/2006/relationships" xmlns:p1510="http://schemas.microsoft.com/office/powerpoint/2015/10/main"/>
-</file>
-
 <file path=ppt/slideLayouts/slideLayout1.xml><?xml version="1.0" encoding="utf-8"?>
 <p:sldLayout xmlns:a="http://schemas.openxmlformats.org/drawingml/2006/main" xmlns:r="http://schemas.openxmlformats.org/officeDocument/2006/relationships" xmlns:p="http://schemas.openxmlformats.org/presentationml/2006/main" type="title" preserve="1">
   <p:cSld name="Title Slide">
@@ -247,9 +243,9 @@
           <a:p>
             <a:fld id="{8E22F708-BB7A-4367-940A-243452B90990}" type="datetimeFigureOut">
               <a:rPr lang="en-US" smtClean="0"/>
-              <a:t>12/2/2017</a:t>
+              <a:t>7/8/2018</a:t>
             </a:fld>
-            <a:endParaRPr lang="en-US"/>
+            <a:endParaRPr lang="en-US" dirty="0"/>
           </a:p>
         </p:txBody>
       </p:sp>
@@ -268,7 +264,7 @@
           <a:bodyPr/>
           <a:lstStyle/>
           <a:p>
-            <a:endParaRPr lang="en-US"/>
+            <a:endParaRPr lang="en-US" dirty="0"/>
           </a:p>
         </p:txBody>
       </p:sp>
@@ -291,7 +287,7 @@
               <a:rPr lang="en-US" smtClean="0"/>
               <a:t>‹#›</a:t>
             </a:fld>
-            <a:endParaRPr lang="en-US"/>
+            <a:endParaRPr lang="en-US" dirty="0"/>
           </a:p>
         </p:txBody>
       </p:sp>
@@ -415,9 +411,9 @@
           <a:p>
             <a:fld id="{8E22F708-BB7A-4367-940A-243452B90990}" type="datetimeFigureOut">
               <a:rPr lang="en-US" smtClean="0"/>
-              <a:t>12/2/2017</a:t>
+              <a:t>7/8/2018</a:t>
             </a:fld>
-            <a:endParaRPr lang="en-US"/>
+            <a:endParaRPr lang="en-US" dirty="0"/>
           </a:p>
         </p:txBody>
       </p:sp>
@@ -436,7 +432,7 @@
           <a:bodyPr/>
           <a:lstStyle/>
           <a:p>
-            <a:endParaRPr lang="en-US"/>
+            <a:endParaRPr lang="en-US" dirty="0"/>
           </a:p>
         </p:txBody>
       </p:sp>
@@ -459,7 +455,7 @@
               <a:rPr lang="en-US" smtClean="0"/>
               <a:t>‹#›</a:t>
             </a:fld>
-            <a:endParaRPr lang="en-US"/>
+            <a:endParaRPr lang="en-US" dirty="0"/>
           </a:p>
         </p:txBody>
       </p:sp>
@@ -593,9 +589,9 @@
           <a:p>
             <a:fld id="{8E22F708-BB7A-4367-940A-243452B90990}" type="datetimeFigureOut">
               <a:rPr lang="en-US" smtClean="0"/>
-              <a:t>12/2/2017</a:t>
+              <a:t>7/8/2018</a:t>
             </a:fld>
-            <a:endParaRPr lang="en-US"/>
+            <a:endParaRPr lang="en-US" dirty="0"/>
           </a:p>
         </p:txBody>
       </p:sp>
@@ -614,7 +610,7 @@
           <a:bodyPr/>
           <a:lstStyle/>
           <a:p>
-            <a:endParaRPr lang="en-US"/>
+            <a:endParaRPr lang="en-US" dirty="0"/>
           </a:p>
         </p:txBody>
       </p:sp>
@@ -637,7 +633,7 @@
               <a:rPr lang="en-US" smtClean="0"/>
               <a:t>‹#›</a:t>
             </a:fld>
-            <a:endParaRPr lang="en-US"/>
+            <a:endParaRPr lang="en-US" dirty="0"/>
           </a:p>
         </p:txBody>
       </p:sp>
@@ -761,9 +757,9 @@
           <a:p>
             <a:fld id="{8E22F708-BB7A-4367-940A-243452B90990}" type="datetimeFigureOut">
               <a:rPr lang="en-US" smtClean="0"/>
-              <a:t>12/2/2017</a:t>
+              <a:t>7/8/2018</a:t>
             </a:fld>
-            <a:endParaRPr lang="en-US"/>
+            <a:endParaRPr lang="en-US" dirty="0"/>
           </a:p>
         </p:txBody>
       </p:sp>
@@ -782,7 +778,7 @@
           <a:bodyPr/>
           <a:lstStyle/>
           <a:p>
-            <a:endParaRPr lang="en-US"/>
+            <a:endParaRPr lang="en-US" dirty="0"/>
           </a:p>
         </p:txBody>
       </p:sp>
@@ -805,7 +801,7 @@
               <a:rPr lang="en-US" smtClean="0"/>
               <a:t>‹#›</a:t>
             </a:fld>
-            <a:endParaRPr lang="en-US"/>
+            <a:endParaRPr lang="en-US" dirty="0"/>
           </a:p>
         </p:txBody>
       </p:sp>
@@ -1006,9 +1002,9 @@
           <a:p>
             <a:fld id="{8E22F708-BB7A-4367-940A-243452B90990}" type="datetimeFigureOut">
               <a:rPr lang="en-US" smtClean="0"/>
-              <a:t>12/2/2017</a:t>
+              <a:t>7/8/2018</a:t>
             </a:fld>
-            <a:endParaRPr lang="en-US"/>
+            <a:endParaRPr lang="en-US" dirty="0"/>
           </a:p>
         </p:txBody>
       </p:sp>
@@ -1027,7 +1023,7 @@
           <a:bodyPr/>
           <a:lstStyle/>
           <a:p>
-            <a:endParaRPr lang="en-US"/>
+            <a:endParaRPr lang="en-US" dirty="0"/>
           </a:p>
         </p:txBody>
       </p:sp>
@@ -1050,7 +1046,7 @@
               <a:rPr lang="en-US" smtClean="0"/>
               <a:t>‹#›</a:t>
             </a:fld>
-            <a:endParaRPr lang="en-US"/>
+            <a:endParaRPr lang="en-US" dirty="0"/>
           </a:p>
         </p:txBody>
       </p:sp>
@@ -1235,9 +1231,9 @@
           <a:p>
             <a:fld id="{8E22F708-BB7A-4367-940A-243452B90990}" type="datetimeFigureOut">
               <a:rPr lang="en-US" smtClean="0"/>
-              <a:t>12/2/2017</a:t>
+              <a:t>7/8/2018</a:t>
             </a:fld>
-            <a:endParaRPr lang="en-US"/>
+            <a:endParaRPr lang="en-US" dirty="0"/>
           </a:p>
         </p:txBody>
       </p:sp>
@@ -1256,7 +1252,7 @@
           <a:bodyPr/>
           <a:lstStyle/>
           <a:p>
-            <a:endParaRPr lang="en-US"/>
+            <a:endParaRPr lang="en-US" dirty="0"/>
           </a:p>
         </p:txBody>
       </p:sp>
@@ -1279,7 +1275,7 @@
               <a:rPr lang="en-US" smtClean="0"/>
               <a:t>‹#›</a:t>
             </a:fld>
-            <a:endParaRPr lang="en-US"/>
+            <a:endParaRPr lang="en-US" dirty="0"/>
           </a:p>
         </p:txBody>
       </p:sp>
@@ -1599,9 +1595,9 @@
           <a:p>
             <a:fld id="{8E22F708-BB7A-4367-940A-243452B90990}" type="datetimeFigureOut">
               <a:rPr lang="en-US" smtClean="0"/>
-              <a:t>12/2/2017</a:t>
+              <a:t>7/8/2018</a:t>
             </a:fld>
-            <a:endParaRPr lang="en-US"/>
+            <a:endParaRPr lang="en-US" dirty="0"/>
           </a:p>
         </p:txBody>
       </p:sp>
@@ -1620,7 +1616,7 @@
           <a:bodyPr/>
           <a:lstStyle/>
           <a:p>
-            <a:endParaRPr lang="en-US"/>
+            <a:endParaRPr lang="en-US" dirty="0"/>
           </a:p>
         </p:txBody>
       </p:sp>
@@ -1643,7 +1639,7 @@
               <a:rPr lang="en-US" smtClean="0"/>
               <a:t>‹#›</a:t>
             </a:fld>
-            <a:endParaRPr lang="en-US"/>
+            <a:endParaRPr lang="en-US" dirty="0"/>
           </a:p>
         </p:txBody>
       </p:sp>
@@ -1716,9 +1712,9 @@
           <a:p>
             <a:fld id="{8E22F708-BB7A-4367-940A-243452B90990}" type="datetimeFigureOut">
               <a:rPr lang="en-US" smtClean="0"/>
-              <a:t>12/2/2017</a:t>
+              <a:t>7/8/2018</a:t>
             </a:fld>
-            <a:endParaRPr lang="en-US"/>
+            <a:endParaRPr lang="en-US" dirty="0"/>
           </a:p>
         </p:txBody>
       </p:sp>
@@ -1737,7 +1733,7 @@
           <a:bodyPr/>
           <a:lstStyle/>
           <a:p>
-            <a:endParaRPr lang="en-US"/>
+            <a:endParaRPr lang="en-US" dirty="0"/>
           </a:p>
         </p:txBody>
       </p:sp>
@@ -1760,7 +1756,7 @@
               <a:rPr lang="en-US" smtClean="0"/>
               <a:t>‹#›</a:t>
             </a:fld>
-            <a:endParaRPr lang="en-US"/>
+            <a:endParaRPr lang="en-US" dirty="0"/>
           </a:p>
         </p:txBody>
       </p:sp>
@@ -1811,9 +1807,9 @@
           <a:p>
             <a:fld id="{8E22F708-BB7A-4367-940A-243452B90990}" type="datetimeFigureOut">
               <a:rPr lang="en-US" smtClean="0"/>
-              <a:t>12/2/2017</a:t>
+              <a:t>7/8/2018</a:t>
             </a:fld>
-            <a:endParaRPr lang="en-US"/>
+            <a:endParaRPr lang="en-US" dirty="0"/>
           </a:p>
         </p:txBody>
       </p:sp>
@@ -1832,7 +1828,7 @@
           <a:bodyPr/>
           <a:lstStyle/>
           <a:p>
-            <a:endParaRPr lang="en-US"/>
+            <a:endParaRPr lang="en-US" dirty="0"/>
           </a:p>
         </p:txBody>
       </p:sp>
@@ -1855,7 +1851,7 @@
               <a:rPr lang="en-US" smtClean="0"/>
               <a:t>‹#›</a:t>
             </a:fld>
-            <a:endParaRPr lang="en-US"/>
+            <a:endParaRPr lang="en-US" dirty="0"/>
           </a:p>
         </p:txBody>
       </p:sp>
@@ -2086,9 +2082,9 @@
           <a:p>
             <a:fld id="{8E22F708-BB7A-4367-940A-243452B90990}" type="datetimeFigureOut">
               <a:rPr lang="en-US" smtClean="0"/>
-              <a:t>12/2/2017</a:t>
+              <a:t>7/8/2018</a:t>
             </a:fld>
-            <a:endParaRPr lang="en-US"/>
+            <a:endParaRPr lang="en-US" dirty="0"/>
           </a:p>
         </p:txBody>
       </p:sp>
@@ -2107,7 +2103,7 @@
           <a:bodyPr/>
           <a:lstStyle/>
           <a:p>
-            <a:endParaRPr lang="en-US"/>
+            <a:endParaRPr lang="en-US" dirty="0"/>
           </a:p>
         </p:txBody>
       </p:sp>
@@ -2130,7 +2126,7 @@
               <a:rPr lang="en-US" smtClean="0"/>
               <a:t>‹#›</a:t>
             </a:fld>
-            <a:endParaRPr lang="en-US"/>
+            <a:endParaRPr lang="en-US" dirty="0"/>
           </a:p>
         </p:txBody>
       </p:sp>
@@ -2252,7 +2248,7 @@
             </a:lvl9pPr>
           </a:lstStyle>
           <a:p>
-            <a:endParaRPr lang="en-US"/>
+            <a:endParaRPr lang="en-US" dirty="0"/>
           </a:p>
         </p:txBody>
       </p:sp>
@@ -2338,9 +2334,9 @@
           <a:p>
             <a:fld id="{8E22F708-BB7A-4367-940A-243452B90990}" type="datetimeFigureOut">
               <a:rPr lang="en-US" smtClean="0"/>
-              <a:t>12/2/2017</a:t>
+              <a:t>7/8/2018</a:t>
             </a:fld>
-            <a:endParaRPr lang="en-US"/>
+            <a:endParaRPr lang="en-US" dirty="0"/>
           </a:p>
         </p:txBody>
       </p:sp>
@@ -2359,7 +2355,7 @@
           <a:bodyPr/>
           <a:lstStyle/>
           <a:p>
-            <a:endParaRPr lang="en-US"/>
+            <a:endParaRPr lang="en-US" dirty="0"/>
           </a:p>
         </p:txBody>
       </p:sp>
@@ -2382,7 +2378,7 @@
               <a:rPr lang="en-US" smtClean="0"/>
               <a:t>‹#›</a:t>
             </a:fld>
-            <a:endParaRPr lang="en-US"/>
+            <a:endParaRPr lang="en-US" dirty="0"/>
           </a:p>
         </p:txBody>
       </p:sp>
@@ -2549,9 +2545,9 @@
           <a:p>
             <a:fld id="{8E22F708-BB7A-4367-940A-243452B90990}" type="datetimeFigureOut">
               <a:rPr lang="en-US" smtClean="0"/>
-              <a:t>12/2/2017</a:t>
+              <a:t>7/8/2018</a:t>
             </a:fld>
-            <a:endParaRPr lang="en-US"/>
+            <a:endParaRPr lang="en-US" dirty="0"/>
           </a:p>
         </p:txBody>
       </p:sp>
@@ -2588,7 +2584,7 @@
             </a:lvl1pPr>
           </a:lstStyle>
           <a:p>
-            <a:endParaRPr lang="en-US"/>
+            <a:endParaRPr lang="en-US" dirty="0"/>
           </a:p>
         </p:txBody>
       </p:sp>
@@ -2629,7 +2625,7 @@
               <a:rPr lang="en-US" smtClean="0"/>
               <a:t>‹#›</a:t>
             </a:fld>
-            <a:endParaRPr lang="en-US"/>
+            <a:endParaRPr lang="en-US" dirty="0"/>
           </a:p>
         </p:txBody>
       </p:sp>
@@ -2962,8 +2958,8 @@
         </p:nvSpPr>
         <p:spPr>
           <a:xfrm>
-            <a:off x="448300" y="714681"/>
-            <a:ext cx="8092665" cy="5478582"/>
+            <a:off x="380924" y="714681"/>
+            <a:ext cx="8160041" cy="5524194"/>
           </a:xfrm>
           <a:prstGeom prst="rect">
             <a:avLst/>
@@ -2998,25 +2994,27 @@
           <a:lstStyle/>
           <a:p>
             <a:pPr algn="ctr"/>
-            <a:endParaRPr lang="en-US"/>
+            <a:endParaRPr lang="en-US" dirty="0"/>
           </a:p>
         </p:txBody>
       </p:sp>
       <p:cxnSp>
         <p:nvCxnSpPr>
           <p:cNvPr id="6" name="Straight Arrow Connector 5"/>
-          <p:cNvCxnSpPr/>
+          <p:cNvCxnSpPr>
+            <a:cxnSpLocks/>
+          </p:cNvCxnSpPr>
           <p:nvPr/>
         </p:nvCxnSpPr>
         <p:spPr>
-          <a:xfrm flipH="1">
-            <a:off x="8540965" y="323133"/>
-            <a:ext cx="600074" cy="400049"/>
+          <a:xfrm flipH="1" flipV="1">
+            <a:off x="8540966" y="5317098"/>
+            <a:ext cx="600073" cy="134186"/>
           </a:xfrm>
           <a:prstGeom prst="straightConnector1">
             <a:avLst/>
           </a:prstGeom>
-          <a:ln>
+          <a:ln w="28575">
             <a:solidFill>
               <a:schemeClr val="accent1">
                 <a:lumMod val="50000"/>
@@ -3048,7 +3046,7 @@
         </p:nvSpPr>
         <p:spPr>
           <a:xfrm>
-            <a:off x="9141039" y="137252"/>
+            <a:off x="9204741" y="5299203"/>
             <a:ext cx="1243161" cy="338554"/>
           </a:xfrm>
           <a:prstGeom prst="rect">
@@ -3057,15 +3055,11 @@
           <a:noFill/>
         </p:spPr>
         <p:txBody>
-          <a:bodyPr wrap="none" rtlCol="0">
+          <a:bodyPr wrap="square" rtlCol="0">
             <a:spAutoFit/>
           </a:bodyPr>
           <a:lstStyle/>
           <a:p>
-            <a:r>
-              <a:rPr lang="en-US" sz="1600" dirty="0"/>
-              <a:t>Figure (</a:t>
-            </a:r>
             <a:r>
               <a:rPr lang="en-US" sz="1600" dirty="0">
                 <a:latin typeface="Courier New" panose="02070309020205020404" pitchFamily="49" charset="0"/>
@@ -3075,7 +3069,7 @@
             </a:r>
             <a:r>
               <a:rPr lang="en-US" sz="1600" dirty="0"/>
-              <a:t>)</a:t>
+              <a:t> (figure)</a:t>
             </a:r>
           </a:p>
         </p:txBody>
@@ -3083,13 +3077,15 @@
       <p:cxnSp>
         <p:nvCxnSpPr>
           <p:cNvPr id="9" name="Straight Arrow Connector 8"/>
-          <p:cNvCxnSpPr/>
+          <p:cNvCxnSpPr>
+            <a:cxnSpLocks/>
+          </p:cNvCxnSpPr>
           <p:nvPr/>
         </p:nvCxnSpPr>
         <p:spPr>
-          <a:xfrm>
-            <a:off x="1094320" y="6624325"/>
-            <a:ext cx="7446645" cy="0"/>
+          <a:xfrm flipV="1">
+            <a:off x="447675" y="6624325"/>
+            <a:ext cx="8093290" cy="1"/>
           </a:xfrm>
           <a:prstGeom prst="straightConnector1">
             <a:avLst/>
@@ -3127,8 +3123,8 @@
         </p:nvSpPr>
         <p:spPr>
           <a:xfrm>
-            <a:off x="4393116" y="6455048"/>
-            <a:ext cx="801823" cy="338554"/>
+            <a:off x="3673610" y="6443325"/>
+            <a:ext cx="1542410" cy="338554"/>
           </a:xfrm>
           <a:prstGeom prst="rect">
             <a:avLst/>
@@ -3148,7 +3144,7 @@
                 <a:latin typeface="Courier New" panose="02070309020205020404" pitchFamily="49" charset="0"/>
                 <a:cs typeface="Courier New" panose="02070309020205020404" pitchFamily="49" charset="0"/>
               </a:rPr>
-              <a:t>fig_w</a:t>
+              <a:t>fig_size[0]</a:t>
             </a:r>
           </a:p>
         </p:txBody>
@@ -3195,7 +3191,7 @@
           <a:lstStyle/>
           <a:p>
             <a:pPr algn="ctr"/>
-            <a:endParaRPr lang="en-US"/>
+            <a:endParaRPr lang="en-US" dirty="0"/>
           </a:p>
         </p:txBody>
       </p:sp>
@@ -3207,13 +3203,13 @@
         </p:nvCxnSpPr>
         <p:spPr>
           <a:xfrm flipH="1" flipV="1">
-            <a:off x="6832942" y="5058120"/>
+            <a:off x="6832942" y="4294731"/>
             <a:ext cx="2308097" cy="477048"/>
           </a:xfrm>
           <a:prstGeom prst="straightConnector1">
             <a:avLst/>
           </a:prstGeom>
-          <a:ln>
+          <a:ln w="28575">
             <a:solidFill>
               <a:srgbClr val="C00000"/>
             </a:solidFill>
@@ -3243,8 +3239,8 @@
         </p:nvSpPr>
         <p:spPr>
           <a:xfrm>
-            <a:off x="9141039" y="5420088"/>
-            <a:ext cx="987193" cy="338554"/>
+            <a:off x="9141039" y="4656699"/>
+            <a:ext cx="964431" cy="338554"/>
           </a:xfrm>
           <a:prstGeom prst="rect">
             <a:avLst/>
@@ -3257,10 +3253,6 @@
           </a:bodyPr>
           <a:lstStyle/>
           <a:p>
-            <a:r>
-              <a:rPr lang="en-US" sz="1600" dirty="0"/>
-              <a:t>Axes (</a:t>
-            </a:r>
             <a:r>
               <a:rPr lang="en-US" sz="1600" dirty="0">
                 <a:latin typeface="Courier New" panose="02070309020205020404" pitchFamily="49" charset="0"/>
@@ -3270,7 +3262,7 @@
             </a:r>
             <a:r>
               <a:rPr lang="en-US" sz="1600" dirty="0"/>
-              <a:t>)</a:t>
+              <a:t> (axes)</a:t>
             </a:r>
           </a:p>
         </p:txBody>
@@ -3348,7 +3340,7 @@
           <a:prstGeom prst="straightConnector1">
             <a:avLst/>
           </a:prstGeom>
-          <a:ln>
+          <a:ln w="28575">
             <a:solidFill>
               <a:schemeClr val="bg1">
                 <a:lumMod val="75000"/>
@@ -3380,8 +3372,8 @@
         </p:nvSpPr>
         <p:spPr>
           <a:xfrm>
-            <a:off x="7078728" y="126919"/>
-            <a:ext cx="1337226" cy="338554"/>
+            <a:off x="7217240" y="184869"/>
+            <a:ext cx="801823" cy="338554"/>
           </a:xfrm>
           <a:prstGeom prst="rect">
             <a:avLst/>
@@ -3394,10 +3386,6 @@
           </a:bodyPr>
           <a:lstStyle/>
           <a:p>
-            <a:r>
-              <a:rPr lang="en-US" sz="1600" dirty="0"/>
-              <a:t>Title (</a:t>
-            </a:r>
             <a:r>
               <a:rPr lang="en-US" sz="1600" dirty="0">
                 <a:latin typeface="Courier New" panose="02070309020205020404" pitchFamily="49" charset="0"/>
@@ -3405,10 +3393,7 @@
               </a:rPr>
               <a:t>title</a:t>
             </a:r>
-            <a:r>
-              <a:rPr lang="en-US" sz="1600" dirty="0"/>
-              <a:t>)</a:t>
-            </a:r>
+            <a:endParaRPr lang="en-US" sz="1600" dirty="0"/>
           </a:p>
         </p:txBody>
       </p:sp>
@@ -3454,7 +3439,7 @@
           <a:lstStyle/>
           <a:p>
             <a:pPr algn="ctr"/>
-            <a:endParaRPr lang="en-US"/>
+            <a:endParaRPr lang="en-US" dirty="0"/>
           </a:p>
         </p:txBody>
       </p:sp>
@@ -3472,7 +3457,7 @@
           <a:prstGeom prst="straightConnector1">
             <a:avLst/>
           </a:prstGeom>
-          <a:ln>
+          <a:ln w="28575">
             <a:solidFill>
               <a:srgbClr val="00B050"/>
             </a:solidFill>
@@ -3503,7 +3488,7 @@
         <p:spPr>
           <a:xfrm>
             <a:off x="9124515" y="718601"/>
-            <a:ext cx="3242592" cy="1323439"/>
+            <a:ext cx="3242592" cy="338554"/>
           </a:xfrm>
           <a:prstGeom prst="rect">
             <a:avLst/>
@@ -3516,65 +3501,13 @@
           </a:bodyPr>
           <a:lstStyle/>
           <a:p>
-            <a:r>
-              <a:rPr lang="en-US" sz="1600" dirty="0"/>
-              <a:t>Legend (</a:t>
-            </a:r>
             <a:r>
               <a:rPr lang="en-US" sz="1600" dirty="0">
                 <a:latin typeface="Courier New" panose="02070309020205020404" pitchFamily="49" charset="0"/>
                 <a:cs typeface="Courier New" panose="02070309020205020404" pitchFamily="49" charset="0"/>
               </a:rPr>
-              <a:t>leg</a:t>
-            </a:r>
-            <a:r>
-              <a:rPr lang="en-US" sz="1600" dirty="0"/>
-              <a:t>)</a:t>
-            </a:r>
-          </a:p>
-          <a:p>
-            <a:pPr marL="285750" indent="-111125">
-              <a:buFont typeface="Arial" panose="020B0604020202020204" pitchFamily="34" charset="0"/>
-              <a:buChar char="•"/>
-            </a:pPr>
-            <a:r>
-              <a:rPr lang="en-US" sz="1600" dirty="0"/>
-              <a:t>Font: </a:t>
-            </a:r>
-            <a:r>
-              <a:rPr lang="en-US" sz="1600" dirty="0">
-                <a:latin typeface="Courier New" panose="02070309020205020404" pitchFamily="49" charset="0"/>
-                <a:cs typeface="Courier New" panose="02070309020205020404" pitchFamily="49" charset="0"/>
-              </a:rPr>
-              <a:t>leg_font_size</a:t>
-            </a:r>
-          </a:p>
-          <a:p>
-            <a:pPr marL="285750" indent="-111125">
-              <a:buFont typeface="Arial" panose="020B0604020202020204" pitchFamily="34" charset="0"/>
-              <a:buChar char="•"/>
-            </a:pPr>
-            <a:r>
-              <a:rPr lang="en-US" sz="1600" dirty="0"/>
-              <a:t>Number of points shown for each legend item:   </a:t>
-            </a:r>
-            <a:r>
-              <a:rPr lang="en-US" sz="1600" dirty="0">
-                <a:latin typeface="Courier New" panose="02070309020205020404" pitchFamily="49" charset="0"/>
-                <a:cs typeface="Courier New" panose="02070309020205020404" pitchFamily="49" charset="0"/>
-              </a:rPr>
-              <a:t>leg_points</a:t>
-            </a:r>
-          </a:p>
-          <a:p>
-            <a:pPr marL="285750" indent="-111125">
-              <a:buFont typeface="Arial" panose="020B0604020202020204" pitchFamily="34" charset="0"/>
-              <a:buChar char="•"/>
-            </a:pPr>
-            <a:endParaRPr lang="en-US" sz="1600" dirty="0">
-              <a:latin typeface="Courier New" panose="02070309020205020404" pitchFamily="49" charset="0"/>
-              <a:cs typeface="Courier New" panose="02070309020205020404" pitchFamily="49" charset="0"/>
-            </a:endParaRPr>
+              <a:t>legend</a:t>
+            </a:r>
           </a:p>
         </p:txBody>
       </p:sp>
@@ -3850,7 +3783,7 @@
           <a:lstStyle/>
           <a:p>
             <a:pPr algn="ctr"/>
-            <a:endParaRPr lang="en-US"/>
+            <a:endParaRPr lang="en-US" dirty="0"/>
           </a:p>
         </p:txBody>
       </p:sp>
@@ -3896,7 +3829,7 @@
           <a:lstStyle/>
           <a:p>
             <a:pPr algn="ctr"/>
-            <a:endParaRPr lang="en-US"/>
+            <a:endParaRPr lang="en-US" dirty="0"/>
           </a:p>
         </p:txBody>
       </p:sp>
@@ -3942,7 +3875,7 @@
           <a:lstStyle/>
           <a:p>
             <a:pPr algn="ctr"/>
-            <a:endParaRPr lang="en-US"/>
+            <a:endParaRPr lang="en-US" dirty="0"/>
           </a:p>
         </p:txBody>
       </p:sp>
@@ -4135,8 +4068,8 @@
         </p:nvSpPr>
         <p:spPr>
           <a:xfrm rot="16200000" flipH="1">
-            <a:off x="-207121" y="2978171"/>
-            <a:ext cx="801823" cy="338554"/>
+            <a:off x="-577413" y="2978171"/>
+            <a:ext cx="1542410" cy="338554"/>
           </a:xfrm>
           <a:prstGeom prst="rect">
             <a:avLst/>
@@ -4156,7 +4089,7 @@
                 <a:latin typeface="Courier New" panose="02070309020205020404" pitchFamily="49" charset="0"/>
                 <a:cs typeface="Courier New" panose="02070309020205020404" pitchFamily="49" charset="0"/>
               </a:rPr>
-              <a:t>fig_h</a:t>
+              <a:t>fig_size[1]</a:t>
             </a:r>
           </a:p>
         </p:txBody>
@@ -4374,7 +4307,7 @@
           <a:lstStyle/>
           <a:p>
             <a:pPr algn="ctr"/>
-            <a:endParaRPr lang="en-US"/>
+            <a:endParaRPr lang="en-US" dirty="0"/>
           </a:p>
         </p:txBody>
       </p:sp>
@@ -4403,16 +4336,12 @@
           <a:lstStyle/>
           <a:p>
             <a:r>
-              <a:rPr lang="en-US" sz="1600" dirty="0" err="1">
+              <a:rPr lang="en-US" sz="1600" dirty="0">
                 <a:latin typeface="Courier New" panose="02070309020205020404" pitchFamily="49" charset="0"/>
                 <a:cs typeface="Courier New" panose="02070309020205020404" pitchFamily="49" charset="0"/>
               </a:rPr>
               <a:t>ws_fig_label</a:t>
             </a:r>
-            <a:endParaRPr lang="en-US" sz="1600" dirty="0">
-              <a:latin typeface="Courier New" panose="02070309020205020404" pitchFamily="49" charset="0"/>
-              <a:cs typeface="Courier New" panose="02070309020205020404" pitchFamily="49" charset="0"/>
-            </a:endParaRPr>
           </a:p>
         </p:txBody>
       </p:sp>
@@ -4509,7 +4438,7 @@
           <a:lstStyle/>
           <a:p>
             <a:pPr algn="ctr"/>
-            <a:endParaRPr lang="en-US"/>
+            <a:endParaRPr lang="en-US" dirty="0"/>
           </a:p>
         </p:txBody>
       </p:sp>
@@ -4538,16 +4467,12 @@
           <a:lstStyle/>
           <a:p>
             <a:r>
-              <a:rPr lang="en-US" sz="1600" dirty="0" err="1">
+              <a:rPr lang="en-US" sz="1600" dirty="0">
                 <a:latin typeface="Courier New" panose="02070309020205020404" pitchFamily="49" charset="0"/>
                 <a:cs typeface="Courier New" panose="02070309020205020404" pitchFamily="49" charset="0"/>
               </a:rPr>
               <a:t>ws_leg_ax</a:t>
             </a:r>
-            <a:endParaRPr lang="en-US" sz="1600" dirty="0">
-              <a:latin typeface="Courier New" panose="02070309020205020404" pitchFamily="49" charset="0"/>
-              <a:cs typeface="Courier New" panose="02070309020205020404" pitchFamily="49" charset="0"/>
-            </a:endParaRPr>
           </a:p>
         </p:txBody>
       </p:sp>
@@ -4764,7 +4689,7 @@
           <a:lstStyle/>
           <a:p>
             <a:pPr algn="ctr"/>
-            <a:endParaRPr lang="en-US"/>
+            <a:endParaRPr lang="en-US" dirty="0"/>
           </a:p>
         </p:txBody>
       </p:sp>
@@ -4793,16 +4718,12 @@
           <a:lstStyle/>
           <a:p>
             <a:r>
-              <a:rPr lang="en-US" sz="1600" dirty="0" err="1">
+              <a:rPr lang="en-US" sz="1600" dirty="0">
                 <a:latin typeface="Courier New" panose="02070309020205020404" pitchFamily="49" charset="0"/>
                 <a:cs typeface="Courier New" panose="02070309020205020404" pitchFamily="49" charset="0"/>
               </a:rPr>
               <a:t>ws_fig_title</a:t>
             </a:r>
-            <a:endParaRPr lang="en-US" sz="1600" dirty="0">
-              <a:latin typeface="Courier New" panose="02070309020205020404" pitchFamily="49" charset="0"/>
-              <a:cs typeface="Courier New" panose="02070309020205020404" pitchFamily="49" charset="0"/>
-            </a:endParaRPr>
           </a:p>
         </p:txBody>
       </p:sp>
@@ -4815,7 +4736,7 @@
         <p:spPr>
           <a:xfrm>
             <a:off x="2269764" y="916221"/>
-            <a:ext cx="1048685" cy="338554"/>
+            <a:ext cx="1418978" cy="338554"/>
           </a:xfrm>
           <a:prstGeom prst="rect">
             <a:avLst/>
@@ -4833,7 +4754,7 @@
                 <a:latin typeface="Courier New" panose="02070309020205020404" pitchFamily="49" charset="0"/>
                 <a:cs typeface="Courier New" panose="02070309020205020404" pitchFamily="49" charset="0"/>
               </a:rPr>
-              <a:t>title_h</a:t>
+              <a:t>title_size</a:t>
             </a:r>
           </a:p>
         </p:txBody>
@@ -4969,7 +4890,7 @@
           <a:lstStyle/>
           <a:p>
             <a:pPr algn="ctr"/>
-            <a:endParaRPr lang="en-US"/>
+            <a:endParaRPr lang="en-US" dirty="0"/>
           </a:p>
         </p:txBody>
       </p:sp>
@@ -4996,16 +4917,12 @@
           <a:lstStyle/>
           <a:p>
             <a:r>
-              <a:rPr lang="en-US" sz="1600" dirty="0" err="1">
+              <a:rPr lang="en-US" sz="1600" dirty="0">
                 <a:latin typeface="Courier New" panose="02070309020205020404" pitchFamily="49" charset="0"/>
                 <a:cs typeface="Courier New" panose="02070309020205020404" pitchFamily="49" charset="0"/>
               </a:rPr>
               <a:t>ws_title_ax</a:t>
             </a:r>
-            <a:endParaRPr lang="en-US" sz="1600" dirty="0">
-              <a:latin typeface="Courier New" panose="02070309020205020404" pitchFamily="49" charset="0"/>
-              <a:cs typeface="Courier New" panose="02070309020205020404" pitchFamily="49" charset="0"/>
-            </a:endParaRPr>
           </a:p>
         </p:txBody>
       </p:sp>
@@ -5132,7 +5049,7 @@
           <a:lstStyle/>
           <a:p>
             <a:pPr algn="ctr"/>
-            <a:endParaRPr lang="en-US"/>
+            <a:endParaRPr lang="en-US" dirty="0"/>
           </a:p>
         </p:txBody>
       </p:sp>
@@ -5145,7 +5062,7 @@
         <p:spPr>
           <a:xfrm>
             <a:off x="9244267" y="2234731"/>
-            <a:ext cx="2159566" cy="338554"/>
+            <a:ext cx="1418978" cy="338554"/>
           </a:xfrm>
           <a:prstGeom prst="rect">
             <a:avLst/>
@@ -5160,19 +5077,12 @@
           </a:bodyPr>
           <a:lstStyle/>
           <a:p>
-            <a:r>
-              <a:rPr lang="en-US" sz="1600" dirty="0" err="1">
-                <a:latin typeface="Courier New" panose="02070309020205020404" pitchFamily="49" charset="0"/>
-                <a:cs typeface="Courier New" panose="02070309020205020404" pitchFamily="49" charset="0"/>
-              </a:rPr>
-              <a:t>ws_fig_leg</a:t>
-            </a:r>
             <a:r>
               <a:rPr lang="en-US" sz="1600" dirty="0">
                 <a:latin typeface="Courier New" panose="02070309020205020404" pitchFamily="49" charset="0"/>
                 <a:cs typeface="Courier New" panose="02070309020205020404" pitchFamily="49" charset="0"/>
               </a:rPr>
-              <a:t> + 6px</a:t>
+              <a:t>ws_leg_fig</a:t>
             </a:r>
           </a:p>
         </p:txBody>
@@ -5230,9 +5140,10 @@
                 <a:solidFill>
                   <a:schemeClr val="tx1"/>
                 </a:solidFill>
+                <a:latin typeface="Courier New" panose="02070309020205020404" pitchFamily="49" charset="0"/>
                 <a:cs typeface="Courier New" panose="02070309020205020404" pitchFamily="49" charset="0"/>
               </a:rPr>
-              <a:t>ylabel</a:t>
+              <a:t>label_y</a:t>
             </a:r>
           </a:p>
         </p:txBody>
@@ -5290,9 +5201,10 @@
                 <a:solidFill>
                   <a:schemeClr val="tx1"/>
                 </a:solidFill>
+                <a:latin typeface="Courier New" panose="02070309020205020404" pitchFamily="49" charset="0"/>
                 <a:cs typeface="Courier New" panose="02070309020205020404" pitchFamily="49" charset="0"/>
               </a:rPr>
-              <a:t>xlabel</a:t>
+              <a:t>label_x</a:t>
             </a:r>
           </a:p>
         </p:txBody>
@@ -5353,9 +5265,10 @@
                 <a:solidFill>
                   <a:schemeClr val="tx1"/>
                 </a:solidFill>
+                <a:latin typeface="Courier New" panose="02070309020205020404" pitchFamily="49" charset="0"/>
                 <a:cs typeface="Courier New" panose="02070309020205020404" pitchFamily="49" charset="0"/>
               </a:rPr>
-              <a:t>ytick labels</a:t>
+              <a:t>tick_labels_major|minor_y</a:t>
             </a:r>
           </a:p>
         </p:txBody>
@@ -5416,9 +5329,10 @@
                 <a:solidFill>
                   <a:schemeClr val="tx1"/>
                 </a:solidFill>
+                <a:latin typeface="Courier New" panose="02070309020205020404" pitchFamily="49" charset="0"/>
                 <a:cs typeface="Courier New" panose="02070309020205020404" pitchFamily="49" charset="0"/>
               </a:rPr>
-              <a:t>xtick labels</a:t>
+              <a:t>tick_labels_major|minor_x</a:t>
             </a:r>
           </a:p>
         </p:txBody>
@@ -5830,16 +5744,12 @@
           <a:lstStyle/>
           <a:p>
             <a:r>
-              <a:rPr lang="en-US" sz="1600" dirty="0" err="1">
+              <a:rPr lang="en-US" sz="1600" dirty="0">
                 <a:latin typeface="Courier New" panose="02070309020205020404" pitchFamily="49" charset="0"/>
                 <a:cs typeface="Courier New" panose="02070309020205020404" pitchFamily="49" charset="0"/>
               </a:rPr>
               <a:t>ws_label_tick</a:t>
             </a:r>
-            <a:endParaRPr lang="en-US" sz="1600" dirty="0">
-              <a:latin typeface="Courier New" panose="02070309020205020404" pitchFamily="49" charset="0"/>
-              <a:cs typeface="Courier New" panose="02070309020205020404" pitchFamily="49" charset="0"/>
-            </a:endParaRPr>
           </a:p>
         </p:txBody>
       </p:sp>
@@ -5942,7 +5852,7 @@
           <a:lstStyle/>
           <a:p>
             <a:pPr algn="ctr"/>
-            <a:endParaRPr lang="en-US"/>
+            <a:endParaRPr lang="en-US" dirty="0"/>
           </a:p>
         </p:txBody>
       </p:sp>
@@ -6040,7 +5950,7 @@
           <a:lstStyle/>
           <a:p>
             <a:pPr algn="ctr"/>
-            <a:endParaRPr lang="en-US"/>
+            <a:endParaRPr lang="en-US" dirty="0"/>
           </a:p>
         </p:txBody>
       </p:sp>
@@ -6273,7 +6183,7 @@
           <a:lstStyle/>
           <a:p>
             <a:pPr algn="ctr"/>
-            <a:endParaRPr lang="en-US"/>
+            <a:endParaRPr lang="en-US" dirty="0"/>
           </a:p>
         </p:txBody>
       </p:sp>
@@ -6292,7 +6202,7 @@
         <p:spPr>
           <a:xfrm>
             <a:off x="2575388" y="4395173"/>
-            <a:ext cx="1418978" cy="338554"/>
+            <a:ext cx="1542410" cy="338554"/>
           </a:xfrm>
           <a:prstGeom prst="rect">
             <a:avLst/>
@@ -6308,16 +6218,12 @@
           <a:lstStyle/>
           <a:p>
             <a:r>
-              <a:rPr lang="en-US" sz="1600" dirty="0" err="1">
+              <a:rPr lang="en-US" sz="1600" dirty="0">
                 <a:latin typeface="Courier New" panose="02070309020205020404" pitchFamily="49" charset="0"/>
                 <a:cs typeface="Courier New" panose="02070309020205020404" pitchFamily="49" charset="0"/>
               </a:rPr>
-              <a:t>ws_tick_ax</a:t>
-            </a:r>
-            <a:endParaRPr lang="en-US" sz="1600" dirty="0">
-              <a:latin typeface="Courier New" panose="02070309020205020404" pitchFamily="49" charset="0"/>
-              <a:cs typeface="Courier New" panose="02070309020205020404" pitchFamily="49" charset="0"/>
-            </a:endParaRPr>
+              <a:t>ws_ticks_ax</a:t>
+            </a:r>
           </a:p>
         </p:txBody>
       </p:sp>
@@ -6445,7 +6351,7 @@
           <a:lstStyle/>
           <a:p>
             <a:pPr algn="ctr"/>
-            <a:endParaRPr lang="en-US"/>
+            <a:endParaRPr lang="en-US" dirty="0"/>
           </a:p>
         </p:txBody>
       </p:sp>
@@ -6523,7 +6429,7 @@
           <a:lstStyle/>
           <a:p>
             <a:pPr algn="ctr"/>
-            <a:endParaRPr lang="en-US"/>
+            <a:endParaRPr lang="en-US" dirty="0"/>
           </a:p>
         </p:txBody>
       </p:sp>
@@ -6569,7 +6475,7 @@
           <a:lstStyle/>
           <a:p>
             <a:pPr algn="ctr"/>
-            <a:endParaRPr lang="en-US"/>
+            <a:endParaRPr lang="en-US" dirty="0"/>
           </a:p>
         </p:txBody>
       </p:sp>
@@ -6845,7 +6751,7 @@
           <a:lstStyle/>
           <a:p>
             <a:pPr algn="ctr"/>
-            <a:endParaRPr lang="en-US"/>
+            <a:endParaRPr lang="en-US" dirty="0"/>
           </a:p>
         </p:txBody>
       </p:sp>
@@ -6891,7 +6797,7 @@
           <a:lstStyle/>
           <a:p>
             <a:pPr algn="ctr"/>
-            <a:endParaRPr lang="en-US"/>
+            <a:endParaRPr lang="en-US" dirty="0"/>
           </a:p>
         </p:txBody>
       </p:sp>
@@ -6937,7 +6843,7 @@
           <a:lstStyle/>
           <a:p>
             <a:pPr algn="ctr"/>
-            <a:endParaRPr lang="en-US"/>
+            <a:endParaRPr lang="en-US" dirty="0"/>
           </a:p>
         </p:txBody>
       </p:sp>
@@ -6983,7 +6889,7 @@
           <a:lstStyle/>
           <a:p>
             <a:pPr algn="ctr"/>
-            <a:endParaRPr lang="en-US"/>
+            <a:endParaRPr lang="en-US" dirty="0"/>
           </a:p>
         </p:txBody>
       </p:sp>
@@ -7029,7 +6935,7 @@
           <a:lstStyle/>
           <a:p>
             <a:pPr algn="ctr"/>
-            <a:endParaRPr lang="en-US"/>
+            <a:endParaRPr lang="en-US" dirty="0"/>
           </a:p>
         </p:txBody>
       </p:sp>
@@ -7075,7 +6981,7 @@
           <a:lstStyle/>
           <a:p>
             <a:pPr algn="ctr"/>
-            <a:endParaRPr lang="en-US"/>
+            <a:endParaRPr lang="en-US" dirty="0"/>
           </a:p>
         </p:txBody>
       </p:sp>
@@ -7121,7 +7027,7 @@
           <a:lstStyle/>
           <a:p>
             <a:pPr algn="ctr"/>
-            <a:endParaRPr lang="en-US"/>
+            <a:endParaRPr lang="en-US" dirty="0"/>
           </a:p>
         </p:txBody>
       </p:sp>
@@ -7167,7 +7073,7 @@
           <a:lstStyle/>
           <a:p>
             <a:pPr algn="ctr"/>
-            <a:endParaRPr lang="en-US"/>
+            <a:endParaRPr lang="en-US" dirty="0"/>
           </a:p>
         </p:txBody>
       </p:sp>
@@ -7213,7 +7119,7 @@
           <a:lstStyle/>
           <a:p>
             <a:pPr algn="ctr"/>
-            <a:endParaRPr lang="en-US"/>
+            <a:endParaRPr lang="en-US" dirty="0"/>
           </a:p>
         </p:txBody>
       </p:sp>
@@ -7554,7 +7460,7 @@
           <a:lstStyle/>
           <a:p>
             <a:pPr algn="ctr"/>
-            <a:endParaRPr lang="en-US"/>
+            <a:endParaRPr lang="en-US" dirty="0"/>
           </a:p>
         </p:txBody>
       </p:sp>
@@ -7635,7 +7541,7 @@
           <a:lstStyle/>
           <a:p>
             <a:pPr algn="ctr"/>
-            <a:endParaRPr lang="en-US"/>
+            <a:endParaRPr lang="en-US" dirty="0"/>
           </a:p>
         </p:txBody>
       </p:sp>
@@ -7846,7 +7752,7 @@
           <a:lstStyle/>
           <a:p>
             <a:pPr algn="ctr"/>
-            <a:endParaRPr lang="en-US"/>
+            <a:endParaRPr lang="en-US" dirty="0"/>
           </a:p>
         </p:txBody>
       </p:sp>
@@ -7873,16 +7779,12 @@
           <a:lstStyle/>
           <a:p>
             <a:r>
-              <a:rPr lang="en-US" dirty="0" err="1">
+              <a:rPr lang="en-US" dirty="0">
                 <a:latin typeface="Courier New" panose="02070309020205020404" pitchFamily="49" charset="0"/>
                 <a:cs typeface="Courier New" panose="02070309020205020404" pitchFamily="49" charset="0"/>
               </a:rPr>
               <a:t>ws_cols</a:t>
             </a:r>
-            <a:endParaRPr lang="en-US" dirty="0">
-              <a:latin typeface="Courier New" panose="02070309020205020404" pitchFamily="49" charset="0"/>
-              <a:cs typeface="Courier New" panose="02070309020205020404" pitchFamily="49" charset="0"/>
-            </a:endParaRPr>
           </a:p>
         </p:txBody>
       </p:sp>
@@ -7947,16 +7849,12 @@
           <a:lstStyle/>
           <a:p>
             <a:r>
-              <a:rPr lang="en-US" dirty="0" err="1">
+              <a:rPr lang="en-US" dirty="0">
                 <a:latin typeface="Courier New" panose="02070309020205020404" pitchFamily="49" charset="0"/>
                 <a:cs typeface="Courier New" panose="02070309020205020404" pitchFamily="49" charset="0"/>
               </a:rPr>
               <a:t>ws_rows</a:t>
             </a:r>
-            <a:endParaRPr lang="en-US" dirty="0">
-              <a:latin typeface="Courier New" panose="02070309020205020404" pitchFamily="49" charset="0"/>
-              <a:cs typeface="Courier New" panose="02070309020205020404" pitchFamily="49" charset="0"/>
-            </a:endParaRPr>
           </a:p>
         </p:txBody>
       </p:sp>
@@ -8087,16 +7985,12 @@
           <a:lstStyle/>
           <a:p>
             <a:r>
-              <a:rPr lang="en-US" sz="1600" dirty="0" err="1">
+              <a:rPr lang="en-US" sz="1600" dirty="0">
                 <a:latin typeface="Courier New" panose="02070309020205020404" pitchFamily="49" charset="0"/>
                 <a:cs typeface="Courier New" panose="02070309020205020404" pitchFamily="49" charset="0"/>
               </a:rPr>
-              <a:t>rc_label_size</a:t>
-            </a:r>
-            <a:endParaRPr lang="en-US" sz="1600" dirty="0">
-              <a:latin typeface="Courier New" panose="02070309020205020404" pitchFamily="49" charset="0"/>
-              <a:cs typeface="Courier New" panose="02070309020205020404" pitchFamily="49" charset="0"/>
-            </a:endParaRPr>
+              <a:t>label_rc_size</a:t>
+            </a:r>
           </a:p>
         </p:txBody>
       </p:sp>
@@ -8199,7 +8093,7 @@
           <a:lstStyle/>
           <a:p>
             <a:pPr algn="ctr"/>
-            <a:endParaRPr lang="en-US"/>
+            <a:endParaRPr lang="en-US" dirty="0"/>
           </a:p>
         </p:txBody>
       </p:sp>
@@ -8297,7 +8191,7 @@
           <a:lstStyle/>
           <a:p>
             <a:pPr algn="ctr"/>
-            <a:endParaRPr lang="en-US"/>
+            <a:endParaRPr lang="en-US" dirty="0"/>
           </a:p>
         </p:txBody>
       </p:sp>
@@ -8428,16 +8322,12 @@
           <a:lstStyle/>
           <a:p>
             <a:r>
-              <a:rPr lang="en-US" sz="1600" dirty="0" err="1">
+              <a:rPr lang="en-US" sz="1600" dirty="0">
                 <a:latin typeface="Courier New" panose="02070309020205020404" pitchFamily="49" charset="0"/>
                 <a:cs typeface="Courier New" panose="02070309020205020404" pitchFamily="49" charset="0"/>
               </a:rPr>
-              <a:t>ws_rc_label</a:t>
-            </a:r>
-            <a:endParaRPr lang="en-US" sz="1600" dirty="0">
-              <a:latin typeface="Courier New" panose="02070309020205020404" pitchFamily="49" charset="0"/>
-              <a:cs typeface="Courier New" panose="02070309020205020404" pitchFamily="49" charset="0"/>
-            </a:endParaRPr>
+              <a:t>ws_label_rc</a:t>
+            </a:r>
           </a:p>
         </p:txBody>
       </p:sp>
@@ -8535,7 +8425,7 @@
           <a:lstStyle/>
           <a:p>
             <a:pPr algn="ctr"/>
-            <a:endParaRPr lang="en-US"/>
+            <a:endParaRPr lang="en-US" dirty="0"/>
           </a:p>
         </p:txBody>
       </p:sp>
@@ -8633,7 +8523,7 @@
           <a:lstStyle/>
           <a:p>
             <a:pPr algn="ctr"/>
-            <a:endParaRPr lang="en-US"/>
+            <a:endParaRPr lang="en-US" dirty="0"/>
           </a:p>
         </p:txBody>
       </p:sp>

--- a/fivecentplots/doc/diagram.pptx
+++ b/fivecentplots/doc/diagram.pptx
@@ -243,7 +243,7 @@
           <a:p>
             <a:fld id="{8E22F708-BB7A-4367-940A-243452B90990}" type="datetimeFigureOut">
               <a:rPr lang="en-US" smtClean="0"/>
-              <a:t>7/8/2018</a:t>
+              <a:t>12/22/2018</a:t>
             </a:fld>
             <a:endParaRPr lang="en-US" dirty="0"/>
           </a:p>
@@ -411,7 +411,7 @@
           <a:p>
             <a:fld id="{8E22F708-BB7A-4367-940A-243452B90990}" type="datetimeFigureOut">
               <a:rPr lang="en-US" smtClean="0"/>
-              <a:t>7/8/2018</a:t>
+              <a:t>12/22/2018</a:t>
             </a:fld>
             <a:endParaRPr lang="en-US" dirty="0"/>
           </a:p>
@@ -589,7 +589,7 @@
           <a:p>
             <a:fld id="{8E22F708-BB7A-4367-940A-243452B90990}" type="datetimeFigureOut">
               <a:rPr lang="en-US" smtClean="0"/>
-              <a:t>7/8/2018</a:t>
+              <a:t>12/22/2018</a:t>
             </a:fld>
             <a:endParaRPr lang="en-US" dirty="0"/>
           </a:p>
@@ -757,7 +757,7 @@
           <a:p>
             <a:fld id="{8E22F708-BB7A-4367-940A-243452B90990}" type="datetimeFigureOut">
               <a:rPr lang="en-US" smtClean="0"/>
-              <a:t>7/8/2018</a:t>
+              <a:t>12/22/2018</a:t>
             </a:fld>
             <a:endParaRPr lang="en-US" dirty="0"/>
           </a:p>
@@ -1002,7 +1002,7 @@
           <a:p>
             <a:fld id="{8E22F708-BB7A-4367-940A-243452B90990}" type="datetimeFigureOut">
               <a:rPr lang="en-US" smtClean="0"/>
-              <a:t>7/8/2018</a:t>
+              <a:t>12/22/2018</a:t>
             </a:fld>
             <a:endParaRPr lang="en-US" dirty="0"/>
           </a:p>
@@ -1231,7 +1231,7 @@
           <a:p>
             <a:fld id="{8E22F708-BB7A-4367-940A-243452B90990}" type="datetimeFigureOut">
               <a:rPr lang="en-US" smtClean="0"/>
-              <a:t>7/8/2018</a:t>
+              <a:t>12/22/2018</a:t>
             </a:fld>
             <a:endParaRPr lang="en-US" dirty="0"/>
           </a:p>
@@ -1595,7 +1595,7 @@
           <a:p>
             <a:fld id="{8E22F708-BB7A-4367-940A-243452B90990}" type="datetimeFigureOut">
               <a:rPr lang="en-US" smtClean="0"/>
-              <a:t>7/8/2018</a:t>
+              <a:t>12/22/2018</a:t>
             </a:fld>
             <a:endParaRPr lang="en-US" dirty="0"/>
           </a:p>
@@ -1712,7 +1712,7 @@
           <a:p>
             <a:fld id="{8E22F708-BB7A-4367-940A-243452B90990}" type="datetimeFigureOut">
               <a:rPr lang="en-US" smtClean="0"/>
-              <a:t>7/8/2018</a:t>
+              <a:t>12/22/2018</a:t>
             </a:fld>
             <a:endParaRPr lang="en-US" dirty="0"/>
           </a:p>
@@ -1807,7 +1807,7 @@
           <a:p>
             <a:fld id="{8E22F708-BB7A-4367-940A-243452B90990}" type="datetimeFigureOut">
               <a:rPr lang="en-US" smtClean="0"/>
-              <a:t>7/8/2018</a:t>
+              <a:t>12/22/2018</a:t>
             </a:fld>
             <a:endParaRPr lang="en-US" dirty="0"/>
           </a:p>
@@ -2082,7 +2082,7 @@
           <a:p>
             <a:fld id="{8E22F708-BB7A-4367-940A-243452B90990}" type="datetimeFigureOut">
               <a:rPr lang="en-US" smtClean="0"/>
-              <a:t>7/8/2018</a:t>
+              <a:t>12/22/2018</a:t>
             </a:fld>
             <a:endParaRPr lang="en-US" dirty="0"/>
           </a:p>
@@ -2334,7 +2334,7 @@
           <a:p>
             <a:fld id="{8E22F708-BB7A-4367-940A-243452B90990}" type="datetimeFigureOut">
               <a:rPr lang="en-US" smtClean="0"/>
-              <a:t>7/8/2018</a:t>
+              <a:t>12/22/2018</a:t>
             </a:fld>
             <a:endParaRPr lang="en-US" dirty="0"/>
           </a:p>
@@ -2545,7 +2545,7 @@
           <a:p>
             <a:fld id="{8E22F708-BB7A-4367-940A-243452B90990}" type="datetimeFigureOut">
               <a:rPr lang="en-US" smtClean="0"/>
-              <a:t>7/8/2018</a:t>
+              <a:t>12/22/2018</a:t>
             </a:fld>
             <a:endParaRPr lang="en-US" dirty="0"/>
           </a:p>
@@ -4471,7 +4471,7 @@
                 <a:latin typeface="Courier New" panose="02070309020205020404" pitchFamily="49" charset="0"/>
                 <a:cs typeface="Courier New" panose="02070309020205020404" pitchFamily="49" charset="0"/>
               </a:rPr>
-              <a:t>ws_leg_ax</a:t>
+              <a:t>ws_ax_leg</a:t>
             </a:r>
           </a:p>
         </p:txBody>
@@ -7765,7 +7765,7 @@
         <p:spPr>
           <a:xfrm>
             <a:off x="4220093" y="1690782"/>
-            <a:ext cx="1149674" cy="369332"/>
+            <a:ext cx="1011815" cy="369332"/>
           </a:xfrm>
           <a:prstGeom prst="rect">
             <a:avLst/>
@@ -7783,7 +7783,7 @@
                 <a:latin typeface="Courier New" panose="02070309020205020404" pitchFamily="49" charset="0"/>
                 <a:cs typeface="Courier New" panose="02070309020205020404" pitchFamily="49" charset="0"/>
               </a:rPr>
-              <a:t>ws_cols</a:t>
+              <a:t>ws_col</a:t>
             </a:r>
           </a:p>
         </p:txBody>
@@ -7835,7 +7835,7 @@
         <p:spPr>
           <a:xfrm>
             <a:off x="3540240" y="3157354"/>
-            <a:ext cx="1149674" cy="369332"/>
+            <a:ext cx="1011815" cy="369332"/>
           </a:xfrm>
           <a:prstGeom prst="rect">
             <a:avLst/>
@@ -7853,7 +7853,7 @@
                 <a:latin typeface="Courier New" panose="02070309020205020404" pitchFamily="49" charset="0"/>
                 <a:cs typeface="Courier New" panose="02070309020205020404" pitchFamily="49" charset="0"/>
               </a:rPr>
-              <a:t>ws_rows</a:t>
+              <a:t>ws_row</a:t>
             </a:r>
           </a:p>
         </p:txBody>
